--- a/Examples/Example19/0-ConsolidatedResultsExample19toExample21_optimized_map_mcmc_images.pptx
+++ b/Examples/Example19/0-ConsolidatedResultsExample19toExample21_optimized_map_mcmc_images.pptx
@@ -5,8 +5,10 @@
     <p:sldMasterId id="2147483648" r:id="rId1"/>
   </p:sldMasterIdLst>
   <p:sldIdLst>
-    <p:sldId id="256" r:id="rId2"/>
-    <p:sldId id="257" r:id="rId3"/>
+    <p:sldId id="259" r:id="rId2"/>
+    <p:sldId id="256" r:id="rId3"/>
+    <p:sldId id="257" r:id="rId4"/>
+    <p:sldId id="258" r:id="rId5"/>
   </p:sldIdLst>
   <p:sldSz cx="12192000" cy="6858000"/>
   <p:notesSz cx="6858000" cy="9144000"/>
@@ -105,6 +107,11 @@
       </a:defRPr>
     </a:lvl9pPr>
   </p:defaultTextStyle>
+  <p:extLst>
+    <p:ext uri="{EFAFB233-063F-42B5-8137-9DF3F51BA10A}">
+      <p15:sldGuideLst xmlns:p15="http://schemas.microsoft.com/office/powerpoint/2012/main"/>
+    </p:ext>
+  </p:extLst>
 </p:presentation>
 </file>
 
@@ -3322,6 +3329,137 @@
           <a:chExt cx="0" cy="0"/>
         </a:xfrm>
       </p:grpSpPr>
+      <p:sp>
+        <p:nvSpPr>
+          <p:cNvPr id="2" name="Title 1">
+            <a:extLst>
+              <a:ext uri="{FF2B5EF4-FFF2-40B4-BE49-F238E27FC236}">
+                <a16:creationId xmlns:a16="http://schemas.microsoft.com/office/drawing/2014/main" id="{1D9BE6BB-EB63-4C47-BDEE-73EE9B1E960F}"/>
+              </a:ext>
+            </a:extLst>
+          </p:cNvPr>
+          <p:cNvSpPr>
+            <a:spLocks noGrp="1"/>
+          </p:cNvSpPr>
+          <p:nvPr>
+            <p:ph type="ctrTitle"/>
+          </p:nvPr>
+        </p:nvSpPr>
+        <p:spPr/>
+        <p:txBody>
+          <a:bodyPr/>
+          <a:lstStyle/>
+          <a:p>
+            <a:r>
+              <a:rPr lang="en-US" dirty="0"/>
+              <a:t>Procedure</a:t>
+            </a:r>
+          </a:p>
+        </p:txBody>
+      </p:sp>
+      <p:sp>
+        <p:nvSpPr>
+          <p:cNvPr id="3" name="Subtitle 2">
+            <a:extLst>
+              <a:ext uri="{FF2B5EF4-FFF2-40B4-BE49-F238E27FC236}">
+                <a16:creationId xmlns:a16="http://schemas.microsoft.com/office/drawing/2014/main" id="{14BF9A87-CF55-4DBE-BB9E-DEE7B564320E}"/>
+              </a:ext>
+            </a:extLst>
+          </p:cNvPr>
+          <p:cNvSpPr>
+            <a:spLocks noGrp="1"/>
+          </p:cNvSpPr>
+          <p:nvPr>
+            <p:ph type="subTitle" idx="1"/>
+          </p:nvPr>
+        </p:nvSpPr>
+        <p:spPr/>
+        <p:txBody>
+          <a:bodyPr>
+            <a:normAutofit fontScale="92500" lnSpcReduction="10000"/>
+          </a:bodyPr>
+          <a:lstStyle/>
+          <a:p>
+            <a:pPr marL="457200" indent="-457200">
+              <a:buAutoNum type="arabicParenR"/>
+            </a:pPr>
+            <a:r>
+              <a:rPr lang="en-US" dirty="0"/>
+              <a:t>Took images made by </a:t>
+            </a:r>
+            <a:r>
+              <a:rPr lang="en-US" dirty="0" err="1"/>
+              <a:t>CheKiPEUQ</a:t>
+            </a:r>
+            <a:endParaRPr lang="en-US" dirty="0"/>
+          </a:p>
+          <a:p>
+            <a:pPr marL="457200" indent="-457200">
+              <a:buAutoNum type="arabicParenR"/>
+            </a:pPr>
+            <a:r>
+              <a:rPr lang="en-US" dirty="0"/>
+              <a:t>Edited in </a:t>
+            </a:r>
+            <a:r>
+              <a:rPr lang="en-US" dirty="0" err="1"/>
+              <a:t>powerpoint</a:t>
+            </a:r>
+            <a:r>
+              <a:rPr lang="en-US" dirty="0"/>
+              <a:t> for 65% Saturation</a:t>
+            </a:r>
+          </a:p>
+          <a:p>
+            <a:pPr marL="457200" indent="-457200">
+              <a:buAutoNum type="arabicParenR"/>
+            </a:pPr>
+            <a:r>
+              <a:rPr lang="en-US" dirty="0"/>
+              <a:t>Manually covered old axes labels and put new ones.</a:t>
+            </a:r>
+          </a:p>
+          <a:p>
+            <a:pPr marL="457200" indent="-457200">
+              <a:buAutoNum type="arabicParenR"/>
+            </a:pPr>
+            <a:r>
+              <a:rPr lang="en-US" dirty="0"/>
+              <a:t>Along the way was some grouping etc., then copied and pasted as image.</a:t>
+            </a:r>
+          </a:p>
+        </p:txBody>
+      </p:sp>
+    </p:spTree>
+    <p:extLst>
+      <p:ext uri="{BB962C8B-B14F-4D97-AF65-F5344CB8AC3E}">
+        <p14:creationId xmlns:p14="http://schemas.microsoft.com/office/powerpoint/2010/main" val="2055247148"/>
+      </p:ext>
+    </p:extLst>
+  </p:cSld>
+  <p:clrMapOvr>
+    <a:masterClrMapping/>
+  </p:clrMapOvr>
+</p:sld>
+</file>
+
+<file path=ppt/slides/slide2.xml><?xml version="1.0" encoding="utf-8"?>
+<p:sld xmlns:a="http://schemas.openxmlformats.org/drawingml/2006/main" xmlns:r="http://schemas.openxmlformats.org/officeDocument/2006/relationships" xmlns:p="http://schemas.openxmlformats.org/presentationml/2006/main">
+  <p:cSld>
+    <p:spTree>
+      <p:nvGrpSpPr>
+        <p:cNvPr id="1" name=""/>
+        <p:cNvGrpSpPr/>
+        <p:nvPr/>
+      </p:nvGrpSpPr>
+      <p:grpSpPr>
+        <a:xfrm>
+          <a:off x="0" y="0"/>
+          <a:ext cx="0" cy="0"/>
+          <a:chOff x="0" y="0"/>
+          <a:chExt cx="0" cy="0"/>
+        </a:xfrm>
+      </p:grpSpPr>
       <p:pic>
         <p:nvPicPr>
           <p:cNvPr id="12" name="Picture 11">
@@ -3690,7 +3828,7 @@
           <a:p>
             <a:r>
               <a:rPr lang="en-US" dirty="0"/>
-              <a:t>CPE &amp; BPE with Model A &amp; 0.0025</a:t>
+              <a:t>CPE &amp; BPE with Model A &amp; 0.0050</a:t>
             </a:r>
           </a:p>
           <a:p>
@@ -3701,6 +3839,1579 @@
           </a:p>
         </p:txBody>
       </p:sp>
+      <p:sp>
+        <p:nvSpPr>
+          <p:cNvPr id="16" name="TextBox 15">
+            <a:extLst>
+              <a:ext uri="{FF2B5EF4-FFF2-40B4-BE49-F238E27FC236}">
+                <a16:creationId xmlns:a16="http://schemas.microsoft.com/office/drawing/2014/main" id="{57940E72-D1DA-4745-A664-037CE0160365}"/>
+              </a:ext>
+            </a:extLst>
+          </p:cNvPr>
+          <p:cNvSpPr txBox="1"/>
+          <p:nvPr/>
+        </p:nvSpPr>
+        <p:spPr>
+          <a:xfrm>
+            <a:off x="3852815" y="1560536"/>
+            <a:ext cx="738823" cy="276999"/>
+          </a:xfrm>
+          <a:prstGeom prst="rect">
+            <a:avLst/>
+          </a:prstGeom>
+          <a:noFill/>
+        </p:spPr>
+        <p:txBody>
+          <a:bodyPr wrap="square" lIns="45720" rtlCol="0">
+            <a:spAutoFit/>
+          </a:bodyPr>
+          <a:lstStyle/>
+          <a:p>
+            <a:r>
+              <a:rPr lang="en-US" sz="1200" dirty="0"/>
+              <a:t>        </a:t>
+            </a:r>
+            <a:r>
+              <a:rPr lang="en-US" sz="1200" b="1" dirty="0"/>
+              <a:t>CPE </a:t>
+            </a:r>
+            <a:r>
+              <a:rPr lang="en-US" sz="1200" dirty="0"/>
+              <a:t>  </a:t>
+            </a:r>
+          </a:p>
+        </p:txBody>
+      </p:sp>
+      <p:sp>
+        <p:nvSpPr>
+          <p:cNvPr id="17" name="TextBox 16">
+            <a:extLst>
+              <a:ext uri="{FF2B5EF4-FFF2-40B4-BE49-F238E27FC236}">
+                <a16:creationId xmlns:a16="http://schemas.microsoft.com/office/drawing/2014/main" id="{EC117376-6B7C-4FDD-AEFE-CB1B89A57CF3}"/>
+              </a:ext>
+            </a:extLst>
+          </p:cNvPr>
+          <p:cNvSpPr txBox="1"/>
+          <p:nvPr/>
+        </p:nvSpPr>
+        <p:spPr>
+          <a:xfrm>
+            <a:off x="5344430" y="1564228"/>
+            <a:ext cx="809625" cy="276999"/>
+          </a:xfrm>
+          <a:prstGeom prst="rect">
+            <a:avLst/>
+          </a:prstGeom>
+          <a:noFill/>
+        </p:spPr>
+        <p:txBody>
+          <a:bodyPr wrap="square" lIns="45720" rtlCol="0">
+            <a:spAutoFit/>
+          </a:bodyPr>
+          <a:lstStyle/>
+          <a:p>
+            <a:r>
+              <a:rPr lang="en-US" sz="1200" dirty="0"/>
+              <a:t>        </a:t>
+            </a:r>
+            <a:r>
+              <a:rPr lang="en-US" sz="1200" b="1" dirty="0"/>
+              <a:t>BPE</a:t>
+            </a:r>
+          </a:p>
+        </p:txBody>
+      </p:sp>
+      <p:cxnSp>
+        <p:nvCxnSpPr>
+          <p:cNvPr id="3" name="Straight Connector 2">
+            <a:extLst>
+              <a:ext uri="{FF2B5EF4-FFF2-40B4-BE49-F238E27FC236}">
+                <a16:creationId xmlns:a16="http://schemas.microsoft.com/office/drawing/2014/main" id="{D2304EE0-81D2-49A4-AF8C-77DD724AB627}"/>
+              </a:ext>
+            </a:extLst>
+          </p:cNvPr>
+          <p:cNvCxnSpPr>
+            <a:cxnSpLocks/>
+          </p:cNvCxnSpPr>
+          <p:nvPr/>
+        </p:nvCxnSpPr>
+        <p:spPr>
+          <a:xfrm>
+            <a:off x="4956492" y="1526856"/>
+            <a:ext cx="0" cy="2626044"/>
+          </a:xfrm>
+          <a:prstGeom prst="line">
+            <a:avLst/>
+          </a:prstGeom>
+          <a:ln w="19050">
+            <a:solidFill>
+              <a:srgbClr val="669900"/>
+            </a:solidFill>
+          </a:ln>
+        </p:spPr>
+        <p:style>
+          <a:lnRef idx="3">
+            <a:schemeClr val="accent6"/>
+          </a:lnRef>
+          <a:fillRef idx="0">
+            <a:schemeClr val="accent6"/>
+          </a:fillRef>
+          <a:effectRef idx="2">
+            <a:schemeClr val="accent6"/>
+          </a:effectRef>
+          <a:fontRef idx="minor">
+            <a:schemeClr val="tx1"/>
+          </a:fontRef>
+        </p:style>
+      </p:cxnSp>
+      <p:sp>
+        <p:nvSpPr>
+          <p:cNvPr id="8" name="Rectangle 7">
+            <a:extLst>
+              <a:ext uri="{FF2B5EF4-FFF2-40B4-BE49-F238E27FC236}">
+                <a16:creationId xmlns:a16="http://schemas.microsoft.com/office/drawing/2014/main" id="{5DD0A109-CC27-418D-9AC7-F2B0E85196C8}"/>
+              </a:ext>
+            </a:extLst>
+          </p:cNvPr>
+          <p:cNvSpPr/>
+          <p:nvPr/>
+        </p:nvSpPr>
+        <p:spPr>
+          <a:xfrm>
+            <a:off x="3852815" y="2759237"/>
+            <a:ext cx="924557" cy="124560"/>
+          </a:xfrm>
+          <a:prstGeom prst="rect">
+            <a:avLst/>
+          </a:prstGeom>
+          <a:solidFill>
+            <a:schemeClr val="bg1"/>
+          </a:solidFill>
+          <a:ln>
+            <a:noFill/>
+          </a:ln>
+        </p:spPr>
+        <p:style>
+          <a:lnRef idx="2">
+            <a:schemeClr val="accent1">
+              <a:shade val="50000"/>
+            </a:schemeClr>
+          </a:lnRef>
+          <a:fillRef idx="1">
+            <a:schemeClr val="accent1"/>
+          </a:fillRef>
+          <a:effectRef idx="0">
+            <a:schemeClr val="accent1"/>
+          </a:effectRef>
+          <a:fontRef idx="minor">
+            <a:schemeClr val="lt1"/>
+          </a:fontRef>
+        </p:style>
+        <p:txBody>
+          <a:bodyPr rtlCol="0" anchor="ctr"/>
+          <a:lstStyle/>
+          <a:p>
+            <a:pPr algn="ctr"/>
+            <a:endParaRPr lang="en-US"/>
+          </a:p>
+        </p:txBody>
+      </p:sp>
+      <p:sp>
+        <p:nvSpPr>
+          <p:cNvPr id="21" name="Rectangle 20">
+            <a:extLst>
+              <a:ext uri="{FF2B5EF4-FFF2-40B4-BE49-F238E27FC236}">
+                <a16:creationId xmlns:a16="http://schemas.microsoft.com/office/drawing/2014/main" id="{27A171DE-6DFE-4CF8-90D0-4527C259C9EF}"/>
+              </a:ext>
+            </a:extLst>
+          </p:cNvPr>
+          <p:cNvSpPr/>
+          <p:nvPr/>
+        </p:nvSpPr>
+        <p:spPr>
+          <a:xfrm>
+            <a:off x="5380672" y="2759237"/>
+            <a:ext cx="924557" cy="124560"/>
+          </a:xfrm>
+          <a:prstGeom prst="rect">
+            <a:avLst/>
+          </a:prstGeom>
+          <a:solidFill>
+            <a:schemeClr val="bg1"/>
+          </a:solidFill>
+          <a:ln>
+            <a:noFill/>
+          </a:ln>
+        </p:spPr>
+        <p:style>
+          <a:lnRef idx="2">
+            <a:schemeClr val="accent1">
+              <a:shade val="50000"/>
+            </a:schemeClr>
+          </a:lnRef>
+          <a:fillRef idx="1">
+            <a:schemeClr val="accent1"/>
+          </a:fillRef>
+          <a:effectRef idx="0">
+            <a:schemeClr val="accent1"/>
+          </a:effectRef>
+          <a:fontRef idx="minor">
+            <a:schemeClr val="lt1"/>
+          </a:fontRef>
+        </p:style>
+        <p:txBody>
+          <a:bodyPr rtlCol="0" anchor="ctr"/>
+          <a:lstStyle/>
+          <a:p>
+            <a:pPr algn="ctr"/>
+            <a:endParaRPr lang="en-US"/>
+          </a:p>
+        </p:txBody>
+      </p:sp>
+      <p:sp>
+        <p:nvSpPr>
+          <p:cNvPr id="22" name="Rectangle 21">
+            <a:extLst>
+              <a:ext uri="{FF2B5EF4-FFF2-40B4-BE49-F238E27FC236}">
+                <a16:creationId xmlns:a16="http://schemas.microsoft.com/office/drawing/2014/main" id="{B7373ADB-FB0B-419F-AEB5-E0DC96FA8184}"/>
+              </a:ext>
+            </a:extLst>
+          </p:cNvPr>
+          <p:cNvSpPr/>
+          <p:nvPr/>
+        </p:nvSpPr>
+        <p:spPr>
+          <a:xfrm>
+            <a:off x="3853815" y="4157213"/>
+            <a:ext cx="924557" cy="124560"/>
+          </a:xfrm>
+          <a:prstGeom prst="rect">
+            <a:avLst/>
+          </a:prstGeom>
+          <a:solidFill>
+            <a:schemeClr val="bg1"/>
+          </a:solidFill>
+          <a:ln>
+            <a:noFill/>
+          </a:ln>
+        </p:spPr>
+        <p:style>
+          <a:lnRef idx="2">
+            <a:schemeClr val="accent1">
+              <a:shade val="50000"/>
+            </a:schemeClr>
+          </a:lnRef>
+          <a:fillRef idx="1">
+            <a:schemeClr val="accent1"/>
+          </a:fillRef>
+          <a:effectRef idx="0">
+            <a:schemeClr val="accent1"/>
+          </a:effectRef>
+          <a:fontRef idx="minor">
+            <a:schemeClr val="lt1"/>
+          </a:fontRef>
+        </p:style>
+        <p:txBody>
+          <a:bodyPr rtlCol="0" anchor="ctr"/>
+          <a:lstStyle/>
+          <a:p>
+            <a:pPr algn="ctr"/>
+            <a:endParaRPr lang="en-US"/>
+          </a:p>
+        </p:txBody>
+      </p:sp>
+      <p:sp>
+        <p:nvSpPr>
+          <p:cNvPr id="23" name="Rectangle 22">
+            <a:extLst>
+              <a:ext uri="{FF2B5EF4-FFF2-40B4-BE49-F238E27FC236}">
+                <a16:creationId xmlns:a16="http://schemas.microsoft.com/office/drawing/2014/main" id="{3D54F326-6547-4F69-B6DF-968434271395}"/>
+              </a:ext>
+            </a:extLst>
+          </p:cNvPr>
+          <p:cNvSpPr/>
+          <p:nvPr/>
+        </p:nvSpPr>
+        <p:spPr>
+          <a:xfrm>
+            <a:off x="5374910" y="4149431"/>
+            <a:ext cx="924557" cy="124560"/>
+          </a:xfrm>
+          <a:prstGeom prst="rect">
+            <a:avLst/>
+          </a:prstGeom>
+          <a:solidFill>
+            <a:schemeClr val="bg1"/>
+          </a:solidFill>
+          <a:ln>
+            <a:noFill/>
+          </a:ln>
+        </p:spPr>
+        <p:style>
+          <a:lnRef idx="2">
+            <a:schemeClr val="accent1">
+              <a:shade val="50000"/>
+            </a:schemeClr>
+          </a:lnRef>
+          <a:fillRef idx="1">
+            <a:schemeClr val="accent1"/>
+          </a:fillRef>
+          <a:effectRef idx="0">
+            <a:schemeClr val="accent1"/>
+          </a:effectRef>
+          <a:fontRef idx="minor">
+            <a:schemeClr val="lt1"/>
+          </a:fontRef>
+        </p:style>
+        <p:txBody>
+          <a:bodyPr rtlCol="0" anchor="ctr"/>
+          <a:lstStyle/>
+          <a:p>
+            <a:pPr algn="ctr"/>
+            <a:endParaRPr lang="en-US"/>
+          </a:p>
+        </p:txBody>
+      </p:sp>
+      <p:grpSp>
+        <p:nvGrpSpPr>
+          <p:cNvPr id="9" name="Group 8">
+            <a:extLst>
+              <a:ext uri="{FF2B5EF4-FFF2-40B4-BE49-F238E27FC236}">
+                <a16:creationId xmlns:a16="http://schemas.microsoft.com/office/drawing/2014/main" id="{072FEE54-E9DA-4023-A458-0505885819C7}"/>
+              </a:ext>
+            </a:extLst>
+          </p:cNvPr>
+          <p:cNvGrpSpPr/>
+          <p:nvPr/>
+        </p:nvGrpSpPr>
+        <p:grpSpPr>
+          <a:xfrm>
+            <a:off x="3945257" y="2700942"/>
+            <a:ext cx="2431409" cy="1606952"/>
+            <a:chOff x="3945257" y="2700942"/>
+            <a:chExt cx="2431409" cy="1606952"/>
+          </a:xfrm>
+        </p:grpSpPr>
+        <p:sp>
+          <p:nvSpPr>
+            <p:cNvPr id="7" name="TextBox 6">
+              <a:extLst>
+                <a:ext uri="{FF2B5EF4-FFF2-40B4-BE49-F238E27FC236}">
+                  <a16:creationId xmlns:a16="http://schemas.microsoft.com/office/drawing/2014/main" id="{B381CB80-C692-4142-AAA0-DB3ADCD9D136}"/>
+                </a:ext>
+              </a:extLst>
+            </p:cNvPr>
+            <p:cNvSpPr txBox="1"/>
+            <p:nvPr/>
+          </p:nvSpPr>
+          <p:spPr>
+            <a:xfrm>
+              <a:off x="3945257" y="2704270"/>
+              <a:ext cx="924557" cy="200055"/>
+            </a:xfrm>
+            <a:prstGeom prst="rect">
+              <a:avLst/>
+            </a:prstGeom>
+            <a:noFill/>
+            <a:ln>
+              <a:noFill/>
+            </a:ln>
+          </p:spPr>
+          <p:style>
+            <a:lnRef idx="2">
+              <a:schemeClr val="dk1"/>
+            </a:lnRef>
+            <a:fillRef idx="1">
+              <a:schemeClr val="lt1"/>
+            </a:fillRef>
+            <a:effectRef idx="0">
+              <a:schemeClr val="dk1"/>
+            </a:effectRef>
+            <a:fontRef idx="minor">
+              <a:schemeClr val="dk1"/>
+            </a:fontRef>
+          </p:style>
+          <p:txBody>
+            <a:bodyPr wrap="square" rtlCol="0">
+              <a:spAutoFit/>
+            </a:bodyPr>
+            <a:lstStyle/>
+            <a:p>
+              <a:r>
+                <a:rPr lang="en-US" sz="700" b="1" dirty="0">
+                  <a:solidFill>
+                    <a:schemeClr val="bg2">
+                      <a:lumMod val="25000"/>
+                    </a:schemeClr>
+                  </a:solidFill>
+                  <a:latin typeface="Arial" panose="020B0604020202020204" pitchFamily="34" charset="0"/>
+                  <a:cs typeface="Arial" panose="020B0604020202020204" pitchFamily="34" charset="0"/>
+                </a:rPr>
+                <a:t>E</a:t>
+              </a:r>
+              <a:r>
+                <a:rPr lang="en-US" sz="700" b="1" baseline="-25000" dirty="0">
+                  <a:solidFill>
+                    <a:schemeClr val="bg2">
+                      <a:lumMod val="25000"/>
+                    </a:schemeClr>
+                  </a:solidFill>
+                  <a:latin typeface="Arial" panose="020B0604020202020204" pitchFamily="34" charset="0"/>
+                  <a:cs typeface="Arial" panose="020B0604020202020204" pitchFamily="34" charset="0"/>
+                </a:rPr>
+                <a:t>A1 </a:t>
+              </a:r>
+              <a:r>
+                <a:rPr lang="en-US" sz="700" b="1" dirty="0">
+                  <a:solidFill>
+                    <a:schemeClr val="bg2">
+                      <a:lumMod val="25000"/>
+                    </a:schemeClr>
+                  </a:solidFill>
+                  <a:latin typeface="Arial" panose="020B0604020202020204" pitchFamily="34" charset="0"/>
+                  <a:cs typeface="Arial" panose="020B0604020202020204" pitchFamily="34" charset="0"/>
+                </a:rPr>
+                <a:t>(kJ mol</a:t>
+              </a:r>
+              <a:r>
+                <a:rPr lang="en-US" sz="700" b="1" baseline="30000" dirty="0">
+                  <a:solidFill>
+                    <a:schemeClr val="bg2">
+                      <a:lumMod val="25000"/>
+                    </a:schemeClr>
+                  </a:solidFill>
+                  <a:latin typeface="Arial" panose="020B0604020202020204" pitchFamily="34" charset="0"/>
+                  <a:cs typeface="Arial" panose="020B0604020202020204" pitchFamily="34" charset="0"/>
+                </a:rPr>
+                <a:t>-1</a:t>
+              </a:r>
+              <a:r>
+                <a:rPr lang="en-US" sz="700" b="1" dirty="0">
+                  <a:solidFill>
+                    <a:schemeClr val="bg2">
+                      <a:lumMod val="25000"/>
+                    </a:schemeClr>
+                  </a:solidFill>
+                  <a:latin typeface="Arial" panose="020B0604020202020204" pitchFamily="34" charset="0"/>
+                  <a:cs typeface="Arial" panose="020B0604020202020204" pitchFamily="34" charset="0"/>
+                </a:rPr>
+                <a:t>)</a:t>
+              </a:r>
+            </a:p>
+          </p:txBody>
+        </p:sp>
+        <p:sp>
+          <p:nvSpPr>
+            <p:cNvPr id="24" name="TextBox 23">
+              <a:extLst>
+                <a:ext uri="{FF2B5EF4-FFF2-40B4-BE49-F238E27FC236}">
+                  <a16:creationId xmlns:a16="http://schemas.microsoft.com/office/drawing/2014/main" id="{DD66B040-B5FA-461A-8514-0E0C31FD943E}"/>
+                </a:ext>
+              </a:extLst>
+            </p:cNvPr>
+            <p:cNvSpPr txBox="1"/>
+            <p:nvPr/>
+          </p:nvSpPr>
+          <p:spPr>
+            <a:xfrm>
+              <a:off x="5441631" y="2700942"/>
+              <a:ext cx="924557" cy="200055"/>
+            </a:xfrm>
+            <a:prstGeom prst="rect">
+              <a:avLst/>
+            </a:prstGeom>
+            <a:noFill/>
+            <a:ln>
+              <a:noFill/>
+            </a:ln>
+          </p:spPr>
+          <p:style>
+            <a:lnRef idx="2">
+              <a:schemeClr val="dk1"/>
+            </a:lnRef>
+            <a:fillRef idx="1">
+              <a:schemeClr val="lt1"/>
+            </a:fillRef>
+            <a:effectRef idx="0">
+              <a:schemeClr val="dk1"/>
+            </a:effectRef>
+            <a:fontRef idx="minor">
+              <a:schemeClr val="dk1"/>
+            </a:fontRef>
+          </p:style>
+          <p:txBody>
+            <a:bodyPr wrap="square" rtlCol="0">
+              <a:spAutoFit/>
+            </a:bodyPr>
+            <a:lstStyle/>
+            <a:p>
+              <a:r>
+                <a:rPr lang="en-US" sz="700" b="1" dirty="0">
+                  <a:solidFill>
+                    <a:schemeClr val="bg2">
+                      <a:lumMod val="25000"/>
+                    </a:schemeClr>
+                  </a:solidFill>
+                  <a:latin typeface="Arial" panose="020B0604020202020204" pitchFamily="34" charset="0"/>
+                  <a:cs typeface="Arial" panose="020B0604020202020204" pitchFamily="34" charset="0"/>
+                </a:rPr>
+                <a:t>E</a:t>
+              </a:r>
+              <a:r>
+                <a:rPr lang="en-US" sz="700" b="1" baseline="-25000" dirty="0">
+                  <a:solidFill>
+                    <a:schemeClr val="bg2">
+                      <a:lumMod val="25000"/>
+                    </a:schemeClr>
+                  </a:solidFill>
+                  <a:latin typeface="Arial" panose="020B0604020202020204" pitchFamily="34" charset="0"/>
+                  <a:cs typeface="Arial" panose="020B0604020202020204" pitchFamily="34" charset="0"/>
+                </a:rPr>
+                <a:t>A1 </a:t>
+              </a:r>
+              <a:r>
+                <a:rPr lang="en-US" sz="700" b="1" dirty="0">
+                  <a:solidFill>
+                    <a:schemeClr val="bg2">
+                      <a:lumMod val="25000"/>
+                    </a:schemeClr>
+                  </a:solidFill>
+                  <a:latin typeface="Arial" panose="020B0604020202020204" pitchFamily="34" charset="0"/>
+                  <a:cs typeface="Arial" panose="020B0604020202020204" pitchFamily="34" charset="0"/>
+                </a:rPr>
+                <a:t>(kJ mol</a:t>
+              </a:r>
+              <a:r>
+                <a:rPr lang="en-US" sz="700" b="1" baseline="30000" dirty="0">
+                  <a:solidFill>
+                    <a:schemeClr val="bg2">
+                      <a:lumMod val="25000"/>
+                    </a:schemeClr>
+                  </a:solidFill>
+                  <a:latin typeface="Arial" panose="020B0604020202020204" pitchFamily="34" charset="0"/>
+                  <a:cs typeface="Arial" panose="020B0604020202020204" pitchFamily="34" charset="0"/>
+                </a:rPr>
+                <a:t>-1</a:t>
+              </a:r>
+              <a:r>
+                <a:rPr lang="en-US" sz="700" b="1" dirty="0">
+                  <a:solidFill>
+                    <a:schemeClr val="bg2">
+                      <a:lumMod val="25000"/>
+                    </a:schemeClr>
+                  </a:solidFill>
+                  <a:latin typeface="Arial" panose="020B0604020202020204" pitchFamily="34" charset="0"/>
+                  <a:cs typeface="Arial" panose="020B0604020202020204" pitchFamily="34" charset="0"/>
+                </a:rPr>
+                <a:t>)</a:t>
+              </a:r>
+            </a:p>
+          </p:txBody>
+        </p:sp>
+        <p:sp>
+          <p:nvSpPr>
+            <p:cNvPr id="25" name="TextBox 24">
+              <a:extLst>
+                <a:ext uri="{FF2B5EF4-FFF2-40B4-BE49-F238E27FC236}">
+                  <a16:creationId xmlns:a16="http://schemas.microsoft.com/office/drawing/2014/main" id="{66398EF9-CF09-44E5-8BEA-843AF66D7EA1}"/>
+                </a:ext>
+              </a:extLst>
+            </p:cNvPr>
+            <p:cNvSpPr txBox="1"/>
+            <p:nvPr/>
+          </p:nvSpPr>
+          <p:spPr>
+            <a:xfrm>
+              <a:off x="3954145" y="4107839"/>
+              <a:ext cx="924557" cy="200055"/>
+            </a:xfrm>
+            <a:prstGeom prst="rect">
+              <a:avLst/>
+            </a:prstGeom>
+            <a:noFill/>
+            <a:ln>
+              <a:noFill/>
+            </a:ln>
+          </p:spPr>
+          <p:style>
+            <a:lnRef idx="2">
+              <a:schemeClr val="dk1"/>
+            </a:lnRef>
+            <a:fillRef idx="1">
+              <a:schemeClr val="lt1"/>
+            </a:fillRef>
+            <a:effectRef idx="0">
+              <a:schemeClr val="dk1"/>
+            </a:effectRef>
+            <a:fontRef idx="minor">
+              <a:schemeClr val="dk1"/>
+            </a:fontRef>
+          </p:style>
+          <p:txBody>
+            <a:bodyPr wrap="square" rtlCol="0">
+              <a:spAutoFit/>
+            </a:bodyPr>
+            <a:lstStyle/>
+            <a:p>
+              <a:r>
+                <a:rPr lang="en-US" sz="700" b="1" dirty="0">
+                  <a:solidFill>
+                    <a:schemeClr val="bg2">
+                      <a:lumMod val="25000"/>
+                    </a:schemeClr>
+                  </a:solidFill>
+                  <a:latin typeface="Arial" panose="020B0604020202020204" pitchFamily="34" charset="0"/>
+                  <a:cs typeface="Arial" panose="020B0604020202020204" pitchFamily="34" charset="0"/>
+                </a:rPr>
+                <a:t>E</a:t>
+              </a:r>
+              <a:r>
+                <a:rPr lang="en-US" sz="700" b="1" baseline="-25000" dirty="0">
+                  <a:solidFill>
+                    <a:schemeClr val="bg2">
+                      <a:lumMod val="25000"/>
+                    </a:schemeClr>
+                  </a:solidFill>
+                  <a:latin typeface="Arial" panose="020B0604020202020204" pitchFamily="34" charset="0"/>
+                  <a:cs typeface="Arial" panose="020B0604020202020204" pitchFamily="34" charset="0"/>
+                </a:rPr>
+                <a:t>A2 </a:t>
+              </a:r>
+              <a:r>
+                <a:rPr lang="en-US" sz="700" b="1" dirty="0">
+                  <a:solidFill>
+                    <a:schemeClr val="bg2">
+                      <a:lumMod val="25000"/>
+                    </a:schemeClr>
+                  </a:solidFill>
+                  <a:latin typeface="Arial" panose="020B0604020202020204" pitchFamily="34" charset="0"/>
+                  <a:cs typeface="Arial" panose="020B0604020202020204" pitchFamily="34" charset="0"/>
+                </a:rPr>
+                <a:t>(kJ mol</a:t>
+              </a:r>
+              <a:r>
+                <a:rPr lang="en-US" sz="700" b="1" baseline="30000" dirty="0">
+                  <a:solidFill>
+                    <a:schemeClr val="bg2">
+                      <a:lumMod val="25000"/>
+                    </a:schemeClr>
+                  </a:solidFill>
+                  <a:latin typeface="Arial" panose="020B0604020202020204" pitchFamily="34" charset="0"/>
+                  <a:cs typeface="Arial" panose="020B0604020202020204" pitchFamily="34" charset="0"/>
+                </a:rPr>
+                <a:t>-1</a:t>
+              </a:r>
+              <a:r>
+                <a:rPr lang="en-US" sz="700" b="1" dirty="0">
+                  <a:solidFill>
+                    <a:schemeClr val="bg2">
+                      <a:lumMod val="25000"/>
+                    </a:schemeClr>
+                  </a:solidFill>
+                  <a:latin typeface="Arial" panose="020B0604020202020204" pitchFamily="34" charset="0"/>
+                  <a:cs typeface="Arial" panose="020B0604020202020204" pitchFamily="34" charset="0"/>
+                </a:rPr>
+                <a:t>)</a:t>
+              </a:r>
+            </a:p>
+          </p:txBody>
+        </p:sp>
+        <p:sp>
+          <p:nvSpPr>
+            <p:cNvPr id="26" name="TextBox 25">
+              <a:extLst>
+                <a:ext uri="{FF2B5EF4-FFF2-40B4-BE49-F238E27FC236}">
+                  <a16:creationId xmlns:a16="http://schemas.microsoft.com/office/drawing/2014/main" id="{E663B9BE-BDCE-4D2D-B3C0-1467F237AB2B}"/>
+                </a:ext>
+              </a:extLst>
+            </p:cNvPr>
+            <p:cNvSpPr txBox="1"/>
+            <p:nvPr/>
+          </p:nvSpPr>
+          <p:spPr>
+            <a:xfrm>
+              <a:off x="5452109" y="4104364"/>
+              <a:ext cx="924557" cy="200055"/>
+            </a:xfrm>
+            <a:prstGeom prst="rect">
+              <a:avLst/>
+            </a:prstGeom>
+            <a:noFill/>
+            <a:ln>
+              <a:noFill/>
+            </a:ln>
+          </p:spPr>
+          <p:style>
+            <a:lnRef idx="2">
+              <a:schemeClr val="dk1"/>
+            </a:lnRef>
+            <a:fillRef idx="1">
+              <a:schemeClr val="lt1"/>
+            </a:fillRef>
+            <a:effectRef idx="0">
+              <a:schemeClr val="dk1"/>
+            </a:effectRef>
+            <a:fontRef idx="minor">
+              <a:schemeClr val="dk1"/>
+            </a:fontRef>
+          </p:style>
+          <p:txBody>
+            <a:bodyPr wrap="square" rtlCol="0">
+              <a:spAutoFit/>
+            </a:bodyPr>
+            <a:lstStyle/>
+            <a:p>
+              <a:r>
+                <a:rPr lang="en-US" sz="700" b="1" dirty="0">
+                  <a:solidFill>
+                    <a:schemeClr val="bg2">
+                      <a:lumMod val="25000"/>
+                    </a:schemeClr>
+                  </a:solidFill>
+                  <a:latin typeface="Arial" panose="020B0604020202020204" pitchFamily="34" charset="0"/>
+                  <a:cs typeface="Arial" panose="020B0604020202020204" pitchFamily="34" charset="0"/>
+                </a:rPr>
+                <a:t>E</a:t>
+              </a:r>
+              <a:r>
+                <a:rPr lang="en-US" sz="700" b="1" baseline="-25000" dirty="0">
+                  <a:solidFill>
+                    <a:schemeClr val="bg2">
+                      <a:lumMod val="25000"/>
+                    </a:schemeClr>
+                  </a:solidFill>
+                  <a:latin typeface="Arial" panose="020B0604020202020204" pitchFamily="34" charset="0"/>
+                  <a:cs typeface="Arial" panose="020B0604020202020204" pitchFamily="34" charset="0"/>
+                </a:rPr>
+                <a:t>A2 </a:t>
+              </a:r>
+              <a:r>
+                <a:rPr lang="en-US" sz="700" b="1" dirty="0">
+                  <a:solidFill>
+                    <a:schemeClr val="bg2">
+                      <a:lumMod val="25000"/>
+                    </a:schemeClr>
+                  </a:solidFill>
+                  <a:latin typeface="Arial" panose="020B0604020202020204" pitchFamily="34" charset="0"/>
+                  <a:cs typeface="Arial" panose="020B0604020202020204" pitchFamily="34" charset="0"/>
+                </a:rPr>
+                <a:t>(kJ mol</a:t>
+              </a:r>
+              <a:r>
+                <a:rPr lang="en-US" sz="700" b="1" baseline="30000" dirty="0">
+                  <a:solidFill>
+                    <a:schemeClr val="bg2">
+                      <a:lumMod val="25000"/>
+                    </a:schemeClr>
+                  </a:solidFill>
+                  <a:latin typeface="Arial" panose="020B0604020202020204" pitchFamily="34" charset="0"/>
+                  <a:cs typeface="Arial" panose="020B0604020202020204" pitchFamily="34" charset="0"/>
+                </a:rPr>
+                <a:t>-1</a:t>
+              </a:r>
+              <a:r>
+                <a:rPr lang="en-US" sz="700" b="1" dirty="0">
+                  <a:solidFill>
+                    <a:schemeClr val="bg2">
+                      <a:lumMod val="25000"/>
+                    </a:schemeClr>
+                  </a:solidFill>
+                  <a:latin typeface="Arial" panose="020B0604020202020204" pitchFamily="34" charset="0"/>
+                  <a:cs typeface="Arial" panose="020B0604020202020204" pitchFamily="34" charset="0"/>
+                </a:rPr>
+                <a:t>)</a:t>
+              </a:r>
+            </a:p>
+          </p:txBody>
+        </p:sp>
+      </p:grpSp>
+      <p:grpSp>
+        <p:nvGrpSpPr>
+          <p:cNvPr id="31" name="Group 30">
+            <a:extLst>
+              <a:ext uri="{FF2B5EF4-FFF2-40B4-BE49-F238E27FC236}">
+                <a16:creationId xmlns:a16="http://schemas.microsoft.com/office/drawing/2014/main" id="{2C80706E-617F-42FD-BF5B-4584945E5360}"/>
+              </a:ext>
+            </a:extLst>
+          </p:cNvPr>
+          <p:cNvGrpSpPr/>
+          <p:nvPr/>
+        </p:nvGrpSpPr>
+        <p:grpSpPr>
+          <a:xfrm>
+            <a:off x="3519560" y="1581955"/>
+            <a:ext cx="1613565" cy="2410771"/>
+            <a:chOff x="3519560" y="1581955"/>
+            <a:chExt cx="1613565" cy="2410771"/>
+          </a:xfrm>
+        </p:grpSpPr>
+        <p:sp>
+          <p:nvSpPr>
+            <p:cNvPr id="27" name="Rectangle 26">
+              <a:extLst>
+                <a:ext uri="{FF2B5EF4-FFF2-40B4-BE49-F238E27FC236}">
+                  <a16:creationId xmlns:a16="http://schemas.microsoft.com/office/drawing/2014/main" id="{CE009068-8BA8-4AFE-979C-A6E32E53501F}"/>
+                </a:ext>
+              </a:extLst>
+            </p:cNvPr>
+            <p:cNvSpPr/>
+            <p:nvPr/>
+          </p:nvSpPr>
+          <p:spPr>
+            <a:xfrm rot="16200000">
+              <a:off x="3121394" y="1981954"/>
+              <a:ext cx="924557" cy="124560"/>
+            </a:xfrm>
+            <a:prstGeom prst="rect">
+              <a:avLst/>
+            </a:prstGeom>
+            <a:solidFill>
+              <a:schemeClr val="bg1"/>
+            </a:solidFill>
+            <a:ln>
+              <a:noFill/>
+            </a:ln>
+          </p:spPr>
+          <p:style>
+            <a:lnRef idx="2">
+              <a:schemeClr val="accent1">
+                <a:shade val="50000"/>
+              </a:schemeClr>
+            </a:lnRef>
+            <a:fillRef idx="1">
+              <a:schemeClr val="accent1"/>
+            </a:fillRef>
+            <a:effectRef idx="0">
+              <a:schemeClr val="accent1"/>
+            </a:effectRef>
+            <a:fontRef idx="minor">
+              <a:schemeClr val="lt1"/>
+            </a:fontRef>
+          </p:style>
+          <p:txBody>
+            <a:bodyPr rtlCol="0" anchor="ctr"/>
+            <a:lstStyle/>
+            <a:p>
+              <a:pPr algn="ctr"/>
+              <a:endParaRPr lang="en-US"/>
+            </a:p>
+          </p:txBody>
+        </p:sp>
+        <p:sp>
+          <p:nvSpPr>
+            <p:cNvPr id="28" name="Rectangle 27">
+              <a:extLst>
+                <a:ext uri="{FF2B5EF4-FFF2-40B4-BE49-F238E27FC236}">
+                  <a16:creationId xmlns:a16="http://schemas.microsoft.com/office/drawing/2014/main" id="{C3F1DEE4-7B1C-4B17-8822-0D4BA098A476}"/>
+                </a:ext>
+              </a:extLst>
+            </p:cNvPr>
+            <p:cNvSpPr/>
+            <p:nvPr/>
+          </p:nvSpPr>
+          <p:spPr>
+            <a:xfrm rot="16200000">
+              <a:off x="3119561" y="3458053"/>
+              <a:ext cx="924557" cy="124560"/>
+            </a:xfrm>
+            <a:prstGeom prst="rect">
+              <a:avLst/>
+            </a:prstGeom>
+            <a:solidFill>
+              <a:schemeClr val="bg1"/>
+            </a:solidFill>
+            <a:ln>
+              <a:noFill/>
+            </a:ln>
+          </p:spPr>
+          <p:style>
+            <a:lnRef idx="2">
+              <a:schemeClr val="accent1">
+                <a:shade val="50000"/>
+              </a:schemeClr>
+            </a:lnRef>
+            <a:fillRef idx="1">
+              <a:schemeClr val="accent1"/>
+            </a:fillRef>
+            <a:effectRef idx="0">
+              <a:schemeClr val="accent1"/>
+            </a:effectRef>
+            <a:fontRef idx="minor">
+              <a:schemeClr val="lt1"/>
+            </a:fontRef>
+          </p:style>
+          <p:txBody>
+            <a:bodyPr rtlCol="0" anchor="ctr"/>
+            <a:lstStyle/>
+            <a:p>
+              <a:pPr algn="ctr"/>
+              <a:endParaRPr lang="en-US"/>
+            </a:p>
+          </p:txBody>
+        </p:sp>
+        <p:sp>
+          <p:nvSpPr>
+            <p:cNvPr id="29" name="Rectangle 28">
+              <a:extLst>
+                <a:ext uri="{FF2B5EF4-FFF2-40B4-BE49-F238E27FC236}">
+                  <a16:creationId xmlns:a16="http://schemas.microsoft.com/office/drawing/2014/main" id="{9F679A4A-7B9B-4CFD-B58D-7D9994FCCC26}"/>
+                </a:ext>
+              </a:extLst>
+            </p:cNvPr>
+            <p:cNvSpPr/>
+            <p:nvPr/>
+          </p:nvSpPr>
+          <p:spPr>
+            <a:xfrm rot="16200000">
+              <a:off x="4608566" y="1992069"/>
+              <a:ext cx="924557" cy="124560"/>
+            </a:xfrm>
+            <a:prstGeom prst="rect">
+              <a:avLst/>
+            </a:prstGeom>
+            <a:solidFill>
+              <a:schemeClr val="bg1"/>
+            </a:solidFill>
+            <a:ln>
+              <a:noFill/>
+            </a:ln>
+          </p:spPr>
+          <p:style>
+            <a:lnRef idx="2">
+              <a:schemeClr val="accent1">
+                <a:shade val="50000"/>
+              </a:schemeClr>
+            </a:lnRef>
+            <a:fillRef idx="1">
+              <a:schemeClr val="accent1"/>
+            </a:fillRef>
+            <a:effectRef idx="0">
+              <a:schemeClr val="accent1"/>
+            </a:effectRef>
+            <a:fontRef idx="minor">
+              <a:schemeClr val="lt1"/>
+            </a:fontRef>
+          </p:style>
+          <p:txBody>
+            <a:bodyPr rtlCol="0" anchor="ctr"/>
+            <a:lstStyle/>
+            <a:p>
+              <a:pPr algn="ctr"/>
+              <a:endParaRPr lang="en-US"/>
+            </a:p>
+          </p:txBody>
+        </p:sp>
+        <p:sp>
+          <p:nvSpPr>
+            <p:cNvPr id="30" name="Rectangle 29">
+              <a:extLst>
+                <a:ext uri="{FF2B5EF4-FFF2-40B4-BE49-F238E27FC236}">
+                  <a16:creationId xmlns:a16="http://schemas.microsoft.com/office/drawing/2014/main" id="{C187B83C-CA71-4168-9A76-F78351B7FE7D}"/>
+                </a:ext>
+              </a:extLst>
+            </p:cNvPr>
+            <p:cNvSpPr/>
+            <p:nvPr/>
+          </p:nvSpPr>
+          <p:spPr>
+            <a:xfrm rot="16200000">
+              <a:off x="4606733" y="3468168"/>
+              <a:ext cx="924557" cy="124560"/>
+            </a:xfrm>
+            <a:prstGeom prst="rect">
+              <a:avLst/>
+            </a:prstGeom>
+            <a:solidFill>
+              <a:schemeClr val="bg1"/>
+            </a:solidFill>
+            <a:ln>
+              <a:noFill/>
+            </a:ln>
+          </p:spPr>
+          <p:style>
+            <a:lnRef idx="2">
+              <a:schemeClr val="accent1">
+                <a:shade val="50000"/>
+              </a:schemeClr>
+            </a:lnRef>
+            <a:fillRef idx="1">
+              <a:schemeClr val="accent1"/>
+            </a:fillRef>
+            <a:effectRef idx="0">
+              <a:schemeClr val="accent1"/>
+            </a:effectRef>
+            <a:fontRef idx="minor">
+              <a:schemeClr val="lt1"/>
+            </a:fontRef>
+          </p:style>
+          <p:txBody>
+            <a:bodyPr rtlCol="0" anchor="ctr"/>
+            <a:lstStyle/>
+            <a:p>
+              <a:pPr algn="ctr"/>
+              <a:endParaRPr lang="en-US"/>
+            </a:p>
+          </p:txBody>
+        </p:sp>
+      </p:grpSp>
+      <p:sp>
+        <p:nvSpPr>
+          <p:cNvPr id="32" name="TextBox 31">
+            <a:extLst>
+              <a:ext uri="{FF2B5EF4-FFF2-40B4-BE49-F238E27FC236}">
+                <a16:creationId xmlns:a16="http://schemas.microsoft.com/office/drawing/2014/main" id="{7DC96131-ED62-448D-A20E-31EB75747F25}"/>
+              </a:ext>
+            </a:extLst>
+          </p:cNvPr>
+          <p:cNvSpPr txBox="1"/>
+          <p:nvPr/>
+        </p:nvSpPr>
+        <p:spPr>
+          <a:xfrm rot="16200000">
+            <a:off x="3109367" y="1882650"/>
+            <a:ext cx="924557" cy="200055"/>
+          </a:xfrm>
+          <a:prstGeom prst="rect">
+            <a:avLst/>
+          </a:prstGeom>
+          <a:noFill/>
+          <a:ln>
+            <a:noFill/>
+          </a:ln>
+        </p:spPr>
+        <p:style>
+          <a:lnRef idx="2">
+            <a:schemeClr val="dk1"/>
+          </a:lnRef>
+          <a:fillRef idx="1">
+            <a:schemeClr val="lt1"/>
+          </a:fillRef>
+          <a:effectRef idx="0">
+            <a:schemeClr val="dk1"/>
+          </a:effectRef>
+          <a:fontRef idx="minor">
+            <a:schemeClr val="dk1"/>
+          </a:fontRef>
+        </p:style>
+        <p:txBody>
+          <a:bodyPr wrap="square" rtlCol="0">
+            <a:spAutoFit/>
+          </a:bodyPr>
+          <a:lstStyle/>
+          <a:p>
+            <a:r>
+              <a:rPr lang="en-US" sz="700" b="1" dirty="0">
+                <a:solidFill>
+                  <a:schemeClr val="bg2">
+                    <a:lumMod val="25000"/>
+                  </a:schemeClr>
+                </a:solidFill>
+                <a:latin typeface="Arial" panose="020B0604020202020204" pitchFamily="34" charset="0"/>
+                <a:cs typeface="Arial" panose="020B0604020202020204" pitchFamily="34" charset="0"/>
+              </a:rPr>
+              <a:t>log</a:t>
+            </a:r>
+            <a:r>
+              <a:rPr lang="en-US" sz="700" b="1" baseline="-25000" dirty="0">
+                <a:solidFill>
+                  <a:schemeClr val="bg2">
+                    <a:lumMod val="25000"/>
+                  </a:schemeClr>
+                </a:solidFill>
+                <a:latin typeface="Arial" panose="020B0604020202020204" pitchFamily="34" charset="0"/>
+                <a:cs typeface="Arial" panose="020B0604020202020204" pitchFamily="34" charset="0"/>
+              </a:rPr>
+              <a:t>10</a:t>
+            </a:r>
+            <a:r>
+              <a:rPr lang="en-US" sz="700" b="1" dirty="0">
+                <a:solidFill>
+                  <a:schemeClr val="bg2">
+                    <a:lumMod val="25000"/>
+                  </a:schemeClr>
+                </a:solidFill>
+                <a:latin typeface="Arial" panose="020B0604020202020204" pitchFamily="34" charset="0"/>
+                <a:cs typeface="Arial" panose="020B0604020202020204" pitchFamily="34" charset="0"/>
+              </a:rPr>
+              <a:t>(A</a:t>
+            </a:r>
+            <a:r>
+              <a:rPr lang="en-US" sz="700" b="1" baseline="-25000" dirty="0">
+                <a:solidFill>
+                  <a:schemeClr val="bg2">
+                    <a:lumMod val="25000"/>
+                  </a:schemeClr>
+                </a:solidFill>
+                <a:latin typeface="Arial" panose="020B0604020202020204" pitchFamily="34" charset="0"/>
+                <a:cs typeface="Arial" panose="020B0604020202020204" pitchFamily="34" charset="0"/>
+              </a:rPr>
+              <a:t>1 </a:t>
+            </a:r>
+            <a:r>
+              <a:rPr lang="en-US" sz="700" b="1" dirty="0">
+                <a:solidFill>
+                  <a:schemeClr val="bg2">
+                    <a:lumMod val="25000"/>
+                  </a:schemeClr>
+                </a:solidFill>
+                <a:latin typeface="Arial" panose="020B0604020202020204" pitchFamily="34" charset="0"/>
+                <a:cs typeface="Arial" panose="020B0604020202020204" pitchFamily="34" charset="0"/>
+              </a:rPr>
+              <a:t>/ s</a:t>
+            </a:r>
+            <a:r>
+              <a:rPr lang="en-US" sz="700" b="1" baseline="30000" dirty="0">
+                <a:solidFill>
+                  <a:schemeClr val="bg2">
+                    <a:lumMod val="25000"/>
+                  </a:schemeClr>
+                </a:solidFill>
+                <a:latin typeface="Arial" panose="020B0604020202020204" pitchFamily="34" charset="0"/>
+                <a:cs typeface="Arial" panose="020B0604020202020204" pitchFamily="34" charset="0"/>
+              </a:rPr>
+              <a:t>-1</a:t>
+            </a:r>
+            <a:r>
+              <a:rPr lang="en-US" sz="700" b="1" dirty="0">
+                <a:solidFill>
+                  <a:schemeClr val="bg2">
+                    <a:lumMod val="25000"/>
+                  </a:schemeClr>
+                </a:solidFill>
+                <a:latin typeface="Arial" panose="020B0604020202020204" pitchFamily="34" charset="0"/>
+                <a:cs typeface="Arial" panose="020B0604020202020204" pitchFamily="34" charset="0"/>
+              </a:rPr>
+              <a:t>)</a:t>
+            </a:r>
+          </a:p>
+        </p:txBody>
+      </p:sp>
+      <p:sp>
+        <p:nvSpPr>
+          <p:cNvPr id="33" name="TextBox 32">
+            <a:extLst>
+              <a:ext uri="{FF2B5EF4-FFF2-40B4-BE49-F238E27FC236}">
+                <a16:creationId xmlns:a16="http://schemas.microsoft.com/office/drawing/2014/main" id="{69277CD1-F76E-42B4-A145-DD2CABB9942A}"/>
+              </a:ext>
+            </a:extLst>
+          </p:cNvPr>
+          <p:cNvSpPr txBox="1"/>
+          <p:nvPr/>
+        </p:nvSpPr>
+        <p:spPr>
+          <a:xfrm rot="16200000">
+            <a:off x="4596780" y="1894718"/>
+            <a:ext cx="924557" cy="200055"/>
+          </a:xfrm>
+          <a:prstGeom prst="rect">
+            <a:avLst/>
+          </a:prstGeom>
+          <a:noFill/>
+          <a:ln>
+            <a:noFill/>
+          </a:ln>
+        </p:spPr>
+        <p:style>
+          <a:lnRef idx="2">
+            <a:schemeClr val="dk1"/>
+          </a:lnRef>
+          <a:fillRef idx="1">
+            <a:schemeClr val="lt1"/>
+          </a:fillRef>
+          <a:effectRef idx="0">
+            <a:schemeClr val="dk1"/>
+          </a:effectRef>
+          <a:fontRef idx="minor">
+            <a:schemeClr val="dk1"/>
+          </a:fontRef>
+        </p:style>
+        <p:txBody>
+          <a:bodyPr wrap="square" rtlCol="0">
+            <a:spAutoFit/>
+          </a:bodyPr>
+          <a:lstStyle/>
+          <a:p>
+            <a:r>
+              <a:rPr lang="en-US" sz="700" b="1" dirty="0">
+                <a:solidFill>
+                  <a:schemeClr val="bg2">
+                    <a:lumMod val="25000"/>
+                  </a:schemeClr>
+                </a:solidFill>
+                <a:latin typeface="Arial" panose="020B0604020202020204" pitchFamily="34" charset="0"/>
+                <a:cs typeface="Arial" panose="020B0604020202020204" pitchFamily="34" charset="0"/>
+              </a:rPr>
+              <a:t>log</a:t>
+            </a:r>
+            <a:r>
+              <a:rPr lang="en-US" sz="700" b="1" baseline="-25000" dirty="0">
+                <a:solidFill>
+                  <a:schemeClr val="bg2">
+                    <a:lumMod val="25000"/>
+                  </a:schemeClr>
+                </a:solidFill>
+                <a:latin typeface="Arial" panose="020B0604020202020204" pitchFamily="34" charset="0"/>
+                <a:cs typeface="Arial" panose="020B0604020202020204" pitchFamily="34" charset="0"/>
+              </a:rPr>
+              <a:t>10</a:t>
+            </a:r>
+            <a:r>
+              <a:rPr lang="en-US" sz="700" b="1" dirty="0">
+                <a:solidFill>
+                  <a:schemeClr val="bg2">
+                    <a:lumMod val="25000"/>
+                  </a:schemeClr>
+                </a:solidFill>
+                <a:latin typeface="Arial" panose="020B0604020202020204" pitchFamily="34" charset="0"/>
+                <a:cs typeface="Arial" panose="020B0604020202020204" pitchFamily="34" charset="0"/>
+              </a:rPr>
+              <a:t>(A</a:t>
+            </a:r>
+            <a:r>
+              <a:rPr lang="en-US" sz="700" b="1" baseline="-25000" dirty="0">
+                <a:solidFill>
+                  <a:schemeClr val="bg2">
+                    <a:lumMod val="25000"/>
+                  </a:schemeClr>
+                </a:solidFill>
+                <a:latin typeface="Arial" panose="020B0604020202020204" pitchFamily="34" charset="0"/>
+                <a:cs typeface="Arial" panose="020B0604020202020204" pitchFamily="34" charset="0"/>
+              </a:rPr>
+              <a:t>1 </a:t>
+            </a:r>
+            <a:r>
+              <a:rPr lang="en-US" sz="700" b="1" dirty="0">
+                <a:solidFill>
+                  <a:schemeClr val="bg2">
+                    <a:lumMod val="25000"/>
+                  </a:schemeClr>
+                </a:solidFill>
+                <a:latin typeface="Arial" panose="020B0604020202020204" pitchFamily="34" charset="0"/>
+                <a:cs typeface="Arial" panose="020B0604020202020204" pitchFamily="34" charset="0"/>
+              </a:rPr>
+              <a:t>/ s</a:t>
+            </a:r>
+            <a:r>
+              <a:rPr lang="en-US" sz="700" b="1" baseline="30000" dirty="0">
+                <a:solidFill>
+                  <a:schemeClr val="bg2">
+                    <a:lumMod val="25000"/>
+                  </a:schemeClr>
+                </a:solidFill>
+                <a:latin typeface="Arial" panose="020B0604020202020204" pitchFamily="34" charset="0"/>
+                <a:cs typeface="Arial" panose="020B0604020202020204" pitchFamily="34" charset="0"/>
+              </a:rPr>
+              <a:t>-1</a:t>
+            </a:r>
+            <a:r>
+              <a:rPr lang="en-US" sz="700" b="1" dirty="0">
+                <a:solidFill>
+                  <a:schemeClr val="bg2">
+                    <a:lumMod val="25000"/>
+                  </a:schemeClr>
+                </a:solidFill>
+                <a:latin typeface="Arial" panose="020B0604020202020204" pitchFamily="34" charset="0"/>
+                <a:cs typeface="Arial" panose="020B0604020202020204" pitchFamily="34" charset="0"/>
+              </a:rPr>
+              <a:t>)</a:t>
+            </a:r>
+          </a:p>
+        </p:txBody>
+      </p:sp>
+      <p:sp>
+        <p:nvSpPr>
+          <p:cNvPr id="34" name="TextBox 33">
+            <a:extLst>
+              <a:ext uri="{FF2B5EF4-FFF2-40B4-BE49-F238E27FC236}">
+                <a16:creationId xmlns:a16="http://schemas.microsoft.com/office/drawing/2014/main" id="{60CD4FF8-A3C6-42CE-810F-105325AE90F1}"/>
+              </a:ext>
+            </a:extLst>
+          </p:cNvPr>
+          <p:cNvSpPr txBox="1"/>
+          <p:nvPr/>
+        </p:nvSpPr>
+        <p:spPr>
+          <a:xfrm rot="16200000">
+            <a:off x="3110954" y="3267499"/>
+            <a:ext cx="924557" cy="200055"/>
+          </a:xfrm>
+          <a:prstGeom prst="rect">
+            <a:avLst/>
+          </a:prstGeom>
+          <a:noFill/>
+          <a:ln>
+            <a:noFill/>
+          </a:ln>
+        </p:spPr>
+        <p:style>
+          <a:lnRef idx="2">
+            <a:schemeClr val="dk1"/>
+          </a:lnRef>
+          <a:fillRef idx="1">
+            <a:schemeClr val="lt1"/>
+          </a:fillRef>
+          <a:effectRef idx="0">
+            <a:schemeClr val="dk1"/>
+          </a:effectRef>
+          <a:fontRef idx="minor">
+            <a:schemeClr val="dk1"/>
+          </a:fontRef>
+        </p:style>
+        <p:txBody>
+          <a:bodyPr wrap="square" rtlCol="0">
+            <a:spAutoFit/>
+          </a:bodyPr>
+          <a:lstStyle/>
+          <a:p>
+            <a:r>
+              <a:rPr lang="en-US" sz="700" b="1" dirty="0">
+                <a:solidFill>
+                  <a:schemeClr val="bg2">
+                    <a:lumMod val="25000"/>
+                  </a:schemeClr>
+                </a:solidFill>
+                <a:latin typeface="Arial" panose="020B0604020202020204" pitchFamily="34" charset="0"/>
+                <a:cs typeface="Arial" panose="020B0604020202020204" pitchFamily="34" charset="0"/>
+              </a:rPr>
+              <a:t>log</a:t>
+            </a:r>
+            <a:r>
+              <a:rPr lang="en-US" sz="700" b="1" baseline="-25000" dirty="0">
+                <a:solidFill>
+                  <a:schemeClr val="bg2">
+                    <a:lumMod val="25000"/>
+                  </a:schemeClr>
+                </a:solidFill>
+                <a:latin typeface="Arial" panose="020B0604020202020204" pitchFamily="34" charset="0"/>
+                <a:cs typeface="Arial" panose="020B0604020202020204" pitchFamily="34" charset="0"/>
+              </a:rPr>
+              <a:t>10</a:t>
+            </a:r>
+            <a:r>
+              <a:rPr lang="en-US" sz="700" b="1" dirty="0">
+                <a:solidFill>
+                  <a:schemeClr val="bg2">
+                    <a:lumMod val="25000"/>
+                  </a:schemeClr>
+                </a:solidFill>
+                <a:latin typeface="Arial" panose="020B0604020202020204" pitchFamily="34" charset="0"/>
+                <a:cs typeface="Arial" panose="020B0604020202020204" pitchFamily="34" charset="0"/>
+              </a:rPr>
+              <a:t>(A</a:t>
+            </a:r>
+            <a:r>
+              <a:rPr lang="en-US" sz="700" b="1" baseline="-25000" dirty="0">
+                <a:solidFill>
+                  <a:schemeClr val="bg2">
+                    <a:lumMod val="25000"/>
+                  </a:schemeClr>
+                </a:solidFill>
+                <a:latin typeface="Arial" panose="020B0604020202020204" pitchFamily="34" charset="0"/>
+                <a:cs typeface="Arial" panose="020B0604020202020204" pitchFamily="34" charset="0"/>
+              </a:rPr>
+              <a:t>1 </a:t>
+            </a:r>
+            <a:r>
+              <a:rPr lang="en-US" sz="700" b="1" dirty="0">
+                <a:solidFill>
+                  <a:schemeClr val="bg2">
+                    <a:lumMod val="25000"/>
+                  </a:schemeClr>
+                </a:solidFill>
+                <a:latin typeface="Arial" panose="020B0604020202020204" pitchFamily="34" charset="0"/>
+                <a:cs typeface="Arial" panose="020B0604020202020204" pitchFamily="34" charset="0"/>
+              </a:rPr>
+              <a:t>/ s</a:t>
+            </a:r>
+            <a:r>
+              <a:rPr lang="en-US" sz="700" b="1" baseline="30000" dirty="0">
+                <a:solidFill>
+                  <a:schemeClr val="bg2">
+                    <a:lumMod val="25000"/>
+                  </a:schemeClr>
+                </a:solidFill>
+                <a:latin typeface="Arial" panose="020B0604020202020204" pitchFamily="34" charset="0"/>
+                <a:cs typeface="Arial" panose="020B0604020202020204" pitchFamily="34" charset="0"/>
+              </a:rPr>
+              <a:t>-1</a:t>
+            </a:r>
+            <a:r>
+              <a:rPr lang="en-US" sz="700" b="1" dirty="0">
+                <a:solidFill>
+                  <a:schemeClr val="bg2">
+                    <a:lumMod val="25000"/>
+                  </a:schemeClr>
+                </a:solidFill>
+                <a:latin typeface="Arial" panose="020B0604020202020204" pitchFamily="34" charset="0"/>
+                <a:cs typeface="Arial" panose="020B0604020202020204" pitchFamily="34" charset="0"/>
+              </a:rPr>
+              <a:t>)</a:t>
+            </a:r>
+          </a:p>
+        </p:txBody>
+      </p:sp>
+      <p:sp>
+        <p:nvSpPr>
+          <p:cNvPr id="35" name="TextBox 34">
+            <a:extLst>
+              <a:ext uri="{FF2B5EF4-FFF2-40B4-BE49-F238E27FC236}">
+                <a16:creationId xmlns:a16="http://schemas.microsoft.com/office/drawing/2014/main" id="{F3DF0CF6-1B7C-4229-B288-269BECF77CE0}"/>
+              </a:ext>
+            </a:extLst>
+          </p:cNvPr>
+          <p:cNvSpPr txBox="1"/>
+          <p:nvPr/>
+        </p:nvSpPr>
+        <p:spPr>
+          <a:xfrm rot="16200000">
+            <a:off x="4603130" y="3279567"/>
+            <a:ext cx="924557" cy="200055"/>
+          </a:xfrm>
+          <a:prstGeom prst="rect">
+            <a:avLst/>
+          </a:prstGeom>
+          <a:noFill/>
+          <a:ln>
+            <a:noFill/>
+          </a:ln>
+        </p:spPr>
+        <p:style>
+          <a:lnRef idx="2">
+            <a:schemeClr val="dk1"/>
+          </a:lnRef>
+          <a:fillRef idx="1">
+            <a:schemeClr val="lt1"/>
+          </a:fillRef>
+          <a:effectRef idx="0">
+            <a:schemeClr val="dk1"/>
+          </a:effectRef>
+          <a:fontRef idx="minor">
+            <a:schemeClr val="dk1"/>
+          </a:fontRef>
+        </p:style>
+        <p:txBody>
+          <a:bodyPr wrap="square" rtlCol="0">
+            <a:spAutoFit/>
+          </a:bodyPr>
+          <a:lstStyle/>
+          <a:p>
+            <a:r>
+              <a:rPr lang="en-US" sz="700" b="1" dirty="0">
+                <a:solidFill>
+                  <a:schemeClr val="bg2">
+                    <a:lumMod val="25000"/>
+                  </a:schemeClr>
+                </a:solidFill>
+                <a:latin typeface="Arial" panose="020B0604020202020204" pitchFamily="34" charset="0"/>
+                <a:cs typeface="Arial" panose="020B0604020202020204" pitchFamily="34" charset="0"/>
+              </a:rPr>
+              <a:t>log</a:t>
+            </a:r>
+            <a:r>
+              <a:rPr lang="en-US" sz="700" b="1" baseline="-25000" dirty="0">
+                <a:solidFill>
+                  <a:schemeClr val="bg2">
+                    <a:lumMod val="25000"/>
+                  </a:schemeClr>
+                </a:solidFill>
+                <a:latin typeface="Arial" panose="020B0604020202020204" pitchFamily="34" charset="0"/>
+                <a:cs typeface="Arial" panose="020B0604020202020204" pitchFamily="34" charset="0"/>
+              </a:rPr>
+              <a:t>10</a:t>
+            </a:r>
+            <a:r>
+              <a:rPr lang="en-US" sz="700" b="1" dirty="0">
+                <a:solidFill>
+                  <a:schemeClr val="bg2">
+                    <a:lumMod val="25000"/>
+                  </a:schemeClr>
+                </a:solidFill>
+                <a:latin typeface="Arial" panose="020B0604020202020204" pitchFamily="34" charset="0"/>
+                <a:cs typeface="Arial" panose="020B0604020202020204" pitchFamily="34" charset="0"/>
+              </a:rPr>
+              <a:t>(A</a:t>
+            </a:r>
+            <a:r>
+              <a:rPr lang="en-US" sz="700" b="1" baseline="-25000" dirty="0">
+                <a:solidFill>
+                  <a:schemeClr val="bg2">
+                    <a:lumMod val="25000"/>
+                  </a:schemeClr>
+                </a:solidFill>
+                <a:latin typeface="Arial" panose="020B0604020202020204" pitchFamily="34" charset="0"/>
+                <a:cs typeface="Arial" panose="020B0604020202020204" pitchFamily="34" charset="0"/>
+              </a:rPr>
+              <a:t>1 </a:t>
+            </a:r>
+            <a:r>
+              <a:rPr lang="en-US" sz="700" b="1" dirty="0">
+                <a:solidFill>
+                  <a:schemeClr val="bg2">
+                    <a:lumMod val="25000"/>
+                  </a:schemeClr>
+                </a:solidFill>
+                <a:latin typeface="Arial" panose="020B0604020202020204" pitchFamily="34" charset="0"/>
+                <a:cs typeface="Arial" panose="020B0604020202020204" pitchFamily="34" charset="0"/>
+              </a:rPr>
+              <a:t>/ s</a:t>
+            </a:r>
+            <a:r>
+              <a:rPr lang="en-US" sz="700" b="1" baseline="30000" dirty="0">
+                <a:solidFill>
+                  <a:schemeClr val="bg2">
+                    <a:lumMod val="25000"/>
+                  </a:schemeClr>
+                </a:solidFill>
+                <a:latin typeface="Arial" panose="020B0604020202020204" pitchFamily="34" charset="0"/>
+                <a:cs typeface="Arial" panose="020B0604020202020204" pitchFamily="34" charset="0"/>
+              </a:rPr>
+              <a:t>-1</a:t>
+            </a:r>
+            <a:r>
+              <a:rPr lang="en-US" sz="700" b="1" dirty="0">
+                <a:solidFill>
+                  <a:schemeClr val="bg2">
+                    <a:lumMod val="25000"/>
+                  </a:schemeClr>
+                </a:solidFill>
+                <a:latin typeface="Arial" panose="020B0604020202020204" pitchFamily="34" charset="0"/>
+                <a:cs typeface="Arial" panose="020B0604020202020204" pitchFamily="34" charset="0"/>
+              </a:rPr>
+              <a:t>)</a:t>
+            </a:r>
+          </a:p>
+        </p:txBody>
+      </p:sp>
+      <p:pic>
+        <p:nvPicPr>
+          <p:cNvPr id="65" name="Picture 64">
+            <a:extLst>
+              <a:ext uri="{FF2B5EF4-FFF2-40B4-BE49-F238E27FC236}">
+                <a16:creationId xmlns:a16="http://schemas.microsoft.com/office/drawing/2014/main" id="{61A70198-D004-4DA1-8502-DDCC301378D5}"/>
+              </a:ext>
+            </a:extLst>
+          </p:cNvPr>
+          <p:cNvPicPr>
+            <a:picLocks noChangeAspect="1"/>
+          </p:cNvPicPr>
+          <p:nvPr/>
+        </p:nvPicPr>
+        <p:blipFill>
+          <a:blip r:embed="rId10"/>
+          <a:stretch>
+            <a:fillRect/>
+          </a:stretch>
+        </p:blipFill>
+        <p:spPr>
+          <a:xfrm>
+            <a:off x="7747888" y="1560536"/>
+            <a:ext cx="2944623" cy="2828789"/>
+          </a:xfrm>
+          <a:prstGeom prst="rect">
+            <a:avLst/>
+          </a:prstGeom>
+        </p:spPr>
+      </p:pic>
     </p:spTree>
     <p:extLst>
       <p:ext uri="{BB962C8B-B14F-4D97-AF65-F5344CB8AC3E}">
@@ -3714,7 +5425,7 @@
 </p:sld>
 </file>
 
-<file path=ppt/slides/slide2.xml><?xml version="1.0" encoding="utf-8"?>
+<file path=ppt/slides/slide3.xml><?xml version="1.0" encoding="utf-8"?>
 <p:sld xmlns:a="http://schemas.openxmlformats.org/drawingml/2006/main" xmlns:r="http://schemas.openxmlformats.org/officeDocument/2006/relationships" xmlns:p="http://schemas.openxmlformats.org/presentationml/2006/main">
   <p:cSld>
     <p:spTree>
@@ -3733,10 +5444,10 @@
       </p:grpSpPr>
       <p:pic>
         <p:nvPicPr>
-          <p:cNvPr id="12" name="Picture 11">
-            <a:extLst>
-              <a:ext uri="{FF2B5EF4-FFF2-40B4-BE49-F238E27FC236}">
-                <a16:creationId xmlns:a16="http://schemas.microsoft.com/office/drawing/2014/main" id="{DEAE52D6-AB00-4146-AE8C-C68305E1895D}"/>
+          <p:cNvPr id="7" name="Picture 6">
+            <a:extLst>
+              <a:ext uri="{FF2B5EF4-FFF2-40B4-BE49-F238E27FC236}">
+                <a16:creationId xmlns:a16="http://schemas.microsoft.com/office/drawing/2014/main" id="{BF614778-765E-457D-89C6-028F0A47344B}"/>
               </a:ext>
             </a:extLst>
           </p:cNvPr>
@@ -3757,6 +5468,9 @@
                   </a14:imgLayer>
                 </a14:imgProps>
               </a:ext>
+              <a:ext uri="{28A0092B-C50C-407E-A947-70E740481C1C}">
+                <a14:useLocalDpi xmlns:a14="http://schemas.microsoft.com/office/drawing/2010/main" val="0"/>
+              </a:ext>
             </a:extLst>
           </a:blip>
           <a:stretch>
@@ -3765,48 +5479,8 @@
         </p:blipFill>
         <p:spPr>
           <a:xfrm>
-            <a:off x="5017452" y="2883851"/>
-            <a:ext cx="1395730" cy="1395730"/>
-          </a:xfrm>
-          <a:prstGeom prst="rect">
-            <a:avLst/>
-          </a:prstGeom>
-        </p:spPr>
-      </p:pic>
-      <p:pic>
-        <p:nvPicPr>
-          <p:cNvPr id="4" name="Picture 3">
-            <a:extLst>
-              <a:ext uri="{FF2B5EF4-FFF2-40B4-BE49-F238E27FC236}">
-                <a16:creationId xmlns:a16="http://schemas.microsoft.com/office/drawing/2014/main" id="{2A18F0A6-0546-4872-B4CB-381C168ADA73}"/>
-              </a:ext>
-            </a:extLst>
-          </p:cNvPr>
-          <p:cNvPicPr/>
-          <p:nvPr/>
-        </p:nvPicPr>
-        <p:blipFill>
-          <a:blip r:embed="rId4">
-            <a:extLst>
-              <a:ext uri="{BEBA8EAE-BF5A-486C-A8C5-ECC9F3942E4B}">
-                <a14:imgProps xmlns:a14="http://schemas.microsoft.com/office/drawing/2010/main">
-                  <a14:imgLayer r:embed="rId5">
-                    <a14:imgEffect>
-                      <a14:saturation sat="65000"/>
-                    </a14:imgEffect>
-                  </a14:imgLayer>
-                </a14:imgProps>
-              </a:ext>
-            </a:extLst>
-          </a:blip>
-          <a:stretch>
-            <a:fillRect/>
-          </a:stretch>
-        </p:blipFill>
-        <p:spPr>
-          <a:xfrm>
-            <a:off x="3522027" y="1488757"/>
-            <a:ext cx="1395095" cy="1395095"/>
+            <a:off x="5016817" y="2879913"/>
+            <a:ext cx="1399032" cy="1399032"/>
           </a:xfrm>
           <a:prstGeom prst="rect">
             <a:avLst/>
@@ -3818,11 +5492,58 @@
           <p:cNvPr id="5" name="Picture 4">
             <a:extLst>
               <a:ext uri="{FF2B5EF4-FFF2-40B4-BE49-F238E27FC236}">
-                <a16:creationId xmlns:a16="http://schemas.microsoft.com/office/drawing/2014/main" id="{6CCCF082-2237-4A01-9B08-F1B6A7A08D95}"/>
-              </a:ext>
-            </a:extLst>
-          </p:cNvPr>
-          <p:cNvPicPr/>
+                <a16:creationId xmlns:a16="http://schemas.microsoft.com/office/drawing/2014/main" id="{6CFCF550-B7ED-4DBF-A75D-B608A65A6DFC}"/>
+              </a:ext>
+            </a:extLst>
+          </p:cNvPr>
+          <p:cNvPicPr>
+            <a:picLocks noChangeAspect="1"/>
+          </p:cNvPicPr>
+          <p:nvPr/>
+        </p:nvPicPr>
+        <p:blipFill>
+          <a:blip r:embed="rId4">
+            <a:extLst>
+              <a:ext uri="{BEBA8EAE-BF5A-486C-A8C5-ECC9F3942E4B}">
+                <a14:imgProps xmlns:a14="http://schemas.microsoft.com/office/drawing/2010/main">
+                  <a14:imgLayer r:embed="rId5">
+                    <a14:imgEffect>
+                      <a14:saturation sat="65000"/>
+                    </a14:imgEffect>
+                  </a14:imgLayer>
+                </a14:imgProps>
+              </a:ext>
+              <a:ext uri="{28A0092B-C50C-407E-A947-70E740481C1C}">
+                <a14:useLocalDpi xmlns:a14="http://schemas.microsoft.com/office/drawing/2010/main" val="0"/>
+              </a:ext>
+            </a:extLst>
+          </a:blip>
+          <a:stretch>
+            <a:fillRect/>
+          </a:stretch>
+        </p:blipFill>
+        <p:spPr>
+          <a:xfrm>
+            <a:off x="3514312" y="2879913"/>
+            <a:ext cx="1399032" cy="1399032"/>
+          </a:xfrm>
+          <a:prstGeom prst="rect">
+            <a:avLst/>
+          </a:prstGeom>
+        </p:spPr>
+      </p:pic>
+      <p:pic>
+        <p:nvPicPr>
+          <p:cNvPr id="2" name="Picture 1">
+            <a:extLst>
+              <a:ext uri="{FF2B5EF4-FFF2-40B4-BE49-F238E27FC236}">
+                <a16:creationId xmlns:a16="http://schemas.microsoft.com/office/drawing/2014/main" id="{FF0E2C00-944B-48A9-9D0A-2F8E6C11EFCA}"/>
+              </a:ext>
+            </a:extLst>
+          </p:cNvPr>
+          <p:cNvPicPr>
+            <a:picLocks noChangeAspect="1"/>
+          </p:cNvPicPr>
           <p:nvPr/>
         </p:nvPicPr>
         <p:blipFill>
@@ -3845,8 +5566,8 @@
         </p:blipFill>
         <p:spPr>
           <a:xfrm>
-            <a:off x="3522027" y="2883852"/>
-            <a:ext cx="1395095" cy="1395095"/>
+            <a:off x="5016817" y="1482977"/>
+            <a:ext cx="1399032" cy="1399032"/>
           </a:xfrm>
           <a:prstGeom prst="rect">
             <a:avLst/>
@@ -3855,14 +5576,16 @@
       </p:pic>
       <p:pic>
         <p:nvPicPr>
-          <p:cNvPr id="6" name="Picture 5">
-            <a:extLst>
-              <a:ext uri="{FF2B5EF4-FFF2-40B4-BE49-F238E27FC236}">
-                <a16:creationId xmlns:a16="http://schemas.microsoft.com/office/drawing/2014/main" id="{30ABC3D4-FD47-458C-AC84-14833096A80A}"/>
-              </a:ext>
-            </a:extLst>
-          </p:cNvPr>
-          <p:cNvPicPr/>
+          <p:cNvPr id="3" name="Picture 2">
+            <a:extLst>
+              <a:ext uri="{FF2B5EF4-FFF2-40B4-BE49-F238E27FC236}">
+                <a16:creationId xmlns:a16="http://schemas.microsoft.com/office/drawing/2014/main" id="{E3101797-AE28-4106-B957-46769D5BBF26}"/>
+              </a:ext>
+            </a:extLst>
+          </p:cNvPr>
+          <p:cNvPicPr>
+            <a:picLocks noChangeAspect="1"/>
+          </p:cNvPicPr>
           <p:nvPr/>
         </p:nvPicPr>
         <p:blipFill>
@@ -3885,8 +5608,8 @@
         </p:blipFill>
         <p:spPr>
           <a:xfrm>
-            <a:off x="5017452" y="1488756"/>
-            <a:ext cx="1395095" cy="1395095"/>
+            <a:off x="3517614" y="1482977"/>
+            <a:ext cx="1399032" cy="1399032"/>
           </a:xfrm>
           <a:prstGeom prst="rect">
             <a:avLst/>
@@ -3907,7 +5630,7 @@
         </p:nvCxnSpPr>
         <p:spPr>
           <a:xfrm>
-            <a:off x="5301615" y="2186303"/>
+            <a:off x="5301615" y="2179160"/>
             <a:ext cx="1021080" cy="0"/>
           </a:xfrm>
           <a:prstGeom prst="line">
@@ -3951,7 +5674,7 @@
         </p:nvCxnSpPr>
         <p:spPr>
           <a:xfrm>
-            <a:off x="5301615" y="3754753"/>
+            <a:off x="5301615" y="3749990"/>
             <a:ext cx="1021080" cy="0"/>
           </a:xfrm>
           <a:prstGeom prst="line">
@@ -3995,7 +5718,1819 @@
         </p:nvCxnSpPr>
         <p:spPr>
           <a:xfrm>
-            <a:off x="3796665" y="2027553"/>
+            <a:off x="3796665" y="1992306"/>
+            <a:ext cx="1021080" cy="0"/>
+          </a:xfrm>
+          <a:prstGeom prst="line">
+            <a:avLst/>
+          </a:prstGeom>
+          <a:ln w="12700">
+            <a:solidFill>
+              <a:srgbClr val="FFC000">
+                <a:alpha val="75000"/>
+              </a:srgbClr>
+            </a:solidFill>
+            <a:prstDash val="dash"/>
+          </a:ln>
+        </p:spPr>
+        <p:style>
+          <a:lnRef idx="1">
+            <a:schemeClr val="accent1"/>
+          </a:lnRef>
+          <a:fillRef idx="0">
+            <a:schemeClr val="accent1"/>
+          </a:fillRef>
+          <a:effectRef idx="0">
+            <a:schemeClr val="accent1"/>
+          </a:effectRef>
+          <a:fontRef idx="minor">
+            <a:schemeClr val="tx1"/>
+          </a:fontRef>
+        </p:style>
+      </p:cxnSp>
+      <p:cxnSp>
+        <p:nvCxnSpPr>
+          <p:cNvPr id="14" name="Straight Connector 13">
+            <a:extLst>
+              <a:ext uri="{FF2B5EF4-FFF2-40B4-BE49-F238E27FC236}">
+                <a16:creationId xmlns:a16="http://schemas.microsoft.com/office/drawing/2014/main" id="{15E6390C-5F6F-456F-B6B0-BBAF7828F9FE}"/>
+              </a:ext>
+            </a:extLst>
+          </p:cNvPr>
+          <p:cNvCxnSpPr/>
+          <p:nvPr/>
+        </p:nvCxnSpPr>
+        <p:spPr>
+          <a:xfrm>
+            <a:off x="3817620" y="3810316"/>
+            <a:ext cx="1021080" cy="0"/>
+          </a:xfrm>
+          <a:prstGeom prst="line">
+            <a:avLst/>
+          </a:prstGeom>
+          <a:ln w="12700">
+            <a:solidFill>
+              <a:srgbClr val="FFC000">
+                <a:alpha val="75000"/>
+              </a:srgbClr>
+            </a:solidFill>
+            <a:prstDash val="dash"/>
+          </a:ln>
+        </p:spPr>
+        <p:style>
+          <a:lnRef idx="1">
+            <a:schemeClr val="accent1"/>
+          </a:lnRef>
+          <a:fillRef idx="0">
+            <a:schemeClr val="accent1"/>
+          </a:fillRef>
+          <a:effectRef idx="0">
+            <a:schemeClr val="accent1"/>
+          </a:effectRef>
+          <a:fontRef idx="minor">
+            <a:schemeClr val="tx1"/>
+          </a:fontRef>
+        </p:style>
+      </p:cxnSp>
+      <p:sp>
+        <p:nvSpPr>
+          <p:cNvPr id="15" name="TextBox 14">
+            <a:extLst>
+              <a:ext uri="{FF2B5EF4-FFF2-40B4-BE49-F238E27FC236}">
+                <a16:creationId xmlns:a16="http://schemas.microsoft.com/office/drawing/2014/main" id="{02E34002-783C-4FE0-8E70-BCCC744A5A35}"/>
+              </a:ext>
+            </a:extLst>
+          </p:cNvPr>
+          <p:cNvSpPr txBox="1"/>
+          <p:nvPr/>
+        </p:nvSpPr>
+        <p:spPr>
+          <a:xfrm>
+            <a:off x="3651250" y="4907578"/>
+            <a:ext cx="2228850" cy="923330"/>
+          </a:xfrm>
+          <a:prstGeom prst="rect">
+            <a:avLst/>
+          </a:prstGeom>
+          <a:noFill/>
+        </p:spPr>
+        <p:txBody>
+          <a:bodyPr wrap="square" rtlCol="0">
+            <a:spAutoFit/>
+          </a:bodyPr>
+          <a:lstStyle/>
+          <a:p>
+            <a:r>
+              <a:rPr lang="en-US" dirty="0"/>
+              <a:t>CPE &amp; BPE with Model B &amp; 0.0050</a:t>
+            </a:r>
+          </a:p>
+          <a:p>
+            <a:r>
+              <a:rPr lang="en-US" dirty="0"/>
+              <a:t>Aka Example 20</a:t>
+            </a:r>
+          </a:p>
+        </p:txBody>
+      </p:sp>
+      <p:sp>
+        <p:nvSpPr>
+          <p:cNvPr id="25" name="TextBox 24">
+            <a:extLst>
+              <a:ext uri="{FF2B5EF4-FFF2-40B4-BE49-F238E27FC236}">
+                <a16:creationId xmlns:a16="http://schemas.microsoft.com/office/drawing/2014/main" id="{426A4F7C-1803-4A0F-AB17-A9451EB868A7}"/>
+              </a:ext>
+            </a:extLst>
+          </p:cNvPr>
+          <p:cNvSpPr txBox="1"/>
+          <p:nvPr/>
+        </p:nvSpPr>
+        <p:spPr>
+          <a:xfrm>
+            <a:off x="3823334" y="1561262"/>
+            <a:ext cx="738823" cy="276999"/>
+          </a:xfrm>
+          <a:prstGeom prst="rect">
+            <a:avLst/>
+          </a:prstGeom>
+          <a:noFill/>
+        </p:spPr>
+        <p:txBody>
+          <a:bodyPr wrap="square" lIns="45720" rtlCol="0">
+            <a:spAutoFit/>
+          </a:bodyPr>
+          <a:lstStyle/>
+          <a:p>
+            <a:r>
+              <a:rPr lang="en-US" sz="1200" dirty="0"/>
+              <a:t>         </a:t>
+            </a:r>
+            <a:r>
+              <a:rPr lang="en-US" sz="1200" b="1" dirty="0"/>
+              <a:t>CPE </a:t>
+            </a:r>
+            <a:r>
+              <a:rPr lang="en-US" sz="1200" dirty="0"/>
+              <a:t>  </a:t>
+            </a:r>
+          </a:p>
+        </p:txBody>
+      </p:sp>
+      <p:sp>
+        <p:nvSpPr>
+          <p:cNvPr id="26" name="TextBox 25">
+            <a:extLst>
+              <a:ext uri="{FF2B5EF4-FFF2-40B4-BE49-F238E27FC236}">
+                <a16:creationId xmlns:a16="http://schemas.microsoft.com/office/drawing/2014/main" id="{A815DA7A-3773-46E1-B033-A876F8F3D26B}"/>
+              </a:ext>
+            </a:extLst>
+          </p:cNvPr>
+          <p:cNvSpPr txBox="1"/>
+          <p:nvPr/>
+        </p:nvSpPr>
+        <p:spPr>
+          <a:xfrm>
+            <a:off x="5314949" y="1564954"/>
+            <a:ext cx="809625" cy="276999"/>
+          </a:xfrm>
+          <a:prstGeom prst="rect">
+            <a:avLst/>
+          </a:prstGeom>
+          <a:noFill/>
+        </p:spPr>
+        <p:txBody>
+          <a:bodyPr wrap="square" lIns="45720" rtlCol="0">
+            <a:spAutoFit/>
+          </a:bodyPr>
+          <a:lstStyle/>
+          <a:p>
+            <a:r>
+              <a:rPr lang="en-US" sz="1200" dirty="0"/>
+              <a:t>         </a:t>
+            </a:r>
+            <a:r>
+              <a:rPr lang="en-US" sz="1200" b="1" dirty="0"/>
+              <a:t>BPE</a:t>
+            </a:r>
+          </a:p>
+        </p:txBody>
+      </p:sp>
+      <p:cxnSp>
+        <p:nvCxnSpPr>
+          <p:cNvPr id="27" name="Straight Connector 26">
+            <a:extLst>
+              <a:ext uri="{FF2B5EF4-FFF2-40B4-BE49-F238E27FC236}">
+                <a16:creationId xmlns:a16="http://schemas.microsoft.com/office/drawing/2014/main" id="{59FDB1C1-4153-4E71-B0A8-6F61D11D52D5}"/>
+              </a:ext>
+            </a:extLst>
+          </p:cNvPr>
+          <p:cNvCxnSpPr/>
+          <p:nvPr/>
+        </p:nvCxnSpPr>
+        <p:spPr>
+          <a:xfrm>
+            <a:off x="4956492" y="1526856"/>
+            <a:ext cx="0" cy="2626044"/>
+          </a:xfrm>
+          <a:prstGeom prst="line">
+            <a:avLst/>
+          </a:prstGeom>
+          <a:ln w="19050">
+            <a:solidFill>
+              <a:srgbClr val="669900"/>
+            </a:solidFill>
+          </a:ln>
+        </p:spPr>
+        <p:style>
+          <a:lnRef idx="3">
+            <a:schemeClr val="accent6"/>
+          </a:lnRef>
+          <a:fillRef idx="0">
+            <a:schemeClr val="accent6"/>
+          </a:fillRef>
+          <a:effectRef idx="2">
+            <a:schemeClr val="accent6"/>
+          </a:effectRef>
+          <a:fontRef idx="minor">
+            <a:schemeClr val="tx1"/>
+          </a:fontRef>
+        </p:style>
+      </p:cxnSp>
+      <p:sp>
+        <p:nvSpPr>
+          <p:cNvPr id="20" name="Rectangle 19">
+            <a:extLst>
+              <a:ext uri="{FF2B5EF4-FFF2-40B4-BE49-F238E27FC236}">
+                <a16:creationId xmlns:a16="http://schemas.microsoft.com/office/drawing/2014/main" id="{008BBB52-85C5-4153-9EFA-971FF60D0F2E}"/>
+              </a:ext>
+            </a:extLst>
+          </p:cNvPr>
+          <p:cNvSpPr/>
+          <p:nvPr/>
+        </p:nvSpPr>
+        <p:spPr>
+          <a:xfrm>
+            <a:off x="3852815" y="2759237"/>
+            <a:ext cx="924557" cy="124560"/>
+          </a:xfrm>
+          <a:prstGeom prst="rect">
+            <a:avLst/>
+          </a:prstGeom>
+          <a:solidFill>
+            <a:schemeClr val="bg1"/>
+          </a:solidFill>
+          <a:ln>
+            <a:noFill/>
+          </a:ln>
+        </p:spPr>
+        <p:style>
+          <a:lnRef idx="2">
+            <a:schemeClr val="accent1">
+              <a:shade val="50000"/>
+            </a:schemeClr>
+          </a:lnRef>
+          <a:fillRef idx="1">
+            <a:schemeClr val="accent1"/>
+          </a:fillRef>
+          <a:effectRef idx="0">
+            <a:schemeClr val="accent1"/>
+          </a:effectRef>
+          <a:fontRef idx="minor">
+            <a:schemeClr val="lt1"/>
+          </a:fontRef>
+        </p:style>
+        <p:txBody>
+          <a:bodyPr rtlCol="0" anchor="ctr"/>
+          <a:lstStyle/>
+          <a:p>
+            <a:pPr algn="ctr"/>
+            <a:endParaRPr lang="en-US"/>
+          </a:p>
+        </p:txBody>
+      </p:sp>
+      <p:sp>
+        <p:nvSpPr>
+          <p:cNvPr id="21" name="Rectangle 20">
+            <a:extLst>
+              <a:ext uri="{FF2B5EF4-FFF2-40B4-BE49-F238E27FC236}">
+                <a16:creationId xmlns:a16="http://schemas.microsoft.com/office/drawing/2014/main" id="{62D7F2DB-76E0-457D-A789-D83BE364A64F}"/>
+              </a:ext>
+            </a:extLst>
+          </p:cNvPr>
+          <p:cNvSpPr/>
+          <p:nvPr/>
+        </p:nvSpPr>
+        <p:spPr>
+          <a:xfrm>
+            <a:off x="5380672" y="2759237"/>
+            <a:ext cx="924557" cy="124560"/>
+          </a:xfrm>
+          <a:prstGeom prst="rect">
+            <a:avLst/>
+          </a:prstGeom>
+          <a:solidFill>
+            <a:schemeClr val="bg1"/>
+          </a:solidFill>
+          <a:ln>
+            <a:noFill/>
+          </a:ln>
+        </p:spPr>
+        <p:style>
+          <a:lnRef idx="2">
+            <a:schemeClr val="accent1">
+              <a:shade val="50000"/>
+            </a:schemeClr>
+          </a:lnRef>
+          <a:fillRef idx="1">
+            <a:schemeClr val="accent1"/>
+          </a:fillRef>
+          <a:effectRef idx="0">
+            <a:schemeClr val="accent1"/>
+          </a:effectRef>
+          <a:fontRef idx="minor">
+            <a:schemeClr val="lt1"/>
+          </a:fontRef>
+        </p:style>
+        <p:txBody>
+          <a:bodyPr rtlCol="0" anchor="ctr"/>
+          <a:lstStyle/>
+          <a:p>
+            <a:pPr algn="ctr"/>
+            <a:endParaRPr lang="en-US"/>
+          </a:p>
+        </p:txBody>
+      </p:sp>
+      <p:sp>
+        <p:nvSpPr>
+          <p:cNvPr id="23" name="Rectangle 22">
+            <a:extLst>
+              <a:ext uri="{FF2B5EF4-FFF2-40B4-BE49-F238E27FC236}">
+                <a16:creationId xmlns:a16="http://schemas.microsoft.com/office/drawing/2014/main" id="{D8C207CC-14FF-4FBF-A021-668A198C2401}"/>
+              </a:ext>
+            </a:extLst>
+          </p:cNvPr>
+          <p:cNvSpPr/>
+          <p:nvPr/>
+        </p:nvSpPr>
+        <p:spPr>
+          <a:xfrm>
+            <a:off x="3853815" y="4150863"/>
+            <a:ext cx="924557" cy="124560"/>
+          </a:xfrm>
+          <a:prstGeom prst="rect">
+            <a:avLst/>
+          </a:prstGeom>
+          <a:solidFill>
+            <a:schemeClr val="bg1"/>
+          </a:solidFill>
+          <a:ln>
+            <a:noFill/>
+          </a:ln>
+        </p:spPr>
+        <p:style>
+          <a:lnRef idx="2">
+            <a:schemeClr val="accent1">
+              <a:shade val="50000"/>
+            </a:schemeClr>
+          </a:lnRef>
+          <a:fillRef idx="1">
+            <a:schemeClr val="accent1"/>
+          </a:fillRef>
+          <a:effectRef idx="0">
+            <a:schemeClr val="accent1"/>
+          </a:effectRef>
+          <a:fontRef idx="minor">
+            <a:schemeClr val="lt1"/>
+          </a:fontRef>
+        </p:style>
+        <p:txBody>
+          <a:bodyPr rtlCol="0" anchor="ctr"/>
+          <a:lstStyle/>
+          <a:p>
+            <a:pPr algn="ctr"/>
+            <a:endParaRPr lang="en-US"/>
+          </a:p>
+        </p:txBody>
+      </p:sp>
+      <p:sp>
+        <p:nvSpPr>
+          <p:cNvPr id="24" name="Rectangle 23">
+            <a:extLst>
+              <a:ext uri="{FF2B5EF4-FFF2-40B4-BE49-F238E27FC236}">
+                <a16:creationId xmlns:a16="http://schemas.microsoft.com/office/drawing/2014/main" id="{A649CF81-E597-47B6-B247-C437C0557C88}"/>
+              </a:ext>
+            </a:extLst>
+          </p:cNvPr>
+          <p:cNvSpPr/>
+          <p:nvPr/>
+        </p:nvSpPr>
+        <p:spPr>
+          <a:xfrm>
+            <a:off x="5374910" y="4149431"/>
+            <a:ext cx="924557" cy="124560"/>
+          </a:xfrm>
+          <a:prstGeom prst="rect">
+            <a:avLst/>
+          </a:prstGeom>
+          <a:solidFill>
+            <a:schemeClr val="bg1"/>
+          </a:solidFill>
+          <a:ln>
+            <a:noFill/>
+          </a:ln>
+        </p:spPr>
+        <p:style>
+          <a:lnRef idx="2">
+            <a:schemeClr val="accent1">
+              <a:shade val="50000"/>
+            </a:schemeClr>
+          </a:lnRef>
+          <a:fillRef idx="1">
+            <a:schemeClr val="accent1"/>
+          </a:fillRef>
+          <a:effectRef idx="0">
+            <a:schemeClr val="accent1"/>
+          </a:effectRef>
+          <a:fontRef idx="minor">
+            <a:schemeClr val="lt1"/>
+          </a:fontRef>
+        </p:style>
+        <p:txBody>
+          <a:bodyPr rtlCol="0" anchor="ctr"/>
+          <a:lstStyle/>
+          <a:p>
+            <a:pPr algn="ctr"/>
+            <a:endParaRPr lang="en-US"/>
+          </a:p>
+        </p:txBody>
+      </p:sp>
+      <p:grpSp>
+        <p:nvGrpSpPr>
+          <p:cNvPr id="33" name="Group 32">
+            <a:extLst>
+              <a:ext uri="{FF2B5EF4-FFF2-40B4-BE49-F238E27FC236}">
+                <a16:creationId xmlns:a16="http://schemas.microsoft.com/office/drawing/2014/main" id="{2E2B1D1F-E771-459E-A19E-01FF9FCD056A}"/>
+              </a:ext>
+            </a:extLst>
+          </p:cNvPr>
+          <p:cNvGrpSpPr/>
+          <p:nvPr/>
+        </p:nvGrpSpPr>
+        <p:grpSpPr>
+          <a:xfrm>
+            <a:off x="3945257" y="2700942"/>
+            <a:ext cx="2431409" cy="1606952"/>
+            <a:chOff x="3945257" y="2700942"/>
+            <a:chExt cx="2431409" cy="1606952"/>
+          </a:xfrm>
+        </p:grpSpPr>
+        <p:sp>
+          <p:nvSpPr>
+            <p:cNvPr id="34" name="TextBox 33">
+              <a:extLst>
+                <a:ext uri="{FF2B5EF4-FFF2-40B4-BE49-F238E27FC236}">
+                  <a16:creationId xmlns:a16="http://schemas.microsoft.com/office/drawing/2014/main" id="{5888997C-7CDE-410C-9DDF-0323E7C75C12}"/>
+                </a:ext>
+              </a:extLst>
+            </p:cNvPr>
+            <p:cNvSpPr txBox="1"/>
+            <p:nvPr/>
+          </p:nvSpPr>
+          <p:spPr>
+            <a:xfrm>
+              <a:off x="3945257" y="2704270"/>
+              <a:ext cx="924557" cy="200055"/>
+            </a:xfrm>
+            <a:prstGeom prst="rect">
+              <a:avLst/>
+            </a:prstGeom>
+            <a:noFill/>
+            <a:ln>
+              <a:noFill/>
+            </a:ln>
+          </p:spPr>
+          <p:style>
+            <a:lnRef idx="2">
+              <a:schemeClr val="dk1"/>
+            </a:lnRef>
+            <a:fillRef idx="1">
+              <a:schemeClr val="lt1"/>
+            </a:fillRef>
+            <a:effectRef idx="0">
+              <a:schemeClr val="dk1"/>
+            </a:effectRef>
+            <a:fontRef idx="minor">
+              <a:schemeClr val="dk1"/>
+            </a:fontRef>
+          </p:style>
+          <p:txBody>
+            <a:bodyPr wrap="square" rtlCol="0">
+              <a:spAutoFit/>
+            </a:bodyPr>
+            <a:lstStyle/>
+            <a:p>
+              <a:r>
+                <a:rPr lang="en-US" sz="700" b="1" dirty="0">
+                  <a:solidFill>
+                    <a:schemeClr val="bg2">
+                      <a:lumMod val="25000"/>
+                    </a:schemeClr>
+                  </a:solidFill>
+                  <a:latin typeface="Arial" panose="020B0604020202020204" pitchFamily="34" charset="0"/>
+                  <a:cs typeface="Arial" panose="020B0604020202020204" pitchFamily="34" charset="0"/>
+                </a:rPr>
+                <a:t>E</a:t>
+              </a:r>
+              <a:r>
+                <a:rPr lang="en-US" sz="700" b="1" baseline="-25000" dirty="0">
+                  <a:solidFill>
+                    <a:schemeClr val="bg2">
+                      <a:lumMod val="25000"/>
+                    </a:schemeClr>
+                  </a:solidFill>
+                  <a:latin typeface="Arial" panose="020B0604020202020204" pitchFamily="34" charset="0"/>
+                  <a:cs typeface="Arial" panose="020B0604020202020204" pitchFamily="34" charset="0"/>
+                </a:rPr>
+                <a:t>A1 </a:t>
+              </a:r>
+              <a:r>
+                <a:rPr lang="en-US" sz="700" b="1" dirty="0">
+                  <a:solidFill>
+                    <a:schemeClr val="bg2">
+                      <a:lumMod val="25000"/>
+                    </a:schemeClr>
+                  </a:solidFill>
+                  <a:latin typeface="Arial" panose="020B0604020202020204" pitchFamily="34" charset="0"/>
+                  <a:cs typeface="Arial" panose="020B0604020202020204" pitchFamily="34" charset="0"/>
+                </a:rPr>
+                <a:t>(kJ mol</a:t>
+              </a:r>
+              <a:r>
+                <a:rPr lang="en-US" sz="700" b="1" baseline="30000" dirty="0">
+                  <a:solidFill>
+                    <a:schemeClr val="bg2">
+                      <a:lumMod val="25000"/>
+                    </a:schemeClr>
+                  </a:solidFill>
+                  <a:latin typeface="Arial" panose="020B0604020202020204" pitchFamily="34" charset="0"/>
+                  <a:cs typeface="Arial" panose="020B0604020202020204" pitchFamily="34" charset="0"/>
+                </a:rPr>
+                <a:t>-1</a:t>
+              </a:r>
+              <a:r>
+                <a:rPr lang="en-US" sz="700" b="1" dirty="0">
+                  <a:solidFill>
+                    <a:schemeClr val="bg2">
+                      <a:lumMod val="25000"/>
+                    </a:schemeClr>
+                  </a:solidFill>
+                  <a:latin typeface="Arial" panose="020B0604020202020204" pitchFamily="34" charset="0"/>
+                  <a:cs typeface="Arial" panose="020B0604020202020204" pitchFamily="34" charset="0"/>
+                </a:rPr>
+                <a:t>)</a:t>
+              </a:r>
+            </a:p>
+          </p:txBody>
+        </p:sp>
+        <p:sp>
+          <p:nvSpPr>
+            <p:cNvPr id="35" name="TextBox 34">
+              <a:extLst>
+                <a:ext uri="{FF2B5EF4-FFF2-40B4-BE49-F238E27FC236}">
+                  <a16:creationId xmlns:a16="http://schemas.microsoft.com/office/drawing/2014/main" id="{6C3CE7E1-0615-490C-8CA9-14BBCF196A5D}"/>
+                </a:ext>
+              </a:extLst>
+            </p:cNvPr>
+            <p:cNvSpPr txBox="1"/>
+            <p:nvPr/>
+          </p:nvSpPr>
+          <p:spPr>
+            <a:xfrm>
+              <a:off x="5441631" y="2700942"/>
+              <a:ext cx="924557" cy="200055"/>
+            </a:xfrm>
+            <a:prstGeom prst="rect">
+              <a:avLst/>
+            </a:prstGeom>
+            <a:noFill/>
+            <a:ln>
+              <a:noFill/>
+            </a:ln>
+          </p:spPr>
+          <p:style>
+            <a:lnRef idx="2">
+              <a:schemeClr val="dk1"/>
+            </a:lnRef>
+            <a:fillRef idx="1">
+              <a:schemeClr val="lt1"/>
+            </a:fillRef>
+            <a:effectRef idx="0">
+              <a:schemeClr val="dk1"/>
+            </a:effectRef>
+            <a:fontRef idx="minor">
+              <a:schemeClr val="dk1"/>
+            </a:fontRef>
+          </p:style>
+          <p:txBody>
+            <a:bodyPr wrap="square" rtlCol="0">
+              <a:spAutoFit/>
+            </a:bodyPr>
+            <a:lstStyle/>
+            <a:p>
+              <a:r>
+                <a:rPr lang="en-US" sz="700" b="1" dirty="0">
+                  <a:solidFill>
+                    <a:schemeClr val="bg2">
+                      <a:lumMod val="25000"/>
+                    </a:schemeClr>
+                  </a:solidFill>
+                  <a:latin typeface="Arial" panose="020B0604020202020204" pitchFamily="34" charset="0"/>
+                  <a:cs typeface="Arial" panose="020B0604020202020204" pitchFamily="34" charset="0"/>
+                </a:rPr>
+                <a:t>E</a:t>
+              </a:r>
+              <a:r>
+                <a:rPr lang="en-US" sz="700" b="1" baseline="-25000" dirty="0">
+                  <a:solidFill>
+                    <a:schemeClr val="bg2">
+                      <a:lumMod val="25000"/>
+                    </a:schemeClr>
+                  </a:solidFill>
+                  <a:latin typeface="Arial" panose="020B0604020202020204" pitchFamily="34" charset="0"/>
+                  <a:cs typeface="Arial" panose="020B0604020202020204" pitchFamily="34" charset="0"/>
+                </a:rPr>
+                <a:t>A1 </a:t>
+              </a:r>
+              <a:r>
+                <a:rPr lang="en-US" sz="700" b="1" dirty="0">
+                  <a:solidFill>
+                    <a:schemeClr val="bg2">
+                      <a:lumMod val="25000"/>
+                    </a:schemeClr>
+                  </a:solidFill>
+                  <a:latin typeface="Arial" panose="020B0604020202020204" pitchFamily="34" charset="0"/>
+                  <a:cs typeface="Arial" panose="020B0604020202020204" pitchFamily="34" charset="0"/>
+                </a:rPr>
+                <a:t>(kJ mol</a:t>
+              </a:r>
+              <a:r>
+                <a:rPr lang="en-US" sz="700" b="1" baseline="30000" dirty="0">
+                  <a:solidFill>
+                    <a:schemeClr val="bg2">
+                      <a:lumMod val="25000"/>
+                    </a:schemeClr>
+                  </a:solidFill>
+                  <a:latin typeface="Arial" panose="020B0604020202020204" pitchFamily="34" charset="0"/>
+                  <a:cs typeface="Arial" panose="020B0604020202020204" pitchFamily="34" charset="0"/>
+                </a:rPr>
+                <a:t>-1</a:t>
+              </a:r>
+              <a:r>
+                <a:rPr lang="en-US" sz="700" b="1" dirty="0">
+                  <a:solidFill>
+                    <a:schemeClr val="bg2">
+                      <a:lumMod val="25000"/>
+                    </a:schemeClr>
+                  </a:solidFill>
+                  <a:latin typeface="Arial" panose="020B0604020202020204" pitchFamily="34" charset="0"/>
+                  <a:cs typeface="Arial" panose="020B0604020202020204" pitchFamily="34" charset="0"/>
+                </a:rPr>
+                <a:t>)</a:t>
+              </a:r>
+            </a:p>
+          </p:txBody>
+        </p:sp>
+        <p:sp>
+          <p:nvSpPr>
+            <p:cNvPr id="36" name="TextBox 35">
+              <a:extLst>
+                <a:ext uri="{FF2B5EF4-FFF2-40B4-BE49-F238E27FC236}">
+                  <a16:creationId xmlns:a16="http://schemas.microsoft.com/office/drawing/2014/main" id="{BA3BFD8F-75C2-42B0-BE34-E995AB6C93EC}"/>
+                </a:ext>
+              </a:extLst>
+            </p:cNvPr>
+            <p:cNvSpPr txBox="1"/>
+            <p:nvPr/>
+          </p:nvSpPr>
+          <p:spPr>
+            <a:xfrm>
+              <a:off x="3954145" y="4107839"/>
+              <a:ext cx="924557" cy="200055"/>
+            </a:xfrm>
+            <a:prstGeom prst="rect">
+              <a:avLst/>
+            </a:prstGeom>
+            <a:noFill/>
+            <a:ln>
+              <a:noFill/>
+            </a:ln>
+          </p:spPr>
+          <p:style>
+            <a:lnRef idx="2">
+              <a:schemeClr val="dk1"/>
+            </a:lnRef>
+            <a:fillRef idx="1">
+              <a:schemeClr val="lt1"/>
+            </a:fillRef>
+            <a:effectRef idx="0">
+              <a:schemeClr val="dk1"/>
+            </a:effectRef>
+            <a:fontRef idx="minor">
+              <a:schemeClr val="dk1"/>
+            </a:fontRef>
+          </p:style>
+          <p:txBody>
+            <a:bodyPr wrap="square" rtlCol="0">
+              <a:spAutoFit/>
+            </a:bodyPr>
+            <a:lstStyle/>
+            <a:p>
+              <a:r>
+                <a:rPr lang="en-US" sz="700" b="1" dirty="0">
+                  <a:solidFill>
+                    <a:schemeClr val="bg2">
+                      <a:lumMod val="25000"/>
+                    </a:schemeClr>
+                  </a:solidFill>
+                  <a:latin typeface="Arial" panose="020B0604020202020204" pitchFamily="34" charset="0"/>
+                  <a:cs typeface="Arial" panose="020B0604020202020204" pitchFamily="34" charset="0"/>
+                </a:rPr>
+                <a:t>E</a:t>
+              </a:r>
+              <a:r>
+                <a:rPr lang="en-US" sz="700" b="1" baseline="-25000" dirty="0">
+                  <a:solidFill>
+                    <a:schemeClr val="bg2">
+                      <a:lumMod val="25000"/>
+                    </a:schemeClr>
+                  </a:solidFill>
+                  <a:latin typeface="Arial" panose="020B0604020202020204" pitchFamily="34" charset="0"/>
+                  <a:cs typeface="Arial" panose="020B0604020202020204" pitchFamily="34" charset="0"/>
+                </a:rPr>
+                <a:t>A2 </a:t>
+              </a:r>
+              <a:r>
+                <a:rPr lang="en-US" sz="700" b="1" dirty="0">
+                  <a:solidFill>
+                    <a:schemeClr val="bg2">
+                      <a:lumMod val="25000"/>
+                    </a:schemeClr>
+                  </a:solidFill>
+                  <a:latin typeface="Arial" panose="020B0604020202020204" pitchFamily="34" charset="0"/>
+                  <a:cs typeface="Arial" panose="020B0604020202020204" pitchFamily="34" charset="0"/>
+                </a:rPr>
+                <a:t>(kJ mol</a:t>
+              </a:r>
+              <a:r>
+                <a:rPr lang="en-US" sz="700" b="1" baseline="30000" dirty="0">
+                  <a:solidFill>
+                    <a:schemeClr val="bg2">
+                      <a:lumMod val="25000"/>
+                    </a:schemeClr>
+                  </a:solidFill>
+                  <a:latin typeface="Arial" panose="020B0604020202020204" pitchFamily="34" charset="0"/>
+                  <a:cs typeface="Arial" panose="020B0604020202020204" pitchFamily="34" charset="0"/>
+                </a:rPr>
+                <a:t>-1</a:t>
+              </a:r>
+              <a:r>
+                <a:rPr lang="en-US" sz="700" b="1" dirty="0">
+                  <a:solidFill>
+                    <a:schemeClr val="bg2">
+                      <a:lumMod val="25000"/>
+                    </a:schemeClr>
+                  </a:solidFill>
+                  <a:latin typeface="Arial" panose="020B0604020202020204" pitchFamily="34" charset="0"/>
+                  <a:cs typeface="Arial" panose="020B0604020202020204" pitchFamily="34" charset="0"/>
+                </a:rPr>
+                <a:t>)</a:t>
+              </a:r>
+            </a:p>
+          </p:txBody>
+        </p:sp>
+        <p:sp>
+          <p:nvSpPr>
+            <p:cNvPr id="37" name="TextBox 36">
+              <a:extLst>
+                <a:ext uri="{FF2B5EF4-FFF2-40B4-BE49-F238E27FC236}">
+                  <a16:creationId xmlns:a16="http://schemas.microsoft.com/office/drawing/2014/main" id="{46CB4BB2-E859-4BBB-80FE-70BC53536F7A}"/>
+                </a:ext>
+              </a:extLst>
+            </p:cNvPr>
+            <p:cNvSpPr txBox="1"/>
+            <p:nvPr/>
+          </p:nvSpPr>
+          <p:spPr>
+            <a:xfrm>
+              <a:off x="5452109" y="4104364"/>
+              <a:ext cx="924557" cy="200055"/>
+            </a:xfrm>
+            <a:prstGeom prst="rect">
+              <a:avLst/>
+            </a:prstGeom>
+            <a:noFill/>
+            <a:ln>
+              <a:noFill/>
+            </a:ln>
+          </p:spPr>
+          <p:style>
+            <a:lnRef idx="2">
+              <a:schemeClr val="dk1"/>
+            </a:lnRef>
+            <a:fillRef idx="1">
+              <a:schemeClr val="lt1"/>
+            </a:fillRef>
+            <a:effectRef idx="0">
+              <a:schemeClr val="dk1"/>
+            </a:effectRef>
+            <a:fontRef idx="minor">
+              <a:schemeClr val="dk1"/>
+            </a:fontRef>
+          </p:style>
+          <p:txBody>
+            <a:bodyPr wrap="square" rtlCol="0">
+              <a:spAutoFit/>
+            </a:bodyPr>
+            <a:lstStyle/>
+            <a:p>
+              <a:r>
+                <a:rPr lang="en-US" sz="700" b="1" dirty="0">
+                  <a:solidFill>
+                    <a:schemeClr val="bg2">
+                      <a:lumMod val="25000"/>
+                    </a:schemeClr>
+                  </a:solidFill>
+                  <a:latin typeface="Arial" panose="020B0604020202020204" pitchFamily="34" charset="0"/>
+                  <a:cs typeface="Arial" panose="020B0604020202020204" pitchFamily="34" charset="0"/>
+                </a:rPr>
+                <a:t>E</a:t>
+              </a:r>
+              <a:r>
+                <a:rPr lang="en-US" sz="700" b="1" baseline="-25000" dirty="0">
+                  <a:solidFill>
+                    <a:schemeClr val="bg2">
+                      <a:lumMod val="25000"/>
+                    </a:schemeClr>
+                  </a:solidFill>
+                  <a:latin typeface="Arial" panose="020B0604020202020204" pitchFamily="34" charset="0"/>
+                  <a:cs typeface="Arial" panose="020B0604020202020204" pitchFamily="34" charset="0"/>
+                </a:rPr>
+                <a:t>A2 </a:t>
+              </a:r>
+              <a:r>
+                <a:rPr lang="en-US" sz="700" b="1" dirty="0">
+                  <a:solidFill>
+                    <a:schemeClr val="bg2">
+                      <a:lumMod val="25000"/>
+                    </a:schemeClr>
+                  </a:solidFill>
+                  <a:latin typeface="Arial" panose="020B0604020202020204" pitchFamily="34" charset="0"/>
+                  <a:cs typeface="Arial" panose="020B0604020202020204" pitchFamily="34" charset="0"/>
+                </a:rPr>
+                <a:t>(kJ mol</a:t>
+              </a:r>
+              <a:r>
+                <a:rPr lang="en-US" sz="700" b="1" baseline="30000" dirty="0">
+                  <a:solidFill>
+                    <a:schemeClr val="bg2">
+                      <a:lumMod val="25000"/>
+                    </a:schemeClr>
+                  </a:solidFill>
+                  <a:latin typeface="Arial" panose="020B0604020202020204" pitchFamily="34" charset="0"/>
+                  <a:cs typeface="Arial" panose="020B0604020202020204" pitchFamily="34" charset="0"/>
+                </a:rPr>
+                <a:t>-1</a:t>
+              </a:r>
+              <a:r>
+                <a:rPr lang="en-US" sz="700" b="1" dirty="0">
+                  <a:solidFill>
+                    <a:schemeClr val="bg2">
+                      <a:lumMod val="25000"/>
+                    </a:schemeClr>
+                  </a:solidFill>
+                  <a:latin typeface="Arial" panose="020B0604020202020204" pitchFamily="34" charset="0"/>
+                  <a:cs typeface="Arial" panose="020B0604020202020204" pitchFamily="34" charset="0"/>
+                </a:rPr>
+                <a:t>)</a:t>
+              </a:r>
+            </a:p>
+          </p:txBody>
+        </p:sp>
+      </p:grpSp>
+      <p:grpSp>
+        <p:nvGrpSpPr>
+          <p:cNvPr id="38" name="Group 37">
+            <a:extLst>
+              <a:ext uri="{FF2B5EF4-FFF2-40B4-BE49-F238E27FC236}">
+                <a16:creationId xmlns:a16="http://schemas.microsoft.com/office/drawing/2014/main" id="{2D1B0DC1-8A4D-47E3-BC33-E2359AD33F60}"/>
+              </a:ext>
+            </a:extLst>
+          </p:cNvPr>
+          <p:cNvGrpSpPr/>
+          <p:nvPr/>
+        </p:nvGrpSpPr>
+        <p:grpSpPr>
+          <a:xfrm>
+            <a:off x="3538610" y="1581955"/>
+            <a:ext cx="1613565" cy="2410771"/>
+            <a:chOff x="3519560" y="1581955"/>
+            <a:chExt cx="1613565" cy="2410771"/>
+          </a:xfrm>
+        </p:grpSpPr>
+        <p:sp>
+          <p:nvSpPr>
+            <p:cNvPr id="39" name="Rectangle 38">
+              <a:extLst>
+                <a:ext uri="{FF2B5EF4-FFF2-40B4-BE49-F238E27FC236}">
+                  <a16:creationId xmlns:a16="http://schemas.microsoft.com/office/drawing/2014/main" id="{55079F44-81FF-4402-A7A8-F03E4518D711}"/>
+                </a:ext>
+              </a:extLst>
+            </p:cNvPr>
+            <p:cNvSpPr/>
+            <p:nvPr/>
+          </p:nvSpPr>
+          <p:spPr>
+            <a:xfrm rot="16200000">
+              <a:off x="3121394" y="1981954"/>
+              <a:ext cx="924557" cy="124560"/>
+            </a:xfrm>
+            <a:prstGeom prst="rect">
+              <a:avLst/>
+            </a:prstGeom>
+            <a:solidFill>
+              <a:schemeClr val="bg1"/>
+            </a:solidFill>
+            <a:ln>
+              <a:noFill/>
+            </a:ln>
+          </p:spPr>
+          <p:style>
+            <a:lnRef idx="2">
+              <a:schemeClr val="accent1">
+                <a:shade val="50000"/>
+              </a:schemeClr>
+            </a:lnRef>
+            <a:fillRef idx="1">
+              <a:schemeClr val="accent1"/>
+            </a:fillRef>
+            <a:effectRef idx="0">
+              <a:schemeClr val="accent1"/>
+            </a:effectRef>
+            <a:fontRef idx="minor">
+              <a:schemeClr val="lt1"/>
+            </a:fontRef>
+          </p:style>
+          <p:txBody>
+            <a:bodyPr rtlCol="0" anchor="ctr"/>
+            <a:lstStyle/>
+            <a:p>
+              <a:pPr algn="ctr"/>
+              <a:endParaRPr lang="en-US"/>
+            </a:p>
+          </p:txBody>
+        </p:sp>
+        <p:sp>
+          <p:nvSpPr>
+            <p:cNvPr id="40" name="Rectangle 39">
+              <a:extLst>
+                <a:ext uri="{FF2B5EF4-FFF2-40B4-BE49-F238E27FC236}">
+                  <a16:creationId xmlns:a16="http://schemas.microsoft.com/office/drawing/2014/main" id="{DB4C71C6-21E3-40BC-8CC4-E3438241465E}"/>
+                </a:ext>
+              </a:extLst>
+            </p:cNvPr>
+            <p:cNvSpPr/>
+            <p:nvPr/>
+          </p:nvSpPr>
+          <p:spPr>
+            <a:xfrm rot="16200000">
+              <a:off x="3119561" y="3458053"/>
+              <a:ext cx="924557" cy="124560"/>
+            </a:xfrm>
+            <a:prstGeom prst="rect">
+              <a:avLst/>
+            </a:prstGeom>
+            <a:solidFill>
+              <a:schemeClr val="bg1"/>
+            </a:solidFill>
+            <a:ln>
+              <a:noFill/>
+            </a:ln>
+          </p:spPr>
+          <p:style>
+            <a:lnRef idx="2">
+              <a:schemeClr val="accent1">
+                <a:shade val="50000"/>
+              </a:schemeClr>
+            </a:lnRef>
+            <a:fillRef idx="1">
+              <a:schemeClr val="accent1"/>
+            </a:fillRef>
+            <a:effectRef idx="0">
+              <a:schemeClr val="accent1"/>
+            </a:effectRef>
+            <a:fontRef idx="minor">
+              <a:schemeClr val="lt1"/>
+            </a:fontRef>
+          </p:style>
+          <p:txBody>
+            <a:bodyPr rtlCol="0" anchor="ctr"/>
+            <a:lstStyle/>
+            <a:p>
+              <a:pPr algn="ctr"/>
+              <a:endParaRPr lang="en-US"/>
+            </a:p>
+          </p:txBody>
+        </p:sp>
+        <p:sp>
+          <p:nvSpPr>
+            <p:cNvPr id="41" name="Rectangle 40">
+              <a:extLst>
+                <a:ext uri="{FF2B5EF4-FFF2-40B4-BE49-F238E27FC236}">
+                  <a16:creationId xmlns:a16="http://schemas.microsoft.com/office/drawing/2014/main" id="{AD0A3A97-2178-45C1-B9C4-1C9615B5A341}"/>
+                </a:ext>
+              </a:extLst>
+            </p:cNvPr>
+            <p:cNvSpPr/>
+            <p:nvPr/>
+          </p:nvSpPr>
+          <p:spPr>
+            <a:xfrm rot="16200000">
+              <a:off x="4608566" y="1992069"/>
+              <a:ext cx="924557" cy="124560"/>
+            </a:xfrm>
+            <a:prstGeom prst="rect">
+              <a:avLst/>
+            </a:prstGeom>
+            <a:solidFill>
+              <a:schemeClr val="bg1"/>
+            </a:solidFill>
+            <a:ln>
+              <a:noFill/>
+            </a:ln>
+          </p:spPr>
+          <p:style>
+            <a:lnRef idx="2">
+              <a:schemeClr val="accent1">
+                <a:shade val="50000"/>
+              </a:schemeClr>
+            </a:lnRef>
+            <a:fillRef idx="1">
+              <a:schemeClr val="accent1"/>
+            </a:fillRef>
+            <a:effectRef idx="0">
+              <a:schemeClr val="accent1"/>
+            </a:effectRef>
+            <a:fontRef idx="minor">
+              <a:schemeClr val="lt1"/>
+            </a:fontRef>
+          </p:style>
+          <p:txBody>
+            <a:bodyPr rtlCol="0" anchor="ctr"/>
+            <a:lstStyle/>
+            <a:p>
+              <a:pPr algn="ctr"/>
+              <a:endParaRPr lang="en-US"/>
+            </a:p>
+          </p:txBody>
+        </p:sp>
+        <p:sp>
+          <p:nvSpPr>
+            <p:cNvPr id="42" name="Rectangle 41">
+              <a:extLst>
+                <a:ext uri="{FF2B5EF4-FFF2-40B4-BE49-F238E27FC236}">
+                  <a16:creationId xmlns:a16="http://schemas.microsoft.com/office/drawing/2014/main" id="{954DF17F-42DD-45B8-A6AD-FA71BF541472}"/>
+                </a:ext>
+              </a:extLst>
+            </p:cNvPr>
+            <p:cNvSpPr/>
+            <p:nvPr/>
+          </p:nvSpPr>
+          <p:spPr>
+            <a:xfrm rot="16200000">
+              <a:off x="4606733" y="3468168"/>
+              <a:ext cx="924557" cy="124560"/>
+            </a:xfrm>
+            <a:prstGeom prst="rect">
+              <a:avLst/>
+            </a:prstGeom>
+            <a:solidFill>
+              <a:schemeClr val="bg1"/>
+            </a:solidFill>
+            <a:ln>
+              <a:noFill/>
+            </a:ln>
+          </p:spPr>
+          <p:style>
+            <a:lnRef idx="2">
+              <a:schemeClr val="accent1">
+                <a:shade val="50000"/>
+              </a:schemeClr>
+            </a:lnRef>
+            <a:fillRef idx="1">
+              <a:schemeClr val="accent1"/>
+            </a:fillRef>
+            <a:effectRef idx="0">
+              <a:schemeClr val="accent1"/>
+            </a:effectRef>
+            <a:fontRef idx="minor">
+              <a:schemeClr val="lt1"/>
+            </a:fontRef>
+          </p:style>
+          <p:txBody>
+            <a:bodyPr rtlCol="0" anchor="ctr"/>
+            <a:lstStyle/>
+            <a:p>
+              <a:pPr algn="ctr"/>
+              <a:endParaRPr lang="en-US"/>
+            </a:p>
+          </p:txBody>
+        </p:sp>
+      </p:grpSp>
+      <p:sp>
+        <p:nvSpPr>
+          <p:cNvPr id="43" name="TextBox 42">
+            <a:extLst>
+              <a:ext uri="{FF2B5EF4-FFF2-40B4-BE49-F238E27FC236}">
+                <a16:creationId xmlns:a16="http://schemas.microsoft.com/office/drawing/2014/main" id="{5A22458D-5F87-47D2-8B35-6AB733B65230}"/>
+              </a:ext>
+            </a:extLst>
+          </p:cNvPr>
+          <p:cNvSpPr txBox="1"/>
+          <p:nvPr/>
+        </p:nvSpPr>
+        <p:spPr>
+          <a:xfrm rot="16200000">
+            <a:off x="3110954" y="1882650"/>
+            <a:ext cx="924557" cy="200055"/>
+          </a:xfrm>
+          <a:prstGeom prst="rect">
+            <a:avLst/>
+          </a:prstGeom>
+          <a:noFill/>
+          <a:ln>
+            <a:noFill/>
+          </a:ln>
+        </p:spPr>
+        <p:style>
+          <a:lnRef idx="2">
+            <a:schemeClr val="dk1"/>
+          </a:lnRef>
+          <a:fillRef idx="1">
+            <a:schemeClr val="lt1"/>
+          </a:fillRef>
+          <a:effectRef idx="0">
+            <a:schemeClr val="dk1"/>
+          </a:effectRef>
+          <a:fontRef idx="minor">
+            <a:schemeClr val="dk1"/>
+          </a:fontRef>
+        </p:style>
+        <p:txBody>
+          <a:bodyPr wrap="square" rtlCol="0">
+            <a:spAutoFit/>
+          </a:bodyPr>
+          <a:lstStyle/>
+          <a:p>
+            <a:r>
+              <a:rPr lang="en-US" sz="700" b="1" dirty="0">
+                <a:solidFill>
+                  <a:schemeClr val="bg2">
+                    <a:lumMod val="25000"/>
+                  </a:schemeClr>
+                </a:solidFill>
+                <a:latin typeface="Arial" panose="020B0604020202020204" pitchFamily="34" charset="0"/>
+                <a:cs typeface="Arial" panose="020B0604020202020204" pitchFamily="34" charset="0"/>
+              </a:rPr>
+              <a:t>log</a:t>
+            </a:r>
+            <a:r>
+              <a:rPr lang="en-US" sz="700" b="1" baseline="-25000" dirty="0">
+                <a:solidFill>
+                  <a:schemeClr val="bg2">
+                    <a:lumMod val="25000"/>
+                  </a:schemeClr>
+                </a:solidFill>
+                <a:latin typeface="Arial" panose="020B0604020202020204" pitchFamily="34" charset="0"/>
+                <a:cs typeface="Arial" panose="020B0604020202020204" pitchFamily="34" charset="0"/>
+              </a:rPr>
+              <a:t>10</a:t>
+            </a:r>
+            <a:r>
+              <a:rPr lang="en-US" sz="700" b="1" dirty="0">
+                <a:solidFill>
+                  <a:schemeClr val="bg2">
+                    <a:lumMod val="25000"/>
+                  </a:schemeClr>
+                </a:solidFill>
+                <a:latin typeface="Arial" panose="020B0604020202020204" pitchFamily="34" charset="0"/>
+                <a:cs typeface="Arial" panose="020B0604020202020204" pitchFamily="34" charset="0"/>
+              </a:rPr>
+              <a:t>(A</a:t>
+            </a:r>
+            <a:r>
+              <a:rPr lang="en-US" sz="700" b="1" baseline="-25000" dirty="0">
+                <a:solidFill>
+                  <a:schemeClr val="bg2">
+                    <a:lumMod val="25000"/>
+                  </a:schemeClr>
+                </a:solidFill>
+                <a:latin typeface="Arial" panose="020B0604020202020204" pitchFamily="34" charset="0"/>
+                <a:cs typeface="Arial" panose="020B0604020202020204" pitchFamily="34" charset="0"/>
+              </a:rPr>
+              <a:t>1 </a:t>
+            </a:r>
+            <a:r>
+              <a:rPr lang="en-US" sz="700" b="1" dirty="0">
+                <a:solidFill>
+                  <a:schemeClr val="bg2">
+                    <a:lumMod val="25000"/>
+                  </a:schemeClr>
+                </a:solidFill>
+                <a:latin typeface="Arial" panose="020B0604020202020204" pitchFamily="34" charset="0"/>
+                <a:cs typeface="Arial" panose="020B0604020202020204" pitchFamily="34" charset="0"/>
+              </a:rPr>
+              <a:t>/ s</a:t>
+            </a:r>
+            <a:r>
+              <a:rPr lang="en-US" sz="700" b="1" baseline="30000" dirty="0">
+                <a:solidFill>
+                  <a:schemeClr val="bg2">
+                    <a:lumMod val="25000"/>
+                  </a:schemeClr>
+                </a:solidFill>
+                <a:latin typeface="Arial" panose="020B0604020202020204" pitchFamily="34" charset="0"/>
+                <a:cs typeface="Arial" panose="020B0604020202020204" pitchFamily="34" charset="0"/>
+              </a:rPr>
+              <a:t>-1</a:t>
+            </a:r>
+            <a:r>
+              <a:rPr lang="en-US" sz="700" b="1" dirty="0">
+                <a:solidFill>
+                  <a:schemeClr val="bg2">
+                    <a:lumMod val="25000"/>
+                  </a:schemeClr>
+                </a:solidFill>
+                <a:latin typeface="Arial" panose="020B0604020202020204" pitchFamily="34" charset="0"/>
+                <a:cs typeface="Arial" panose="020B0604020202020204" pitchFamily="34" charset="0"/>
+              </a:rPr>
+              <a:t>)</a:t>
+            </a:r>
+          </a:p>
+        </p:txBody>
+      </p:sp>
+      <p:sp>
+        <p:nvSpPr>
+          <p:cNvPr id="44" name="TextBox 43">
+            <a:extLst>
+              <a:ext uri="{FF2B5EF4-FFF2-40B4-BE49-F238E27FC236}">
+                <a16:creationId xmlns:a16="http://schemas.microsoft.com/office/drawing/2014/main" id="{EA94F87F-3DB2-422A-A375-D2BCB03B03AC}"/>
+              </a:ext>
+            </a:extLst>
+          </p:cNvPr>
+          <p:cNvSpPr txBox="1"/>
+          <p:nvPr/>
+        </p:nvSpPr>
+        <p:spPr>
+          <a:xfrm rot="16200000">
+            <a:off x="4603130" y="1894718"/>
+            <a:ext cx="924557" cy="200055"/>
+          </a:xfrm>
+          <a:prstGeom prst="rect">
+            <a:avLst/>
+          </a:prstGeom>
+          <a:noFill/>
+          <a:ln>
+            <a:noFill/>
+          </a:ln>
+        </p:spPr>
+        <p:style>
+          <a:lnRef idx="2">
+            <a:schemeClr val="dk1"/>
+          </a:lnRef>
+          <a:fillRef idx="1">
+            <a:schemeClr val="lt1"/>
+          </a:fillRef>
+          <a:effectRef idx="0">
+            <a:schemeClr val="dk1"/>
+          </a:effectRef>
+          <a:fontRef idx="minor">
+            <a:schemeClr val="dk1"/>
+          </a:fontRef>
+        </p:style>
+        <p:txBody>
+          <a:bodyPr wrap="square" rtlCol="0">
+            <a:spAutoFit/>
+          </a:bodyPr>
+          <a:lstStyle/>
+          <a:p>
+            <a:r>
+              <a:rPr lang="en-US" sz="700" b="1" dirty="0">
+                <a:solidFill>
+                  <a:schemeClr val="bg2">
+                    <a:lumMod val="25000"/>
+                  </a:schemeClr>
+                </a:solidFill>
+                <a:latin typeface="Arial" panose="020B0604020202020204" pitchFamily="34" charset="0"/>
+                <a:cs typeface="Arial" panose="020B0604020202020204" pitchFamily="34" charset="0"/>
+              </a:rPr>
+              <a:t>log</a:t>
+            </a:r>
+            <a:r>
+              <a:rPr lang="en-US" sz="700" b="1" baseline="-25000" dirty="0">
+                <a:solidFill>
+                  <a:schemeClr val="bg2">
+                    <a:lumMod val="25000"/>
+                  </a:schemeClr>
+                </a:solidFill>
+                <a:latin typeface="Arial" panose="020B0604020202020204" pitchFamily="34" charset="0"/>
+                <a:cs typeface="Arial" panose="020B0604020202020204" pitchFamily="34" charset="0"/>
+              </a:rPr>
+              <a:t>10</a:t>
+            </a:r>
+            <a:r>
+              <a:rPr lang="en-US" sz="700" b="1" dirty="0">
+                <a:solidFill>
+                  <a:schemeClr val="bg2">
+                    <a:lumMod val="25000"/>
+                  </a:schemeClr>
+                </a:solidFill>
+                <a:latin typeface="Arial" panose="020B0604020202020204" pitchFamily="34" charset="0"/>
+                <a:cs typeface="Arial" panose="020B0604020202020204" pitchFamily="34" charset="0"/>
+              </a:rPr>
+              <a:t>(A</a:t>
+            </a:r>
+            <a:r>
+              <a:rPr lang="en-US" sz="700" b="1" baseline="-25000" dirty="0">
+                <a:solidFill>
+                  <a:schemeClr val="bg2">
+                    <a:lumMod val="25000"/>
+                  </a:schemeClr>
+                </a:solidFill>
+                <a:latin typeface="Arial" panose="020B0604020202020204" pitchFamily="34" charset="0"/>
+                <a:cs typeface="Arial" panose="020B0604020202020204" pitchFamily="34" charset="0"/>
+              </a:rPr>
+              <a:t>1 </a:t>
+            </a:r>
+            <a:r>
+              <a:rPr lang="en-US" sz="700" b="1" dirty="0">
+                <a:solidFill>
+                  <a:schemeClr val="bg2">
+                    <a:lumMod val="25000"/>
+                  </a:schemeClr>
+                </a:solidFill>
+                <a:latin typeface="Arial" panose="020B0604020202020204" pitchFamily="34" charset="0"/>
+                <a:cs typeface="Arial" panose="020B0604020202020204" pitchFamily="34" charset="0"/>
+              </a:rPr>
+              <a:t>/ s</a:t>
+            </a:r>
+            <a:r>
+              <a:rPr lang="en-US" sz="700" b="1" baseline="30000" dirty="0">
+                <a:solidFill>
+                  <a:schemeClr val="bg2">
+                    <a:lumMod val="25000"/>
+                  </a:schemeClr>
+                </a:solidFill>
+                <a:latin typeface="Arial" panose="020B0604020202020204" pitchFamily="34" charset="0"/>
+                <a:cs typeface="Arial" panose="020B0604020202020204" pitchFamily="34" charset="0"/>
+              </a:rPr>
+              <a:t>-1</a:t>
+            </a:r>
+            <a:r>
+              <a:rPr lang="en-US" sz="700" b="1" dirty="0">
+                <a:solidFill>
+                  <a:schemeClr val="bg2">
+                    <a:lumMod val="25000"/>
+                  </a:schemeClr>
+                </a:solidFill>
+                <a:latin typeface="Arial" panose="020B0604020202020204" pitchFamily="34" charset="0"/>
+                <a:cs typeface="Arial" panose="020B0604020202020204" pitchFamily="34" charset="0"/>
+              </a:rPr>
+              <a:t>)</a:t>
+            </a:r>
+          </a:p>
+        </p:txBody>
+      </p:sp>
+      <p:sp>
+        <p:nvSpPr>
+          <p:cNvPr id="45" name="TextBox 44">
+            <a:extLst>
+              <a:ext uri="{FF2B5EF4-FFF2-40B4-BE49-F238E27FC236}">
+                <a16:creationId xmlns:a16="http://schemas.microsoft.com/office/drawing/2014/main" id="{0E0E14FD-F78E-4D9D-AD25-090AF08AED73}"/>
+              </a:ext>
+            </a:extLst>
+          </p:cNvPr>
+          <p:cNvSpPr txBox="1"/>
+          <p:nvPr/>
+        </p:nvSpPr>
+        <p:spPr>
+          <a:xfrm rot="16200000">
+            <a:off x="3117304" y="3267499"/>
+            <a:ext cx="924557" cy="200055"/>
+          </a:xfrm>
+          <a:prstGeom prst="rect">
+            <a:avLst/>
+          </a:prstGeom>
+          <a:noFill/>
+          <a:ln>
+            <a:noFill/>
+          </a:ln>
+        </p:spPr>
+        <p:style>
+          <a:lnRef idx="2">
+            <a:schemeClr val="dk1"/>
+          </a:lnRef>
+          <a:fillRef idx="1">
+            <a:schemeClr val="lt1"/>
+          </a:fillRef>
+          <a:effectRef idx="0">
+            <a:schemeClr val="dk1"/>
+          </a:effectRef>
+          <a:fontRef idx="minor">
+            <a:schemeClr val="dk1"/>
+          </a:fontRef>
+        </p:style>
+        <p:txBody>
+          <a:bodyPr wrap="square" rtlCol="0">
+            <a:spAutoFit/>
+          </a:bodyPr>
+          <a:lstStyle/>
+          <a:p>
+            <a:r>
+              <a:rPr lang="en-US" sz="700" b="1" dirty="0">
+                <a:solidFill>
+                  <a:schemeClr val="bg2">
+                    <a:lumMod val="25000"/>
+                  </a:schemeClr>
+                </a:solidFill>
+                <a:latin typeface="Arial" panose="020B0604020202020204" pitchFamily="34" charset="0"/>
+                <a:cs typeface="Arial" panose="020B0604020202020204" pitchFamily="34" charset="0"/>
+              </a:rPr>
+              <a:t>log</a:t>
+            </a:r>
+            <a:r>
+              <a:rPr lang="en-US" sz="700" b="1" baseline="-25000" dirty="0">
+                <a:solidFill>
+                  <a:schemeClr val="bg2">
+                    <a:lumMod val="25000"/>
+                  </a:schemeClr>
+                </a:solidFill>
+                <a:latin typeface="Arial" panose="020B0604020202020204" pitchFamily="34" charset="0"/>
+                <a:cs typeface="Arial" panose="020B0604020202020204" pitchFamily="34" charset="0"/>
+              </a:rPr>
+              <a:t>10</a:t>
+            </a:r>
+            <a:r>
+              <a:rPr lang="en-US" sz="700" b="1" dirty="0">
+                <a:solidFill>
+                  <a:schemeClr val="bg2">
+                    <a:lumMod val="25000"/>
+                  </a:schemeClr>
+                </a:solidFill>
+                <a:latin typeface="Arial" panose="020B0604020202020204" pitchFamily="34" charset="0"/>
+                <a:cs typeface="Arial" panose="020B0604020202020204" pitchFamily="34" charset="0"/>
+              </a:rPr>
+              <a:t>(A</a:t>
+            </a:r>
+            <a:r>
+              <a:rPr lang="en-US" sz="700" b="1" baseline="-25000" dirty="0">
+                <a:solidFill>
+                  <a:schemeClr val="bg2">
+                    <a:lumMod val="25000"/>
+                  </a:schemeClr>
+                </a:solidFill>
+                <a:latin typeface="Arial" panose="020B0604020202020204" pitchFamily="34" charset="0"/>
+                <a:cs typeface="Arial" panose="020B0604020202020204" pitchFamily="34" charset="0"/>
+              </a:rPr>
+              <a:t>1 </a:t>
+            </a:r>
+            <a:r>
+              <a:rPr lang="en-US" sz="700" b="1" dirty="0">
+                <a:solidFill>
+                  <a:schemeClr val="bg2">
+                    <a:lumMod val="25000"/>
+                  </a:schemeClr>
+                </a:solidFill>
+                <a:latin typeface="Arial" panose="020B0604020202020204" pitchFamily="34" charset="0"/>
+                <a:cs typeface="Arial" panose="020B0604020202020204" pitchFamily="34" charset="0"/>
+              </a:rPr>
+              <a:t>/ s</a:t>
+            </a:r>
+            <a:r>
+              <a:rPr lang="en-US" sz="700" b="1" baseline="30000" dirty="0">
+                <a:solidFill>
+                  <a:schemeClr val="bg2">
+                    <a:lumMod val="25000"/>
+                  </a:schemeClr>
+                </a:solidFill>
+                <a:latin typeface="Arial" panose="020B0604020202020204" pitchFamily="34" charset="0"/>
+                <a:cs typeface="Arial" panose="020B0604020202020204" pitchFamily="34" charset="0"/>
+              </a:rPr>
+              <a:t>-1</a:t>
+            </a:r>
+            <a:r>
+              <a:rPr lang="en-US" sz="700" b="1" dirty="0">
+                <a:solidFill>
+                  <a:schemeClr val="bg2">
+                    <a:lumMod val="25000"/>
+                  </a:schemeClr>
+                </a:solidFill>
+                <a:latin typeface="Arial" panose="020B0604020202020204" pitchFamily="34" charset="0"/>
+                <a:cs typeface="Arial" panose="020B0604020202020204" pitchFamily="34" charset="0"/>
+              </a:rPr>
+              <a:t>)</a:t>
+            </a:r>
+          </a:p>
+        </p:txBody>
+      </p:sp>
+      <p:sp>
+        <p:nvSpPr>
+          <p:cNvPr id="46" name="TextBox 45">
+            <a:extLst>
+              <a:ext uri="{FF2B5EF4-FFF2-40B4-BE49-F238E27FC236}">
+                <a16:creationId xmlns:a16="http://schemas.microsoft.com/office/drawing/2014/main" id="{066001F1-CC80-4AB3-90A0-EC957F90DD46}"/>
+              </a:ext>
+            </a:extLst>
+          </p:cNvPr>
+          <p:cNvSpPr txBox="1"/>
+          <p:nvPr/>
+        </p:nvSpPr>
+        <p:spPr>
+          <a:xfrm rot="16200000">
+            <a:off x="4609480" y="3279567"/>
+            <a:ext cx="924557" cy="200055"/>
+          </a:xfrm>
+          <a:prstGeom prst="rect">
+            <a:avLst/>
+          </a:prstGeom>
+          <a:noFill/>
+          <a:ln>
+            <a:noFill/>
+          </a:ln>
+        </p:spPr>
+        <p:style>
+          <a:lnRef idx="2">
+            <a:schemeClr val="dk1"/>
+          </a:lnRef>
+          <a:fillRef idx="1">
+            <a:schemeClr val="lt1"/>
+          </a:fillRef>
+          <a:effectRef idx="0">
+            <a:schemeClr val="dk1"/>
+          </a:effectRef>
+          <a:fontRef idx="minor">
+            <a:schemeClr val="dk1"/>
+          </a:fontRef>
+        </p:style>
+        <p:txBody>
+          <a:bodyPr wrap="square" rtlCol="0">
+            <a:spAutoFit/>
+          </a:bodyPr>
+          <a:lstStyle/>
+          <a:p>
+            <a:r>
+              <a:rPr lang="en-US" sz="700" b="1" dirty="0">
+                <a:solidFill>
+                  <a:schemeClr val="bg2">
+                    <a:lumMod val="25000"/>
+                  </a:schemeClr>
+                </a:solidFill>
+                <a:latin typeface="Arial" panose="020B0604020202020204" pitchFamily="34" charset="0"/>
+                <a:cs typeface="Arial" panose="020B0604020202020204" pitchFamily="34" charset="0"/>
+              </a:rPr>
+              <a:t>log</a:t>
+            </a:r>
+            <a:r>
+              <a:rPr lang="en-US" sz="700" b="1" baseline="-25000" dirty="0">
+                <a:solidFill>
+                  <a:schemeClr val="bg2">
+                    <a:lumMod val="25000"/>
+                  </a:schemeClr>
+                </a:solidFill>
+                <a:latin typeface="Arial" panose="020B0604020202020204" pitchFamily="34" charset="0"/>
+                <a:cs typeface="Arial" panose="020B0604020202020204" pitchFamily="34" charset="0"/>
+              </a:rPr>
+              <a:t>10</a:t>
+            </a:r>
+            <a:r>
+              <a:rPr lang="en-US" sz="700" b="1" dirty="0">
+                <a:solidFill>
+                  <a:schemeClr val="bg2">
+                    <a:lumMod val="25000"/>
+                  </a:schemeClr>
+                </a:solidFill>
+                <a:latin typeface="Arial" panose="020B0604020202020204" pitchFamily="34" charset="0"/>
+                <a:cs typeface="Arial" panose="020B0604020202020204" pitchFamily="34" charset="0"/>
+              </a:rPr>
+              <a:t>(A</a:t>
+            </a:r>
+            <a:r>
+              <a:rPr lang="en-US" sz="700" b="1" baseline="-25000" dirty="0">
+                <a:solidFill>
+                  <a:schemeClr val="bg2">
+                    <a:lumMod val="25000"/>
+                  </a:schemeClr>
+                </a:solidFill>
+                <a:latin typeface="Arial" panose="020B0604020202020204" pitchFamily="34" charset="0"/>
+                <a:cs typeface="Arial" panose="020B0604020202020204" pitchFamily="34" charset="0"/>
+              </a:rPr>
+              <a:t>1 </a:t>
+            </a:r>
+            <a:r>
+              <a:rPr lang="en-US" sz="700" b="1" dirty="0">
+                <a:solidFill>
+                  <a:schemeClr val="bg2">
+                    <a:lumMod val="25000"/>
+                  </a:schemeClr>
+                </a:solidFill>
+                <a:latin typeface="Arial" panose="020B0604020202020204" pitchFamily="34" charset="0"/>
+                <a:cs typeface="Arial" panose="020B0604020202020204" pitchFamily="34" charset="0"/>
+              </a:rPr>
+              <a:t>/ s</a:t>
+            </a:r>
+            <a:r>
+              <a:rPr lang="en-US" sz="700" b="1" baseline="30000" dirty="0">
+                <a:solidFill>
+                  <a:schemeClr val="bg2">
+                    <a:lumMod val="25000"/>
+                  </a:schemeClr>
+                </a:solidFill>
+                <a:latin typeface="Arial" panose="020B0604020202020204" pitchFamily="34" charset="0"/>
+                <a:cs typeface="Arial" panose="020B0604020202020204" pitchFamily="34" charset="0"/>
+              </a:rPr>
+              <a:t>-1</a:t>
+            </a:r>
+            <a:r>
+              <a:rPr lang="en-US" sz="700" b="1" dirty="0">
+                <a:solidFill>
+                  <a:schemeClr val="bg2">
+                    <a:lumMod val="25000"/>
+                  </a:schemeClr>
+                </a:solidFill>
+                <a:latin typeface="Arial" panose="020B0604020202020204" pitchFamily="34" charset="0"/>
+                <a:cs typeface="Arial" panose="020B0604020202020204" pitchFamily="34" charset="0"/>
+              </a:rPr>
+              <a:t>)</a:t>
+            </a:r>
+          </a:p>
+        </p:txBody>
+      </p:sp>
+      <p:pic>
+        <p:nvPicPr>
+          <p:cNvPr id="8" name="Picture 7">
+            <a:extLst>
+              <a:ext uri="{FF2B5EF4-FFF2-40B4-BE49-F238E27FC236}">
+                <a16:creationId xmlns:a16="http://schemas.microsoft.com/office/drawing/2014/main" id="{F230EA6B-12AA-4D6C-81B7-C95174A883C7}"/>
+              </a:ext>
+            </a:extLst>
+          </p:cNvPr>
+          <p:cNvPicPr>
+            <a:picLocks noChangeAspect="1"/>
+          </p:cNvPicPr>
+          <p:nvPr/>
+        </p:nvPicPr>
+        <p:blipFill>
+          <a:blip r:embed="rId10"/>
+          <a:stretch>
+            <a:fillRect/>
+          </a:stretch>
+        </p:blipFill>
+        <p:spPr>
+          <a:xfrm>
+            <a:off x="7725536" y="1520398"/>
+            <a:ext cx="2938527" cy="2834886"/>
+          </a:xfrm>
+          <a:prstGeom prst="rect">
+            <a:avLst/>
+          </a:prstGeom>
+        </p:spPr>
+      </p:pic>
+    </p:spTree>
+    <p:extLst>
+      <p:ext uri="{BB962C8B-B14F-4D97-AF65-F5344CB8AC3E}">
+        <p14:creationId xmlns:p14="http://schemas.microsoft.com/office/powerpoint/2010/main" val="149052092"/>
+      </p:ext>
+    </p:extLst>
+  </p:cSld>
+  <p:clrMapOvr>
+    <a:masterClrMapping/>
+  </p:clrMapOvr>
+</p:sld>
+</file>
+
+<file path=ppt/slides/slide4.xml><?xml version="1.0" encoding="utf-8"?>
+<p:sld xmlns:a="http://schemas.openxmlformats.org/drawingml/2006/main" xmlns:r="http://schemas.openxmlformats.org/officeDocument/2006/relationships" xmlns:p="http://schemas.openxmlformats.org/presentationml/2006/main">
+  <p:cSld>
+    <p:spTree>
+      <p:nvGrpSpPr>
+        <p:cNvPr id="1" name=""/>
+        <p:cNvGrpSpPr/>
+        <p:nvPr/>
+      </p:nvGrpSpPr>
+      <p:grpSpPr>
+        <a:xfrm>
+          <a:off x="0" y="0"/>
+          <a:ext cx="0" cy="0"/>
+          <a:chOff x="0" y="0"/>
+          <a:chExt cx="0" cy="0"/>
+        </a:xfrm>
+      </p:grpSpPr>
+      <p:pic>
+        <p:nvPicPr>
+          <p:cNvPr id="12" name="Picture 11">
+            <a:extLst>
+              <a:ext uri="{FF2B5EF4-FFF2-40B4-BE49-F238E27FC236}">
+                <a16:creationId xmlns:a16="http://schemas.microsoft.com/office/drawing/2014/main" id="{DEAE52D6-AB00-4146-AE8C-C68305E1895D}"/>
+              </a:ext>
+            </a:extLst>
+          </p:cNvPr>
+          <p:cNvPicPr>
+            <a:picLocks noChangeAspect="1"/>
+          </p:cNvPicPr>
+          <p:nvPr/>
+        </p:nvPicPr>
+        <p:blipFill>
+          <a:blip r:embed="rId2">
+            <a:extLst>
+              <a:ext uri="{BEBA8EAE-BF5A-486C-A8C5-ECC9F3942E4B}">
+                <a14:imgProps xmlns:a14="http://schemas.microsoft.com/office/drawing/2010/main">
+                  <a14:imgLayer r:embed="rId3">
+                    <a14:imgEffect>
+                      <a14:saturation sat="65000"/>
+                    </a14:imgEffect>
+                  </a14:imgLayer>
+                </a14:imgProps>
+              </a:ext>
+            </a:extLst>
+          </a:blip>
+          <a:stretch>
+            <a:fillRect/>
+          </a:stretch>
+        </p:blipFill>
+        <p:spPr>
+          <a:xfrm>
+            <a:off x="5017452" y="2883851"/>
+            <a:ext cx="1395730" cy="1395730"/>
+          </a:xfrm>
+          <a:prstGeom prst="rect">
+            <a:avLst/>
+          </a:prstGeom>
+        </p:spPr>
+      </p:pic>
+      <p:pic>
+        <p:nvPicPr>
+          <p:cNvPr id="5" name="Picture 4">
+            <a:extLst>
+              <a:ext uri="{FF2B5EF4-FFF2-40B4-BE49-F238E27FC236}">
+                <a16:creationId xmlns:a16="http://schemas.microsoft.com/office/drawing/2014/main" id="{6CCCF082-2237-4A01-9B08-F1B6A7A08D95}"/>
+              </a:ext>
+            </a:extLst>
+          </p:cNvPr>
+          <p:cNvPicPr/>
+          <p:nvPr/>
+        </p:nvPicPr>
+        <p:blipFill>
+          <a:blip r:embed="rId4">
+            <a:extLst>
+              <a:ext uri="{BEBA8EAE-BF5A-486C-A8C5-ECC9F3942E4B}">
+                <a14:imgProps xmlns:a14="http://schemas.microsoft.com/office/drawing/2010/main">
+                  <a14:imgLayer r:embed="rId5">
+                    <a14:imgEffect>
+                      <a14:saturation sat="65000"/>
+                    </a14:imgEffect>
+                  </a14:imgLayer>
+                </a14:imgProps>
+              </a:ext>
+            </a:extLst>
+          </a:blip>
+          <a:stretch>
+            <a:fillRect/>
+          </a:stretch>
+        </p:blipFill>
+        <p:spPr>
+          <a:xfrm>
+            <a:off x="3522027" y="2883852"/>
+            <a:ext cx="1395095" cy="1395095"/>
+          </a:xfrm>
+          <a:prstGeom prst="rect">
+            <a:avLst/>
+          </a:prstGeom>
+        </p:spPr>
+      </p:pic>
+      <p:cxnSp>
+        <p:nvCxnSpPr>
+          <p:cNvPr id="11" name="Straight Connector 10">
+            <a:extLst>
+              <a:ext uri="{FF2B5EF4-FFF2-40B4-BE49-F238E27FC236}">
+                <a16:creationId xmlns:a16="http://schemas.microsoft.com/office/drawing/2014/main" id="{4D76FB89-3358-4EAD-9A38-8296BA1F9B1E}"/>
+              </a:ext>
+            </a:extLst>
+          </p:cNvPr>
+          <p:cNvCxnSpPr/>
+          <p:nvPr/>
+        </p:nvCxnSpPr>
+        <p:spPr>
+          <a:xfrm>
+            <a:off x="5301615" y="3754753"/>
             <a:ext cx="1021080" cy="0"/>
           </a:xfrm>
           <a:prstGeom prst="line">
@@ -4099,21 +7634,1751 @@
           <a:p>
             <a:r>
               <a:rPr lang="en-US" dirty="0"/>
-              <a:t>CPE &amp; BPE with Model A &amp; 0.0025</a:t>
+              <a:t>CPE &amp; BPE with Model C &amp; 0.0050</a:t>
             </a:r>
           </a:p>
           <a:p>
             <a:r>
               <a:rPr lang="en-US" dirty="0"/>
-              <a:t>Aka Example 19</a:t>
+              <a:t>Aka Example 21</a:t>
             </a:r>
           </a:p>
         </p:txBody>
       </p:sp>
+      <p:sp>
+        <p:nvSpPr>
+          <p:cNvPr id="18" name="Rectangle 17">
+            <a:extLst>
+              <a:ext uri="{FF2B5EF4-FFF2-40B4-BE49-F238E27FC236}">
+                <a16:creationId xmlns:a16="http://schemas.microsoft.com/office/drawing/2014/main" id="{C0DCEAAC-11CD-4FD6-A757-71A7AFE90551}"/>
+              </a:ext>
+            </a:extLst>
+          </p:cNvPr>
+          <p:cNvSpPr/>
+          <p:nvPr/>
+        </p:nvSpPr>
+        <p:spPr>
+          <a:xfrm>
+            <a:off x="3853815" y="4157213"/>
+            <a:ext cx="924557" cy="124560"/>
+          </a:xfrm>
+          <a:prstGeom prst="rect">
+            <a:avLst/>
+          </a:prstGeom>
+          <a:solidFill>
+            <a:schemeClr val="bg1"/>
+          </a:solidFill>
+          <a:ln>
+            <a:noFill/>
+          </a:ln>
+        </p:spPr>
+        <p:style>
+          <a:lnRef idx="2">
+            <a:schemeClr val="accent1">
+              <a:shade val="50000"/>
+            </a:schemeClr>
+          </a:lnRef>
+          <a:fillRef idx="1">
+            <a:schemeClr val="accent1"/>
+          </a:fillRef>
+          <a:effectRef idx="0">
+            <a:schemeClr val="accent1"/>
+          </a:effectRef>
+          <a:fontRef idx="minor">
+            <a:schemeClr val="lt1"/>
+          </a:fontRef>
+        </p:style>
+        <p:txBody>
+          <a:bodyPr rtlCol="0" anchor="ctr"/>
+          <a:lstStyle/>
+          <a:p>
+            <a:pPr algn="ctr"/>
+            <a:endParaRPr lang="en-US"/>
+          </a:p>
+        </p:txBody>
+      </p:sp>
+      <p:sp>
+        <p:nvSpPr>
+          <p:cNvPr id="19" name="Rectangle 18">
+            <a:extLst>
+              <a:ext uri="{FF2B5EF4-FFF2-40B4-BE49-F238E27FC236}">
+                <a16:creationId xmlns:a16="http://schemas.microsoft.com/office/drawing/2014/main" id="{208FFF18-F679-49B4-9585-FBAC59B92AFE}"/>
+              </a:ext>
+            </a:extLst>
+          </p:cNvPr>
+          <p:cNvSpPr/>
+          <p:nvPr/>
+        </p:nvSpPr>
+        <p:spPr>
+          <a:xfrm>
+            <a:off x="5374910" y="4149431"/>
+            <a:ext cx="924557" cy="124560"/>
+          </a:xfrm>
+          <a:prstGeom prst="rect">
+            <a:avLst/>
+          </a:prstGeom>
+          <a:solidFill>
+            <a:schemeClr val="bg1"/>
+          </a:solidFill>
+          <a:ln>
+            <a:noFill/>
+          </a:ln>
+        </p:spPr>
+        <p:style>
+          <a:lnRef idx="2">
+            <a:schemeClr val="accent1">
+              <a:shade val="50000"/>
+            </a:schemeClr>
+          </a:lnRef>
+          <a:fillRef idx="1">
+            <a:schemeClr val="accent1"/>
+          </a:fillRef>
+          <a:effectRef idx="0">
+            <a:schemeClr val="accent1"/>
+          </a:effectRef>
+          <a:fontRef idx="minor">
+            <a:schemeClr val="lt1"/>
+          </a:fontRef>
+        </p:style>
+        <p:txBody>
+          <a:bodyPr rtlCol="0" anchor="ctr"/>
+          <a:lstStyle/>
+          <a:p>
+            <a:pPr algn="ctr"/>
+            <a:endParaRPr lang="en-US"/>
+          </a:p>
+        </p:txBody>
+      </p:sp>
+      <p:sp>
+        <p:nvSpPr>
+          <p:cNvPr id="26" name="TextBox 25">
+            <a:extLst>
+              <a:ext uri="{FF2B5EF4-FFF2-40B4-BE49-F238E27FC236}">
+                <a16:creationId xmlns:a16="http://schemas.microsoft.com/office/drawing/2014/main" id="{CB8011C0-A6B5-4A2E-8535-A6289D1D4E56}"/>
+              </a:ext>
+            </a:extLst>
+          </p:cNvPr>
+          <p:cNvSpPr txBox="1"/>
+          <p:nvPr/>
+        </p:nvSpPr>
+        <p:spPr>
+          <a:xfrm>
+            <a:off x="3954145" y="4107839"/>
+            <a:ext cx="924557" cy="200055"/>
+          </a:xfrm>
+          <a:prstGeom prst="rect">
+            <a:avLst/>
+          </a:prstGeom>
+          <a:noFill/>
+          <a:ln>
+            <a:noFill/>
+          </a:ln>
+        </p:spPr>
+        <p:style>
+          <a:lnRef idx="2">
+            <a:schemeClr val="dk1"/>
+          </a:lnRef>
+          <a:fillRef idx="1">
+            <a:schemeClr val="lt1"/>
+          </a:fillRef>
+          <a:effectRef idx="0">
+            <a:schemeClr val="dk1"/>
+          </a:effectRef>
+          <a:fontRef idx="minor">
+            <a:schemeClr val="dk1"/>
+          </a:fontRef>
+        </p:style>
+        <p:txBody>
+          <a:bodyPr wrap="square" rtlCol="0">
+            <a:spAutoFit/>
+          </a:bodyPr>
+          <a:lstStyle/>
+          <a:p>
+            <a:r>
+              <a:rPr lang="en-US" sz="700" b="1" dirty="0">
+                <a:solidFill>
+                  <a:schemeClr val="bg2">
+                    <a:lumMod val="25000"/>
+                  </a:schemeClr>
+                </a:solidFill>
+                <a:latin typeface="Arial" panose="020B0604020202020204" pitchFamily="34" charset="0"/>
+                <a:cs typeface="Arial" panose="020B0604020202020204" pitchFamily="34" charset="0"/>
+              </a:rPr>
+              <a:t>E</a:t>
+            </a:r>
+            <a:r>
+              <a:rPr lang="en-US" sz="700" b="1" baseline="-25000" dirty="0">
+                <a:solidFill>
+                  <a:schemeClr val="bg2">
+                    <a:lumMod val="25000"/>
+                  </a:schemeClr>
+                </a:solidFill>
+                <a:latin typeface="Arial" panose="020B0604020202020204" pitchFamily="34" charset="0"/>
+                <a:cs typeface="Arial" panose="020B0604020202020204" pitchFamily="34" charset="0"/>
+              </a:rPr>
+              <a:t>A1 </a:t>
+            </a:r>
+            <a:r>
+              <a:rPr lang="en-US" sz="700" b="1" dirty="0">
+                <a:solidFill>
+                  <a:schemeClr val="bg2">
+                    <a:lumMod val="25000"/>
+                  </a:schemeClr>
+                </a:solidFill>
+                <a:latin typeface="Arial" panose="020B0604020202020204" pitchFamily="34" charset="0"/>
+                <a:cs typeface="Arial" panose="020B0604020202020204" pitchFamily="34" charset="0"/>
+              </a:rPr>
+              <a:t>(kJ mol</a:t>
+            </a:r>
+            <a:r>
+              <a:rPr lang="en-US" sz="700" b="1" baseline="30000" dirty="0">
+                <a:solidFill>
+                  <a:schemeClr val="bg2">
+                    <a:lumMod val="25000"/>
+                  </a:schemeClr>
+                </a:solidFill>
+                <a:latin typeface="Arial" panose="020B0604020202020204" pitchFamily="34" charset="0"/>
+                <a:cs typeface="Arial" panose="020B0604020202020204" pitchFamily="34" charset="0"/>
+              </a:rPr>
+              <a:t>-1</a:t>
+            </a:r>
+            <a:r>
+              <a:rPr lang="en-US" sz="700" b="1" dirty="0">
+                <a:solidFill>
+                  <a:schemeClr val="bg2">
+                    <a:lumMod val="25000"/>
+                  </a:schemeClr>
+                </a:solidFill>
+                <a:latin typeface="Arial" panose="020B0604020202020204" pitchFamily="34" charset="0"/>
+                <a:cs typeface="Arial" panose="020B0604020202020204" pitchFamily="34" charset="0"/>
+              </a:rPr>
+              <a:t>)</a:t>
+            </a:r>
+          </a:p>
+        </p:txBody>
+      </p:sp>
+      <p:sp>
+        <p:nvSpPr>
+          <p:cNvPr id="27" name="TextBox 26">
+            <a:extLst>
+              <a:ext uri="{FF2B5EF4-FFF2-40B4-BE49-F238E27FC236}">
+                <a16:creationId xmlns:a16="http://schemas.microsoft.com/office/drawing/2014/main" id="{B0ADF77C-DEFD-48BB-90E5-9A67E0E5E22B}"/>
+              </a:ext>
+            </a:extLst>
+          </p:cNvPr>
+          <p:cNvSpPr txBox="1"/>
+          <p:nvPr/>
+        </p:nvSpPr>
+        <p:spPr>
+          <a:xfrm>
+            <a:off x="5452109" y="4104364"/>
+            <a:ext cx="924557" cy="200055"/>
+          </a:xfrm>
+          <a:prstGeom prst="rect">
+            <a:avLst/>
+          </a:prstGeom>
+          <a:noFill/>
+          <a:ln>
+            <a:noFill/>
+          </a:ln>
+        </p:spPr>
+        <p:style>
+          <a:lnRef idx="2">
+            <a:schemeClr val="dk1"/>
+          </a:lnRef>
+          <a:fillRef idx="1">
+            <a:schemeClr val="lt1"/>
+          </a:fillRef>
+          <a:effectRef idx="0">
+            <a:schemeClr val="dk1"/>
+          </a:effectRef>
+          <a:fontRef idx="minor">
+            <a:schemeClr val="dk1"/>
+          </a:fontRef>
+        </p:style>
+        <p:txBody>
+          <a:bodyPr wrap="square" rtlCol="0">
+            <a:spAutoFit/>
+          </a:bodyPr>
+          <a:lstStyle/>
+          <a:p>
+            <a:r>
+              <a:rPr lang="en-US" sz="700" b="1" dirty="0">
+                <a:solidFill>
+                  <a:schemeClr val="bg2">
+                    <a:lumMod val="25000"/>
+                  </a:schemeClr>
+                </a:solidFill>
+                <a:latin typeface="Arial" panose="020B0604020202020204" pitchFamily="34" charset="0"/>
+                <a:cs typeface="Arial" panose="020B0604020202020204" pitchFamily="34" charset="0"/>
+              </a:rPr>
+              <a:t>E</a:t>
+            </a:r>
+            <a:r>
+              <a:rPr lang="en-US" sz="700" b="1" baseline="-25000" dirty="0">
+                <a:solidFill>
+                  <a:schemeClr val="bg2">
+                    <a:lumMod val="25000"/>
+                  </a:schemeClr>
+                </a:solidFill>
+                <a:latin typeface="Arial" panose="020B0604020202020204" pitchFamily="34" charset="0"/>
+                <a:cs typeface="Arial" panose="020B0604020202020204" pitchFamily="34" charset="0"/>
+              </a:rPr>
+              <a:t>A1 </a:t>
+            </a:r>
+            <a:r>
+              <a:rPr lang="en-US" sz="700" b="1" dirty="0">
+                <a:solidFill>
+                  <a:schemeClr val="bg2">
+                    <a:lumMod val="25000"/>
+                  </a:schemeClr>
+                </a:solidFill>
+                <a:latin typeface="Arial" panose="020B0604020202020204" pitchFamily="34" charset="0"/>
+                <a:cs typeface="Arial" panose="020B0604020202020204" pitchFamily="34" charset="0"/>
+              </a:rPr>
+              <a:t>(kJ mol</a:t>
+            </a:r>
+            <a:r>
+              <a:rPr lang="en-US" sz="700" b="1" baseline="30000" dirty="0">
+                <a:solidFill>
+                  <a:schemeClr val="bg2">
+                    <a:lumMod val="25000"/>
+                  </a:schemeClr>
+                </a:solidFill>
+                <a:latin typeface="Arial" panose="020B0604020202020204" pitchFamily="34" charset="0"/>
+                <a:cs typeface="Arial" panose="020B0604020202020204" pitchFamily="34" charset="0"/>
+              </a:rPr>
+              <a:t>-1</a:t>
+            </a:r>
+            <a:r>
+              <a:rPr lang="en-US" sz="700" b="1" dirty="0">
+                <a:solidFill>
+                  <a:schemeClr val="bg2">
+                    <a:lumMod val="25000"/>
+                  </a:schemeClr>
+                </a:solidFill>
+                <a:latin typeface="Arial" panose="020B0604020202020204" pitchFamily="34" charset="0"/>
+                <a:cs typeface="Arial" panose="020B0604020202020204" pitchFamily="34" charset="0"/>
+              </a:rPr>
+              <a:t>)</a:t>
+            </a:r>
+          </a:p>
+        </p:txBody>
+      </p:sp>
+      <p:sp>
+        <p:nvSpPr>
+          <p:cNvPr id="30" name="Rectangle 29">
+            <a:extLst>
+              <a:ext uri="{FF2B5EF4-FFF2-40B4-BE49-F238E27FC236}">
+                <a16:creationId xmlns:a16="http://schemas.microsoft.com/office/drawing/2014/main" id="{283B5EE9-5882-4476-9746-7C0FD9C01117}"/>
+              </a:ext>
+            </a:extLst>
+          </p:cNvPr>
+          <p:cNvSpPr/>
+          <p:nvPr/>
+        </p:nvSpPr>
+        <p:spPr>
+          <a:xfrm rot="16200000">
+            <a:off x="3138611" y="3458053"/>
+            <a:ext cx="924557" cy="124560"/>
+          </a:xfrm>
+          <a:prstGeom prst="rect">
+            <a:avLst/>
+          </a:prstGeom>
+          <a:solidFill>
+            <a:schemeClr val="bg1"/>
+          </a:solidFill>
+          <a:ln>
+            <a:noFill/>
+          </a:ln>
+        </p:spPr>
+        <p:style>
+          <a:lnRef idx="2">
+            <a:schemeClr val="accent1">
+              <a:shade val="50000"/>
+            </a:schemeClr>
+          </a:lnRef>
+          <a:fillRef idx="1">
+            <a:schemeClr val="accent1"/>
+          </a:fillRef>
+          <a:effectRef idx="0">
+            <a:schemeClr val="accent1"/>
+          </a:effectRef>
+          <a:fontRef idx="minor">
+            <a:schemeClr val="lt1"/>
+          </a:fontRef>
+        </p:style>
+        <p:txBody>
+          <a:bodyPr rtlCol="0" anchor="ctr"/>
+          <a:lstStyle/>
+          <a:p>
+            <a:pPr algn="ctr"/>
+            <a:endParaRPr lang="en-US"/>
+          </a:p>
+        </p:txBody>
+      </p:sp>
+      <p:sp>
+        <p:nvSpPr>
+          <p:cNvPr id="32" name="Rectangle 31">
+            <a:extLst>
+              <a:ext uri="{FF2B5EF4-FFF2-40B4-BE49-F238E27FC236}">
+                <a16:creationId xmlns:a16="http://schemas.microsoft.com/office/drawing/2014/main" id="{250BA8FC-6C95-4A0D-95D3-AFA5425E715E}"/>
+              </a:ext>
+            </a:extLst>
+          </p:cNvPr>
+          <p:cNvSpPr/>
+          <p:nvPr/>
+        </p:nvSpPr>
+        <p:spPr>
+          <a:xfrm rot="16200000">
+            <a:off x="4625783" y="3468168"/>
+            <a:ext cx="924557" cy="124560"/>
+          </a:xfrm>
+          <a:prstGeom prst="rect">
+            <a:avLst/>
+          </a:prstGeom>
+          <a:solidFill>
+            <a:schemeClr val="bg1"/>
+          </a:solidFill>
+          <a:ln>
+            <a:noFill/>
+          </a:ln>
+        </p:spPr>
+        <p:style>
+          <a:lnRef idx="2">
+            <a:schemeClr val="accent1">
+              <a:shade val="50000"/>
+            </a:schemeClr>
+          </a:lnRef>
+          <a:fillRef idx="1">
+            <a:schemeClr val="accent1"/>
+          </a:fillRef>
+          <a:effectRef idx="0">
+            <a:schemeClr val="accent1"/>
+          </a:effectRef>
+          <a:fontRef idx="minor">
+            <a:schemeClr val="lt1"/>
+          </a:fontRef>
+        </p:style>
+        <p:txBody>
+          <a:bodyPr rtlCol="0" anchor="ctr"/>
+          <a:lstStyle/>
+          <a:p>
+            <a:pPr algn="ctr"/>
+            <a:endParaRPr lang="en-US"/>
+          </a:p>
+        </p:txBody>
+      </p:sp>
+      <p:grpSp>
+        <p:nvGrpSpPr>
+          <p:cNvPr id="73" name="Group 72">
+            <a:extLst>
+              <a:ext uri="{FF2B5EF4-FFF2-40B4-BE49-F238E27FC236}">
+                <a16:creationId xmlns:a16="http://schemas.microsoft.com/office/drawing/2014/main" id="{6F2E6AB5-879F-4DCF-9EA6-27E3B30D6138}"/>
+              </a:ext>
+            </a:extLst>
+          </p:cNvPr>
+          <p:cNvGrpSpPr/>
+          <p:nvPr/>
+        </p:nvGrpSpPr>
+        <p:grpSpPr>
+          <a:xfrm>
+            <a:off x="3479555" y="1484819"/>
+            <a:ext cx="2933627" cy="1419506"/>
+            <a:chOff x="3479555" y="1484819"/>
+            <a:chExt cx="2933627" cy="1419506"/>
+          </a:xfrm>
+        </p:grpSpPr>
+        <p:pic>
+          <p:nvPicPr>
+            <p:cNvPr id="8" name="Picture 7">
+              <a:extLst>
+                <a:ext uri="{FF2B5EF4-FFF2-40B4-BE49-F238E27FC236}">
+                  <a16:creationId xmlns:a16="http://schemas.microsoft.com/office/drawing/2014/main" id="{32109D2B-1045-4129-8A2B-983CAFE259CA}"/>
+                </a:ext>
+              </a:extLst>
+            </p:cNvPr>
+            <p:cNvPicPr>
+              <a:picLocks noChangeAspect="1"/>
+            </p:cNvPicPr>
+            <p:nvPr/>
+          </p:nvPicPr>
+          <p:blipFill>
+            <a:blip r:embed="rId6">
+              <a:extLst>
+                <a:ext uri="{BEBA8EAE-BF5A-486C-A8C5-ECC9F3942E4B}">
+                  <a14:imgProps xmlns:a14="http://schemas.microsoft.com/office/drawing/2010/main">
+                    <a14:imgLayer r:embed="rId7">
+                      <a14:imgEffect>
+                        <a14:saturation sat="65000"/>
+                      </a14:imgEffect>
+                    </a14:imgLayer>
+                  </a14:imgProps>
+                </a:ext>
+                <a:ext uri="{28A0092B-C50C-407E-A947-70E740481C1C}">
+                  <a14:useLocalDpi xmlns:a14="http://schemas.microsoft.com/office/drawing/2010/main" val="0"/>
+                </a:ext>
+              </a:extLst>
+            </a:blip>
+            <a:stretch>
+              <a:fillRect/>
+            </a:stretch>
+          </p:blipFill>
+          <p:spPr>
+            <a:xfrm>
+              <a:off x="3516916" y="1484819"/>
+              <a:ext cx="1399032" cy="1399032"/>
+            </a:xfrm>
+            <a:prstGeom prst="rect">
+              <a:avLst/>
+            </a:prstGeom>
+          </p:spPr>
+        </p:pic>
+        <p:pic>
+          <p:nvPicPr>
+            <p:cNvPr id="3" name="Picture 2">
+              <a:extLst>
+                <a:ext uri="{FF2B5EF4-FFF2-40B4-BE49-F238E27FC236}">
+                  <a16:creationId xmlns:a16="http://schemas.microsoft.com/office/drawing/2014/main" id="{ACF15FDC-06B8-4422-AC78-4B227F6E71EB}"/>
+                </a:ext>
+              </a:extLst>
+            </p:cNvPr>
+            <p:cNvPicPr>
+              <a:picLocks noChangeAspect="1"/>
+            </p:cNvPicPr>
+            <p:nvPr/>
+          </p:nvPicPr>
+          <p:blipFill>
+            <a:blip r:embed="rId8">
+              <a:extLst>
+                <a:ext uri="{BEBA8EAE-BF5A-486C-A8C5-ECC9F3942E4B}">
+                  <a14:imgProps xmlns:a14="http://schemas.microsoft.com/office/drawing/2010/main">
+                    <a14:imgLayer r:embed="rId9">
+                      <a14:imgEffect>
+                        <a14:saturation sat="65000"/>
+                      </a14:imgEffect>
+                    </a14:imgLayer>
+                  </a14:imgProps>
+                </a:ext>
+                <a:ext uri="{28A0092B-C50C-407E-A947-70E740481C1C}">
+                  <a14:useLocalDpi xmlns:a14="http://schemas.microsoft.com/office/drawing/2010/main" val="0"/>
+                </a:ext>
+              </a:extLst>
+            </a:blip>
+            <a:stretch>
+              <a:fillRect/>
+            </a:stretch>
+          </p:blipFill>
+          <p:spPr>
+            <a:xfrm>
+              <a:off x="5014150" y="1484819"/>
+              <a:ext cx="1399032" cy="1399032"/>
+            </a:xfrm>
+            <a:prstGeom prst="rect">
+              <a:avLst/>
+            </a:prstGeom>
+          </p:spPr>
+        </p:pic>
+        <p:cxnSp>
+          <p:nvCxnSpPr>
+            <p:cNvPr id="10" name="Straight Connector 9">
+              <a:extLst>
+                <a:ext uri="{FF2B5EF4-FFF2-40B4-BE49-F238E27FC236}">
+                  <a16:creationId xmlns:a16="http://schemas.microsoft.com/office/drawing/2014/main" id="{B356C5D8-34F2-4C1A-A4D2-342A728FA3D4}"/>
+                </a:ext>
+              </a:extLst>
+            </p:cNvPr>
+            <p:cNvCxnSpPr/>
+            <p:nvPr/>
+          </p:nvCxnSpPr>
+          <p:spPr>
+            <a:xfrm>
+              <a:off x="5301615" y="2405380"/>
+              <a:ext cx="1021080" cy="0"/>
+            </a:xfrm>
+            <a:prstGeom prst="line">
+              <a:avLst/>
+            </a:prstGeom>
+            <a:ln w="12700">
+              <a:solidFill>
+                <a:srgbClr val="FFC000">
+                  <a:alpha val="75000"/>
+                </a:srgbClr>
+              </a:solidFill>
+              <a:prstDash val="dash"/>
+            </a:ln>
+          </p:spPr>
+          <p:style>
+            <a:lnRef idx="1">
+              <a:schemeClr val="accent1"/>
+            </a:lnRef>
+            <a:fillRef idx="0">
+              <a:schemeClr val="accent1"/>
+            </a:fillRef>
+            <a:effectRef idx="0">
+              <a:schemeClr val="accent1"/>
+            </a:effectRef>
+            <a:fontRef idx="minor">
+              <a:schemeClr val="tx1"/>
+            </a:fontRef>
+          </p:style>
+        </p:cxnSp>
+        <p:cxnSp>
+          <p:nvCxnSpPr>
+            <p:cNvPr id="13" name="Straight Connector 12">
+              <a:extLst>
+                <a:ext uri="{FF2B5EF4-FFF2-40B4-BE49-F238E27FC236}">
+                  <a16:creationId xmlns:a16="http://schemas.microsoft.com/office/drawing/2014/main" id="{F928B183-731A-421B-B995-65E1F485A424}"/>
+                </a:ext>
+              </a:extLst>
+            </p:cNvPr>
+            <p:cNvCxnSpPr/>
+            <p:nvPr/>
+          </p:nvCxnSpPr>
+          <p:spPr>
+            <a:xfrm>
+              <a:off x="3796665" y="2160909"/>
+              <a:ext cx="1021080" cy="0"/>
+            </a:xfrm>
+            <a:prstGeom prst="line">
+              <a:avLst/>
+            </a:prstGeom>
+            <a:ln w="12700">
+              <a:solidFill>
+                <a:srgbClr val="FFC000">
+                  <a:alpha val="75000"/>
+                </a:srgbClr>
+              </a:solidFill>
+              <a:prstDash val="dash"/>
+            </a:ln>
+          </p:spPr>
+          <p:style>
+            <a:lnRef idx="1">
+              <a:schemeClr val="accent1"/>
+            </a:lnRef>
+            <a:fillRef idx="0">
+              <a:schemeClr val="accent1"/>
+            </a:fillRef>
+            <a:effectRef idx="0">
+              <a:schemeClr val="accent1"/>
+            </a:effectRef>
+            <a:fontRef idx="minor">
+              <a:schemeClr val="tx1"/>
+            </a:fontRef>
+          </p:style>
+        </p:cxnSp>
+        <p:sp>
+          <p:nvSpPr>
+            <p:cNvPr id="20" name="TextBox 19">
+              <a:extLst>
+                <a:ext uri="{FF2B5EF4-FFF2-40B4-BE49-F238E27FC236}">
+                  <a16:creationId xmlns:a16="http://schemas.microsoft.com/office/drawing/2014/main" id="{C3B5237B-FDD4-4522-A798-0E518B74C229}"/>
+                </a:ext>
+              </a:extLst>
+            </p:cNvPr>
+            <p:cNvSpPr txBox="1"/>
+            <p:nvPr/>
+          </p:nvSpPr>
+          <p:spPr>
+            <a:xfrm>
+              <a:off x="3838301" y="1575050"/>
+              <a:ext cx="738823" cy="276999"/>
+            </a:xfrm>
+            <a:prstGeom prst="rect">
+              <a:avLst/>
+            </a:prstGeom>
+            <a:noFill/>
+          </p:spPr>
+          <p:txBody>
+            <a:bodyPr wrap="square" lIns="45720" rtlCol="0">
+              <a:spAutoFit/>
+            </a:bodyPr>
+            <a:lstStyle/>
+            <a:p>
+              <a:r>
+                <a:rPr lang="en-US" sz="1200" dirty="0"/>
+                <a:t>        </a:t>
+              </a:r>
+              <a:r>
+                <a:rPr lang="en-US" sz="1200" b="1" dirty="0"/>
+                <a:t>CPE </a:t>
+              </a:r>
+              <a:r>
+                <a:rPr lang="en-US" sz="1200" dirty="0"/>
+                <a:t>  </a:t>
+              </a:r>
+            </a:p>
+          </p:txBody>
+        </p:sp>
+        <p:sp>
+          <p:nvSpPr>
+            <p:cNvPr id="21" name="TextBox 20">
+              <a:extLst>
+                <a:ext uri="{FF2B5EF4-FFF2-40B4-BE49-F238E27FC236}">
+                  <a16:creationId xmlns:a16="http://schemas.microsoft.com/office/drawing/2014/main" id="{510BC8EF-3338-46E6-BB62-86A473D05C8E}"/>
+                </a:ext>
+              </a:extLst>
+            </p:cNvPr>
+            <p:cNvSpPr txBox="1"/>
+            <p:nvPr/>
+          </p:nvSpPr>
+          <p:spPr>
+            <a:xfrm>
+              <a:off x="5329916" y="1578742"/>
+              <a:ext cx="809625" cy="276999"/>
+            </a:xfrm>
+            <a:prstGeom prst="rect">
+              <a:avLst/>
+            </a:prstGeom>
+            <a:noFill/>
+          </p:spPr>
+          <p:txBody>
+            <a:bodyPr wrap="square" lIns="45720" rtlCol="0">
+              <a:spAutoFit/>
+            </a:bodyPr>
+            <a:lstStyle/>
+            <a:p>
+              <a:r>
+                <a:rPr lang="en-US" sz="1200" dirty="0"/>
+                <a:t>         </a:t>
+              </a:r>
+              <a:r>
+                <a:rPr lang="en-US" sz="1200" b="1" dirty="0"/>
+                <a:t>BPE</a:t>
+              </a:r>
+            </a:p>
+          </p:txBody>
+        </p:sp>
+        <p:cxnSp>
+          <p:nvCxnSpPr>
+            <p:cNvPr id="22" name="Straight Connector 21">
+              <a:extLst>
+                <a:ext uri="{FF2B5EF4-FFF2-40B4-BE49-F238E27FC236}">
+                  <a16:creationId xmlns:a16="http://schemas.microsoft.com/office/drawing/2014/main" id="{6A378A1D-85BF-4239-96EF-F9B38E811241}"/>
+                </a:ext>
+              </a:extLst>
+            </p:cNvPr>
+            <p:cNvCxnSpPr>
+              <a:cxnSpLocks/>
+            </p:cNvCxnSpPr>
+            <p:nvPr/>
+          </p:nvCxnSpPr>
+          <p:spPr>
+            <a:xfrm>
+              <a:off x="4956492" y="1532467"/>
+              <a:ext cx="0" cy="1220420"/>
+            </a:xfrm>
+            <a:prstGeom prst="line">
+              <a:avLst/>
+            </a:prstGeom>
+            <a:ln w="19050">
+              <a:solidFill>
+                <a:srgbClr val="669900"/>
+              </a:solidFill>
+            </a:ln>
+          </p:spPr>
+          <p:style>
+            <a:lnRef idx="3">
+              <a:schemeClr val="accent6"/>
+            </a:lnRef>
+            <a:fillRef idx="0">
+              <a:schemeClr val="accent6"/>
+            </a:fillRef>
+            <a:effectRef idx="2">
+              <a:schemeClr val="accent6"/>
+            </a:effectRef>
+            <a:fontRef idx="minor">
+              <a:schemeClr val="tx1"/>
+            </a:fontRef>
+          </p:style>
+        </p:cxnSp>
+        <p:sp>
+          <p:nvSpPr>
+            <p:cNvPr id="16" name="Rectangle 15">
+              <a:extLst>
+                <a:ext uri="{FF2B5EF4-FFF2-40B4-BE49-F238E27FC236}">
+                  <a16:creationId xmlns:a16="http://schemas.microsoft.com/office/drawing/2014/main" id="{4AEA710F-D245-4186-BF59-8F350A7F6266}"/>
+                </a:ext>
+              </a:extLst>
+            </p:cNvPr>
+            <p:cNvSpPr/>
+            <p:nvPr/>
+          </p:nvSpPr>
+          <p:spPr>
+            <a:xfrm>
+              <a:off x="3852815" y="2752887"/>
+              <a:ext cx="924557" cy="124560"/>
+            </a:xfrm>
+            <a:prstGeom prst="rect">
+              <a:avLst/>
+            </a:prstGeom>
+            <a:solidFill>
+              <a:schemeClr val="bg1"/>
+            </a:solidFill>
+            <a:ln>
+              <a:noFill/>
+            </a:ln>
+          </p:spPr>
+          <p:style>
+            <a:lnRef idx="2">
+              <a:schemeClr val="accent1">
+                <a:shade val="50000"/>
+              </a:schemeClr>
+            </a:lnRef>
+            <a:fillRef idx="1">
+              <a:schemeClr val="accent1"/>
+            </a:fillRef>
+            <a:effectRef idx="0">
+              <a:schemeClr val="accent1"/>
+            </a:effectRef>
+            <a:fontRef idx="minor">
+              <a:schemeClr val="lt1"/>
+            </a:fontRef>
+          </p:style>
+          <p:txBody>
+            <a:bodyPr rtlCol="0" anchor="ctr"/>
+            <a:lstStyle/>
+            <a:p>
+              <a:pPr algn="ctr"/>
+              <a:endParaRPr lang="en-US"/>
+            </a:p>
+          </p:txBody>
+        </p:sp>
+        <p:sp>
+          <p:nvSpPr>
+            <p:cNvPr id="17" name="Rectangle 16">
+              <a:extLst>
+                <a:ext uri="{FF2B5EF4-FFF2-40B4-BE49-F238E27FC236}">
+                  <a16:creationId xmlns:a16="http://schemas.microsoft.com/office/drawing/2014/main" id="{A6BCC517-93DD-48AB-90B7-1BDAFCFFBB6F}"/>
+                </a:ext>
+              </a:extLst>
+            </p:cNvPr>
+            <p:cNvSpPr/>
+            <p:nvPr/>
+          </p:nvSpPr>
+          <p:spPr>
+            <a:xfrm>
+              <a:off x="5380672" y="2752887"/>
+              <a:ext cx="924557" cy="124560"/>
+            </a:xfrm>
+            <a:prstGeom prst="rect">
+              <a:avLst/>
+            </a:prstGeom>
+            <a:solidFill>
+              <a:schemeClr val="bg1"/>
+            </a:solidFill>
+            <a:ln>
+              <a:noFill/>
+            </a:ln>
+          </p:spPr>
+          <p:style>
+            <a:lnRef idx="2">
+              <a:schemeClr val="accent1">
+                <a:shade val="50000"/>
+              </a:schemeClr>
+            </a:lnRef>
+            <a:fillRef idx="1">
+              <a:schemeClr val="accent1"/>
+            </a:fillRef>
+            <a:effectRef idx="0">
+              <a:schemeClr val="accent1"/>
+            </a:effectRef>
+            <a:fontRef idx="minor">
+              <a:schemeClr val="lt1"/>
+            </a:fontRef>
+          </p:style>
+          <p:txBody>
+            <a:bodyPr rtlCol="0" anchor="ctr"/>
+            <a:lstStyle/>
+            <a:p>
+              <a:pPr algn="ctr"/>
+              <a:endParaRPr lang="en-US"/>
+            </a:p>
+          </p:txBody>
+        </p:sp>
+        <p:sp>
+          <p:nvSpPr>
+            <p:cNvPr id="24" name="TextBox 23">
+              <a:extLst>
+                <a:ext uri="{FF2B5EF4-FFF2-40B4-BE49-F238E27FC236}">
+                  <a16:creationId xmlns:a16="http://schemas.microsoft.com/office/drawing/2014/main" id="{064004A6-93FB-4E22-8537-6F0255DF7A58}"/>
+                </a:ext>
+              </a:extLst>
+            </p:cNvPr>
+            <p:cNvSpPr txBox="1"/>
+            <p:nvPr/>
+          </p:nvSpPr>
+          <p:spPr>
+            <a:xfrm>
+              <a:off x="3945257" y="2704270"/>
+              <a:ext cx="924557" cy="200055"/>
+            </a:xfrm>
+            <a:prstGeom prst="rect">
+              <a:avLst/>
+            </a:prstGeom>
+            <a:noFill/>
+            <a:ln>
+              <a:noFill/>
+            </a:ln>
+          </p:spPr>
+          <p:style>
+            <a:lnRef idx="2">
+              <a:schemeClr val="dk1"/>
+            </a:lnRef>
+            <a:fillRef idx="1">
+              <a:schemeClr val="lt1"/>
+            </a:fillRef>
+            <a:effectRef idx="0">
+              <a:schemeClr val="dk1"/>
+            </a:effectRef>
+            <a:fontRef idx="minor">
+              <a:schemeClr val="dk1"/>
+            </a:fontRef>
+          </p:style>
+          <p:txBody>
+            <a:bodyPr wrap="square" rtlCol="0">
+              <a:spAutoFit/>
+            </a:bodyPr>
+            <a:lstStyle/>
+            <a:p>
+              <a:r>
+                <a:rPr lang="en-US" sz="700" b="1" dirty="0">
+                  <a:solidFill>
+                    <a:schemeClr val="bg2">
+                      <a:lumMod val="25000"/>
+                    </a:schemeClr>
+                  </a:solidFill>
+                  <a:latin typeface="Arial" panose="020B0604020202020204" pitchFamily="34" charset="0"/>
+                  <a:cs typeface="Arial" panose="020B0604020202020204" pitchFamily="34" charset="0"/>
+                </a:rPr>
+                <a:t>E</a:t>
+              </a:r>
+              <a:r>
+                <a:rPr lang="en-US" sz="700" b="1" baseline="-25000" dirty="0">
+                  <a:solidFill>
+                    <a:schemeClr val="bg2">
+                      <a:lumMod val="25000"/>
+                    </a:schemeClr>
+                  </a:solidFill>
+                  <a:latin typeface="Arial" panose="020B0604020202020204" pitchFamily="34" charset="0"/>
+                  <a:cs typeface="Arial" panose="020B0604020202020204" pitchFamily="34" charset="0"/>
+                </a:rPr>
+                <a:t>A1 </a:t>
+              </a:r>
+              <a:r>
+                <a:rPr lang="en-US" sz="700" b="1" dirty="0">
+                  <a:solidFill>
+                    <a:schemeClr val="bg2">
+                      <a:lumMod val="25000"/>
+                    </a:schemeClr>
+                  </a:solidFill>
+                  <a:latin typeface="Arial" panose="020B0604020202020204" pitchFamily="34" charset="0"/>
+                  <a:cs typeface="Arial" panose="020B0604020202020204" pitchFamily="34" charset="0"/>
+                </a:rPr>
+                <a:t>(kJ mol</a:t>
+              </a:r>
+              <a:r>
+                <a:rPr lang="en-US" sz="700" b="1" baseline="30000" dirty="0">
+                  <a:solidFill>
+                    <a:schemeClr val="bg2">
+                      <a:lumMod val="25000"/>
+                    </a:schemeClr>
+                  </a:solidFill>
+                  <a:latin typeface="Arial" panose="020B0604020202020204" pitchFamily="34" charset="0"/>
+                  <a:cs typeface="Arial" panose="020B0604020202020204" pitchFamily="34" charset="0"/>
+                </a:rPr>
+                <a:t>-1</a:t>
+              </a:r>
+              <a:r>
+                <a:rPr lang="en-US" sz="700" b="1" dirty="0">
+                  <a:solidFill>
+                    <a:schemeClr val="bg2">
+                      <a:lumMod val="25000"/>
+                    </a:schemeClr>
+                  </a:solidFill>
+                  <a:latin typeface="Arial" panose="020B0604020202020204" pitchFamily="34" charset="0"/>
+                  <a:cs typeface="Arial" panose="020B0604020202020204" pitchFamily="34" charset="0"/>
+                </a:rPr>
+                <a:t>)</a:t>
+              </a:r>
+            </a:p>
+          </p:txBody>
+        </p:sp>
+        <p:sp>
+          <p:nvSpPr>
+            <p:cNvPr id="25" name="TextBox 24">
+              <a:extLst>
+                <a:ext uri="{FF2B5EF4-FFF2-40B4-BE49-F238E27FC236}">
+                  <a16:creationId xmlns:a16="http://schemas.microsoft.com/office/drawing/2014/main" id="{FE2A084F-3328-4F76-9995-FFCF7D6F48A8}"/>
+                </a:ext>
+              </a:extLst>
+            </p:cNvPr>
+            <p:cNvSpPr txBox="1"/>
+            <p:nvPr/>
+          </p:nvSpPr>
+          <p:spPr>
+            <a:xfrm>
+              <a:off x="5441631" y="2700942"/>
+              <a:ext cx="924557" cy="200055"/>
+            </a:xfrm>
+            <a:prstGeom prst="rect">
+              <a:avLst/>
+            </a:prstGeom>
+            <a:noFill/>
+            <a:ln>
+              <a:noFill/>
+            </a:ln>
+          </p:spPr>
+          <p:style>
+            <a:lnRef idx="2">
+              <a:schemeClr val="dk1"/>
+            </a:lnRef>
+            <a:fillRef idx="1">
+              <a:schemeClr val="lt1"/>
+            </a:fillRef>
+            <a:effectRef idx="0">
+              <a:schemeClr val="dk1"/>
+            </a:effectRef>
+            <a:fontRef idx="minor">
+              <a:schemeClr val="dk1"/>
+            </a:fontRef>
+          </p:style>
+          <p:txBody>
+            <a:bodyPr wrap="square" rtlCol="0">
+              <a:spAutoFit/>
+            </a:bodyPr>
+            <a:lstStyle/>
+            <a:p>
+              <a:r>
+                <a:rPr lang="en-US" sz="700" b="1" dirty="0">
+                  <a:solidFill>
+                    <a:schemeClr val="bg2">
+                      <a:lumMod val="25000"/>
+                    </a:schemeClr>
+                  </a:solidFill>
+                  <a:latin typeface="Arial" panose="020B0604020202020204" pitchFamily="34" charset="0"/>
+                  <a:cs typeface="Arial" panose="020B0604020202020204" pitchFamily="34" charset="0"/>
+                </a:rPr>
+                <a:t>E</a:t>
+              </a:r>
+              <a:r>
+                <a:rPr lang="en-US" sz="700" b="1" baseline="-25000" dirty="0">
+                  <a:solidFill>
+                    <a:schemeClr val="bg2">
+                      <a:lumMod val="25000"/>
+                    </a:schemeClr>
+                  </a:solidFill>
+                  <a:latin typeface="Arial" panose="020B0604020202020204" pitchFamily="34" charset="0"/>
+                  <a:cs typeface="Arial" panose="020B0604020202020204" pitchFamily="34" charset="0"/>
+                </a:rPr>
+                <a:t>A1 </a:t>
+              </a:r>
+              <a:r>
+                <a:rPr lang="en-US" sz="700" b="1" dirty="0">
+                  <a:solidFill>
+                    <a:schemeClr val="bg2">
+                      <a:lumMod val="25000"/>
+                    </a:schemeClr>
+                  </a:solidFill>
+                  <a:latin typeface="Arial" panose="020B0604020202020204" pitchFamily="34" charset="0"/>
+                  <a:cs typeface="Arial" panose="020B0604020202020204" pitchFamily="34" charset="0"/>
+                </a:rPr>
+                <a:t>(kJ mol</a:t>
+              </a:r>
+              <a:r>
+                <a:rPr lang="en-US" sz="700" b="1" baseline="30000" dirty="0">
+                  <a:solidFill>
+                    <a:schemeClr val="bg2">
+                      <a:lumMod val="25000"/>
+                    </a:schemeClr>
+                  </a:solidFill>
+                  <a:latin typeface="Arial" panose="020B0604020202020204" pitchFamily="34" charset="0"/>
+                  <a:cs typeface="Arial" panose="020B0604020202020204" pitchFamily="34" charset="0"/>
+                </a:rPr>
+                <a:t>-1</a:t>
+              </a:r>
+              <a:r>
+                <a:rPr lang="en-US" sz="700" b="1" dirty="0">
+                  <a:solidFill>
+                    <a:schemeClr val="bg2">
+                      <a:lumMod val="25000"/>
+                    </a:schemeClr>
+                  </a:solidFill>
+                  <a:latin typeface="Arial" panose="020B0604020202020204" pitchFamily="34" charset="0"/>
+                  <a:cs typeface="Arial" panose="020B0604020202020204" pitchFamily="34" charset="0"/>
+                </a:rPr>
+                <a:t>)</a:t>
+              </a:r>
+            </a:p>
+          </p:txBody>
+        </p:sp>
+        <p:sp>
+          <p:nvSpPr>
+            <p:cNvPr id="29" name="Rectangle 28">
+              <a:extLst>
+                <a:ext uri="{FF2B5EF4-FFF2-40B4-BE49-F238E27FC236}">
+                  <a16:creationId xmlns:a16="http://schemas.microsoft.com/office/drawing/2014/main" id="{7D44BD39-B9E0-4088-8338-3D5AC8C65B46}"/>
+                </a:ext>
+              </a:extLst>
+            </p:cNvPr>
+            <p:cNvSpPr/>
+            <p:nvPr/>
+          </p:nvSpPr>
+          <p:spPr>
+            <a:xfrm rot="16200000">
+              <a:off x="3140444" y="1981954"/>
+              <a:ext cx="924557" cy="124560"/>
+            </a:xfrm>
+            <a:prstGeom prst="rect">
+              <a:avLst/>
+            </a:prstGeom>
+            <a:solidFill>
+              <a:schemeClr val="bg1"/>
+            </a:solidFill>
+            <a:ln>
+              <a:noFill/>
+            </a:ln>
+          </p:spPr>
+          <p:style>
+            <a:lnRef idx="2">
+              <a:schemeClr val="accent1">
+                <a:shade val="50000"/>
+              </a:schemeClr>
+            </a:lnRef>
+            <a:fillRef idx="1">
+              <a:schemeClr val="accent1"/>
+            </a:fillRef>
+            <a:effectRef idx="0">
+              <a:schemeClr val="accent1"/>
+            </a:effectRef>
+            <a:fontRef idx="minor">
+              <a:schemeClr val="lt1"/>
+            </a:fontRef>
+          </p:style>
+          <p:txBody>
+            <a:bodyPr rtlCol="0" anchor="ctr"/>
+            <a:lstStyle/>
+            <a:p>
+              <a:pPr algn="ctr"/>
+              <a:endParaRPr lang="en-US"/>
+            </a:p>
+          </p:txBody>
+        </p:sp>
+        <p:sp>
+          <p:nvSpPr>
+            <p:cNvPr id="31" name="Rectangle 30">
+              <a:extLst>
+                <a:ext uri="{FF2B5EF4-FFF2-40B4-BE49-F238E27FC236}">
+                  <a16:creationId xmlns:a16="http://schemas.microsoft.com/office/drawing/2014/main" id="{AF43B5DC-85B4-493B-899D-651777AA59B2}"/>
+                </a:ext>
+              </a:extLst>
+            </p:cNvPr>
+            <p:cNvSpPr/>
+            <p:nvPr/>
+          </p:nvSpPr>
+          <p:spPr>
+            <a:xfrm rot="16200000">
+              <a:off x="4627616" y="1992069"/>
+              <a:ext cx="924557" cy="124560"/>
+            </a:xfrm>
+            <a:prstGeom prst="rect">
+              <a:avLst/>
+            </a:prstGeom>
+            <a:solidFill>
+              <a:schemeClr val="bg1"/>
+            </a:solidFill>
+            <a:ln>
+              <a:noFill/>
+            </a:ln>
+          </p:spPr>
+          <p:style>
+            <a:lnRef idx="2">
+              <a:schemeClr val="accent1">
+                <a:shade val="50000"/>
+              </a:schemeClr>
+            </a:lnRef>
+            <a:fillRef idx="1">
+              <a:schemeClr val="accent1"/>
+            </a:fillRef>
+            <a:effectRef idx="0">
+              <a:schemeClr val="accent1"/>
+            </a:effectRef>
+            <a:fontRef idx="minor">
+              <a:schemeClr val="lt1"/>
+            </a:fontRef>
+          </p:style>
+          <p:txBody>
+            <a:bodyPr rtlCol="0" anchor="ctr"/>
+            <a:lstStyle/>
+            <a:p>
+              <a:pPr algn="ctr"/>
+              <a:endParaRPr lang="en-US"/>
+            </a:p>
+          </p:txBody>
+        </p:sp>
+        <p:sp>
+          <p:nvSpPr>
+            <p:cNvPr id="33" name="TextBox 32">
+              <a:extLst>
+                <a:ext uri="{FF2B5EF4-FFF2-40B4-BE49-F238E27FC236}">
+                  <a16:creationId xmlns:a16="http://schemas.microsoft.com/office/drawing/2014/main" id="{AFD369F3-81F3-40C3-9A5E-D91C33F2A801}"/>
+                </a:ext>
+              </a:extLst>
+            </p:cNvPr>
+            <p:cNvSpPr txBox="1"/>
+            <p:nvPr/>
+          </p:nvSpPr>
+          <p:spPr>
+            <a:xfrm rot="16200000">
+              <a:off x="3117304" y="1882650"/>
+              <a:ext cx="924557" cy="200055"/>
+            </a:xfrm>
+            <a:prstGeom prst="rect">
+              <a:avLst/>
+            </a:prstGeom>
+            <a:noFill/>
+            <a:ln>
+              <a:noFill/>
+            </a:ln>
+          </p:spPr>
+          <p:style>
+            <a:lnRef idx="2">
+              <a:schemeClr val="dk1"/>
+            </a:lnRef>
+            <a:fillRef idx="1">
+              <a:schemeClr val="lt1"/>
+            </a:fillRef>
+            <a:effectRef idx="0">
+              <a:schemeClr val="dk1"/>
+            </a:effectRef>
+            <a:fontRef idx="minor">
+              <a:schemeClr val="dk1"/>
+            </a:fontRef>
+          </p:style>
+          <p:txBody>
+            <a:bodyPr wrap="square" rtlCol="0">
+              <a:spAutoFit/>
+            </a:bodyPr>
+            <a:lstStyle/>
+            <a:p>
+              <a:r>
+                <a:rPr lang="en-US" sz="700" b="1" dirty="0">
+                  <a:solidFill>
+                    <a:schemeClr val="bg2">
+                      <a:lumMod val="25000"/>
+                    </a:schemeClr>
+                  </a:solidFill>
+                  <a:latin typeface="Arial" panose="020B0604020202020204" pitchFamily="34" charset="0"/>
+                  <a:cs typeface="Arial" panose="020B0604020202020204" pitchFamily="34" charset="0"/>
+                </a:rPr>
+                <a:t>log</a:t>
+              </a:r>
+              <a:r>
+                <a:rPr lang="en-US" sz="700" b="1" baseline="-25000" dirty="0">
+                  <a:solidFill>
+                    <a:schemeClr val="bg2">
+                      <a:lumMod val="25000"/>
+                    </a:schemeClr>
+                  </a:solidFill>
+                  <a:latin typeface="Arial" panose="020B0604020202020204" pitchFamily="34" charset="0"/>
+                  <a:cs typeface="Arial" panose="020B0604020202020204" pitchFamily="34" charset="0"/>
+                </a:rPr>
+                <a:t>10</a:t>
+              </a:r>
+              <a:r>
+                <a:rPr lang="en-US" sz="700" b="1" dirty="0">
+                  <a:solidFill>
+                    <a:schemeClr val="bg2">
+                      <a:lumMod val="25000"/>
+                    </a:schemeClr>
+                  </a:solidFill>
+                  <a:latin typeface="Arial" panose="020B0604020202020204" pitchFamily="34" charset="0"/>
+                  <a:cs typeface="Arial" panose="020B0604020202020204" pitchFamily="34" charset="0"/>
+                </a:rPr>
+                <a:t>(A</a:t>
+              </a:r>
+              <a:r>
+                <a:rPr lang="en-US" sz="700" b="1" baseline="-25000" dirty="0">
+                  <a:solidFill>
+                    <a:schemeClr val="bg2">
+                      <a:lumMod val="25000"/>
+                    </a:schemeClr>
+                  </a:solidFill>
+                  <a:latin typeface="Arial" panose="020B0604020202020204" pitchFamily="34" charset="0"/>
+                  <a:cs typeface="Arial" panose="020B0604020202020204" pitchFamily="34" charset="0"/>
+                </a:rPr>
+                <a:t>1 </a:t>
+              </a:r>
+              <a:r>
+                <a:rPr lang="en-US" sz="700" b="1" dirty="0">
+                  <a:solidFill>
+                    <a:schemeClr val="bg2">
+                      <a:lumMod val="25000"/>
+                    </a:schemeClr>
+                  </a:solidFill>
+                  <a:latin typeface="Arial" panose="020B0604020202020204" pitchFamily="34" charset="0"/>
+                  <a:cs typeface="Arial" panose="020B0604020202020204" pitchFamily="34" charset="0"/>
+                </a:rPr>
+                <a:t>/ s</a:t>
+              </a:r>
+              <a:r>
+                <a:rPr lang="en-US" sz="700" b="1" baseline="30000" dirty="0">
+                  <a:solidFill>
+                    <a:schemeClr val="bg2">
+                      <a:lumMod val="25000"/>
+                    </a:schemeClr>
+                  </a:solidFill>
+                  <a:latin typeface="Arial" panose="020B0604020202020204" pitchFamily="34" charset="0"/>
+                  <a:cs typeface="Arial" panose="020B0604020202020204" pitchFamily="34" charset="0"/>
+                </a:rPr>
+                <a:t>-1</a:t>
+              </a:r>
+              <a:r>
+                <a:rPr lang="en-US" sz="700" b="1" dirty="0">
+                  <a:solidFill>
+                    <a:schemeClr val="bg2">
+                      <a:lumMod val="25000"/>
+                    </a:schemeClr>
+                  </a:solidFill>
+                  <a:latin typeface="Arial" panose="020B0604020202020204" pitchFamily="34" charset="0"/>
+                  <a:cs typeface="Arial" panose="020B0604020202020204" pitchFamily="34" charset="0"/>
+                </a:rPr>
+                <a:t>)</a:t>
+              </a:r>
+            </a:p>
+          </p:txBody>
+        </p:sp>
+        <p:sp>
+          <p:nvSpPr>
+            <p:cNvPr id="34" name="TextBox 33">
+              <a:extLst>
+                <a:ext uri="{FF2B5EF4-FFF2-40B4-BE49-F238E27FC236}">
+                  <a16:creationId xmlns:a16="http://schemas.microsoft.com/office/drawing/2014/main" id="{E5249797-DBD3-420E-BAA0-4260EBB35ABA}"/>
+                </a:ext>
+              </a:extLst>
+            </p:cNvPr>
+            <p:cNvSpPr txBox="1"/>
+            <p:nvPr/>
+          </p:nvSpPr>
+          <p:spPr>
+            <a:xfrm rot="16200000">
+              <a:off x="4609480" y="1894718"/>
+              <a:ext cx="924557" cy="200055"/>
+            </a:xfrm>
+            <a:prstGeom prst="rect">
+              <a:avLst/>
+            </a:prstGeom>
+            <a:noFill/>
+            <a:ln>
+              <a:noFill/>
+            </a:ln>
+          </p:spPr>
+          <p:style>
+            <a:lnRef idx="2">
+              <a:schemeClr val="dk1"/>
+            </a:lnRef>
+            <a:fillRef idx="1">
+              <a:schemeClr val="lt1"/>
+            </a:fillRef>
+            <a:effectRef idx="0">
+              <a:schemeClr val="dk1"/>
+            </a:effectRef>
+            <a:fontRef idx="minor">
+              <a:schemeClr val="dk1"/>
+            </a:fontRef>
+          </p:style>
+          <p:txBody>
+            <a:bodyPr wrap="square" rtlCol="0">
+              <a:spAutoFit/>
+            </a:bodyPr>
+            <a:lstStyle/>
+            <a:p>
+              <a:r>
+                <a:rPr lang="en-US" sz="700" b="1" dirty="0">
+                  <a:solidFill>
+                    <a:schemeClr val="bg2">
+                      <a:lumMod val="25000"/>
+                    </a:schemeClr>
+                  </a:solidFill>
+                  <a:latin typeface="Arial" panose="020B0604020202020204" pitchFamily="34" charset="0"/>
+                  <a:cs typeface="Arial" panose="020B0604020202020204" pitchFamily="34" charset="0"/>
+                </a:rPr>
+                <a:t>log</a:t>
+              </a:r>
+              <a:r>
+                <a:rPr lang="en-US" sz="700" b="1" baseline="-25000" dirty="0">
+                  <a:solidFill>
+                    <a:schemeClr val="bg2">
+                      <a:lumMod val="25000"/>
+                    </a:schemeClr>
+                  </a:solidFill>
+                  <a:latin typeface="Arial" panose="020B0604020202020204" pitchFamily="34" charset="0"/>
+                  <a:cs typeface="Arial" panose="020B0604020202020204" pitchFamily="34" charset="0"/>
+                </a:rPr>
+                <a:t>10</a:t>
+              </a:r>
+              <a:r>
+                <a:rPr lang="en-US" sz="700" b="1" dirty="0">
+                  <a:solidFill>
+                    <a:schemeClr val="bg2">
+                      <a:lumMod val="25000"/>
+                    </a:schemeClr>
+                  </a:solidFill>
+                  <a:latin typeface="Arial" panose="020B0604020202020204" pitchFamily="34" charset="0"/>
+                  <a:cs typeface="Arial" panose="020B0604020202020204" pitchFamily="34" charset="0"/>
+                </a:rPr>
+                <a:t>(A</a:t>
+              </a:r>
+              <a:r>
+                <a:rPr lang="en-US" sz="700" b="1" baseline="-25000" dirty="0">
+                  <a:solidFill>
+                    <a:schemeClr val="bg2">
+                      <a:lumMod val="25000"/>
+                    </a:schemeClr>
+                  </a:solidFill>
+                  <a:latin typeface="Arial" panose="020B0604020202020204" pitchFamily="34" charset="0"/>
+                  <a:cs typeface="Arial" panose="020B0604020202020204" pitchFamily="34" charset="0"/>
+                </a:rPr>
+                <a:t>1 </a:t>
+              </a:r>
+              <a:r>
+                <a:rPr lang="en-US" sz="700" b="1" dirty="0">
+                  <a:solidFill>
+                    <a:schemeClr val="bg2">
+                      <a:lumMod val="25000"/>
+                    </a:schemeClr>
+                  </a:solidFill>
+                  <a:latin typeface="Arial" panose="020B0604020202020204" pitchFamily="34" charset="0"/>
+                  <a:cs typeface="Arial" panose="020B0604020202020204" pitchFamily="34" charset="0"/>
+                </a:rPr>
+                <a:t>/ s</a:t>
+              </a:r>
+              <a:r>
+                <a:rPr lang="en-US" sz="700" b="1" baseline="30000" dirty="0">
+                  <a:solidFill>
+                    <a:schemeClr val="bg2">
+                      <a:lumMod val="25000"/>
+                    </a:schemeClr>
+                  </a:solidFill>
+                  <a:latin typeface="Arial" panose="020B0604020202020204" pitchFamily="34" charset="0"/>
+                  <a:cs typeface="Arial" panose="020B0604020202020204" pitchFamily="34" charset="0"/>
+                </a:rPr>
+                <a:t>-1</a:t>
+              </a:r>
+              <a:r>
+                <a:rPr lang="en-US" sz="700" b="1" dirty="0">
+                  <a:solidFill>
+                    <a:schemeClr val="bg2">
+                      <a:lumMod val="25000"/>
+                    </a:schemeClr>
+                  </a:solidFill>
+                  <a:latin typeface="Arial" panose="020B0604020202020204" pitchFamily="34" charset="0"/>
+                  <a:cs typeface="Arial" panose="020B0604020202020204" pitchFamily="34" charset="0"/>
+                </a:rPr>
+                <a:t>)</a:t>
+              </a:r>
+            </a:p>
+          </p:txBody>
+        </p:sp>
+      </p:grpSp>
+      <p:sp>
+        <p:nvSpPr>
+          <p:cNvPr id="35" name="TextBox 34">
+            <a:extLst>
+              <a:ext uri="{FF2B5EF4-FFF2-40B4-BE49-F238E27FC236}">
+                <a16:creationId xmlns:a16="http://schemas.microsoft.com/office/drawing/2014/main" id="{64629043-4E2E-4518-BCF7-C4F29BE06905}"/>
+              </a:ext>
+            </a:extLst>
+          </p:cNvPr>
+          <p:cNvSpPr txBox="1"/>
+          <p:nvPr/>
+        </p:nvSpPr>
+        <p:spPr>
+          <a:xfrm rot="16200000">
+            <a:off x="3123654" y="3267499"/>
+            <a:ext cx="924557" cy="200055"/>
+          </a:xfrm>
+          <a:prstGeom prst="rect">
+            <a:avLst/>
+          </a:prstGeom>
+          <a:noFill/>
+          <a:ln>
+            <a:noFill/>
+          </a:ln>
+        </p:spPr>
+        <p:style>
+          <a:lnRef idx="2">
+            <a:schemeClr val="dk1"/>
+          </a:lnRef>
+          <a:fillRef idx="1">
+            <a:schemeClr val="lt1"/>
+          </a:fillRef>
+          <a:effectRef idx="0">
+            <a:schemeClr val="dk1"/>
+          </a:effectRef>
+          <a:fontRef idx="minor">
+            <a:schemeClr val="dk1"/>
+          </a:fontRef>
+        </p:style>
+        <p:txBody>
+          <a:bodyPr wrap="square" rtlCol="0">
+            <a:spAutoFit/>
+          </a:bodyPr>
+          <a:lstStyle/>
+          <a:p>
+            <a:r>
+              <a:rPr lang="en-US" sz="700" b="1" dirty="0">
+                <a:solidFill>
+                  <a:schemeClr val="bg2">
+                    <a:lumMod val="25000"/>
+                  </a:schemeClr>
+                </a:solidFill>
+                <a:latin typeface="Arial" panose="020B0604020202020204" pitchFamily="34" charset="0"/>
+                <a:cs typeface="Arial" panose="020B0604020202020204" pitchFamily="34" charset="0"/>
+              </a:rPr>
+              <a:t>log</a:t>
+            </a:r>
+            <a:r>
+              <a:rPr lang="en-US" sz="700" b="1" baseline="-25000" dirty="0">
+                <a:solidFill>
+                  <a:schemeClr val="bg2">
+                    <a:lumMod val="25000"/>
+                  </a:schemeClr>
+                </a:solidFill>
+                <a:latin typeface="Arial" panose="020B0604020202020204" pitchFamily="34" charset="0"/>
+                <a:cs typeface="Arial" panose="020B0604020202020204" pitchFamily="34" charset="0"/>
+              </a:rPr>
+              <a:t>10</a:t>
+            </a:r>
+            <a:r>
+              <a:rPr lang="en-US" sz="700" b="1" dirty="0">
+                <a:solidFill>
+                  <a:schemeClr val="bg2">
+                    <a:lumMod val="25000"/>
+                  </a:schemeClr>
+                </a:solidFill>
+                <a:latin typeface="Arial" panose="020B0604020202020204" pitchFamily="34" charset="0"/>
+                <a:cs typeface="Arial" panose="020B0604020202020204" pitchFamily="34" charset="0"/>
+              </a:rPr>
+              <a:t>(A</a:t>
+            </a:r>
+            <a:r>
+              <a:rPr lang="en-US" sz="700" b="1" baseline="-25000" dirty="0">
+                <a:solidFill>
+                  <a:schemeClr val="bg2">
+                    <a:lumMod val="25000"/>
+                  </a:schemeClr>
+                </a:solidFill>
+                <a:latin typeface="Arial" panose="020B0604020202020204" pitchFamily="34" charset="0"/>
+                <a:cs typeface="Arial" panose="020B0604020202020204" pitchFamily="34" charset="0"/>
+              </a:rPr>
+              <a:t>1 </a:t>
+            </a:r>
+            <a:r>
+              <a:rPr lang="en-US" sz="700" b="1" dirty="0">
+                <a:solidFill>
+                  <a:schemeClr val="bg2">
+                    <a:lumMod val="25000"/>
+                  </a:schemeClr>
+                </a:solidFill>
+                <a:latin typeface="Arial" panose="020B0604020202020204" pitchFamily="34" charset="0"/>
+                <a:cs typeface="Arial" panose="020B0604020202020204" pitchFamily="34" charset="0"/>
+              </a:rPr>
+              <a:t>/ s</a:t>
+            </a:r>
+            <a:r>
+              <a:rPr lang="en-US" sz="700" b="1" baseline="30000" dirty="0">
+                <a:solidFill>
+                  <a:schemeClr val="bg2">
+                    <a:lumMod val="25000"/>
+                  </a:schemeClr>
+                </a:solidFill>
+                <a:latin typeface="Arial" panose="020B0604020202020204" pitchFamily="34" charset="0"/>
+                <a:cs typeface="Arial" panose="020B0604020202020204" pitchFamily="34" charset="0"/>
+              </a:rPr>
+              <a:t>-1</a:t>
+            </a:r>
+            <a:r>
+              <a:rPr lang="en-US" sz="700" b="1" dirty="0">
+                <a:solidFill>
+                  <a:schemeClr val="bg2">
+                    <a:lumMod val="25000"/>
+                  </a:schemeClr>
+                </a:solidFill>
+                <a:latin typeface="Arial" panose="020B0604020202020204" pitchFamily="34" charset="0"/>
+                <a:cs typeface="Arial" panose="020B0604020202020204" pitchFamily="34" charset="0"/>
+              </a:rPr>
+              <a:t>)</a:t>
+            </a:r>
+          </a:p>
+        </p:txBody>
+      </p:sp>
+      <p:sp>
+        <p:nvSpPr>
+          <p:cNvPr id="36" name="TextBox 35">
+            <a:extLst>
+              <a:ext uri="{FF2B5EF4-FFF2-40B4-BE49-F238E27FC236}">
+                <a16:creationId xmlns:a16="http://schemas.microsoft.com/office/drawing/2014/main" id="{17FEBF4D-E4B7-417D-BE21-2CF98E4DFFA6}"/>
+              </a:ext>
+            </a:extLst>
+          </p:cNvPr>
+          <p:cNvSpPr txBox="1"/>
+          <p:nvPr/>
+        </p:nvSpPr>
+        <p:spPr>
+          <a:xfrm rot="16200000">
+            <a:off x="4615830" y="3279567"/>
+            <a:ext cx="924557" cy="200055"/>
+          </a:xfrm>
+          <a:prstGeom prst="rect">
+            <a:avLst/>
+          </a:prstGeom>
+          <a:noFill/>
+          <a:ln>
+            <a:noFill/>
+          </a:ln>
+        </p:spPr>
+        <p:style>
+          <a:lnRef idx="2">
+            <a:schemeClr val="dk1"/>
+          </a:lnRef>
+          <a:fillRef idx="1">
+            <a:schemeClr val="lt1"/>
+          </a:fillRef>
+          <a:effectRef idx="0">
+            <a:schemeClr val="dk1"/>
+          </a:effectRef>
+          <a:fontRef idx="minor">
+            <a:schemeClr val="dk1"/>
+          </a:fontRef>
+        </p:style>
+        <p:txBody>
+          <a:bodyPr wrap="square" rtlCol="0">
+            <a:spAutoFit/>
+          </a:bodyPr>
+          <a:lstStyle/>
+          <a:p>
+            <a:r>
+              <a:rPr lang="en-US" sz="700" b="1" dirty="0">
+                <a:solidFill>
+                  <a:schemeClr val="bg2">
+                    <a:lumMod val="25000"/>
+                  </a:schemeClr>
+                </a:solidFill>
+                <a:latin typeface="Arial" panose="020B0604020202020204" pitchFamily="34" charset="0"/>
+                <a:cs typeface="Arial" panose="020B0604020202020204" pitchFamily="34" charset="0"/>
+              </a:rPr>
+              <a:t>log</a:t>
+            </a:r>
+            <a:r>
+              <a:rPr lang="en-US" sz="700" b="1" baseline="-25000" dirty="0">
+                <a:solidFill>
+                  <a:schemeClr val="bg2">
+                    <a:lumMod val="25000"/>
+                  </a:schemeClr>
+                </a:solidFill>
+                <a:latin typeface="Arial" panose="020B0604020202020204" pitchFamily="34" charset="0"/>
+                <a:cs typeface="Arial" panose="020B0604020202020204" pitchFamily="34" charset="0"/>
+              </a:rPr>
+              <a:t>10</a:t>
+            </a:r>
+            <a:r>
+              <a:rPr lang="en-US" sz="700" b="1" dirty="0">
+                <a:solidFill>
+                  <a:schemeClr val="bg2">
+                    <a:lumMod val="25000"/>
+                  </a:schemeClr>
+                </a:solidFill>
+                <a:latin typeface="Arial" panose="020B0604020202020204" pitchFamily="34" charset="0"/>
+                <a:cs typeface="Arial" panose="020B0604020202020204" pitchFamily="34" charset="0"/>
+              </a:rPr>
+              <a:t>(A</a:t>
+            </a:r>
+            <a:r>
+              <a:rPr lang="en-US" sz="700" b="1" baseline="-25000" dirty="0">
+                <a:solidFill>
+                  <a:schemeClr val="bg2">
+                    <a:lumMod val="25000"/>
+                  </a:schemeClr>
+                </a:solidFill>
+                <a:latin typeface="Arial" panose="020B0604020202020204" pitchFamily="34" charset="0"/>
+                <a:cs typeface="Arial" panose="020B0604020202020204" pitchFamily="34" charset="0"/>
+              </a:rPr>
+              <a:t>1 </a:t>
+            </a:r>
+            <a:r>
+              <a:rPr lang="en-US" sz="700" b="1" dirty="0">
+                <a:solidFill>
+                  <a:schemeClr val="bg2">
+                    <a:lumMod val="25000"/>
+                  </a:schemeClr>
+                </a:solidFill>
+                <a:latin typeface="Arial" panose="020B0604020202020204" pitchFamily="34" charset="0"/>
+                <a:cs typeface="Arial" panose="020B0604020202020204" pitchFamily="34" charset="0"/>
+              </a:rPr>
+              <a:t>/ s</a:t>
+            </a:r>
+            <a:r>
+              <a:rPr lang="en-US" sz="700" b="1" baseline="30000" dirty="0">
+                <a:solidFill>
+                  <a:schemeClr val="bg2">
+                    <a:lumMod val="25000"/>
+                  </a:schemeClr>
+                </a:solidFill>
+                <a:latin typeface="Arial" panose="020B0604020202020204" pitchFamily="34" charset="0"/>
+                <a:cs typeface="Arial" panose="020B0604020202020204" pitchFamily="34" charset="0"/>
+              </a:rPr>
+              <a:t>-1</a:t>
+            </a:r>
+            <a:r>
+              <a:rPr lang="en-US" sz="700" b="1" dirty="0">
+                <a:solidFill>
+                  <a:schemeClr val="bg2">
+                    <a:lumMod val="25000"/>
+                  </a:schemeClr>
+                </a:solidFill>
+                <a:latin typeface="Arial" panose="020B0604020202020204" pitchFamily="34" charset="0"/>
+                <a:cs typeface="Arial" panose="020B0604020202020204" pitchFamily="34" charset="0"/>
+              </a:rPr>
+              <a:t>)</a:t>
+            </a:r>
+          </a:p>
+        </p:txBody>
+      </p:sp>
+      <p:pic>
+        <p:nvPicPr>
+          <p:cNvPr id="108" name="Picture 107">
+            <a:extLst>
+              <a:ext uri="{FF2B5EF4-FFF2-40B4-BE49-F238E27FC236}">
+                <a16:creationId xmlns:a16="http://schemas.microsoft.com/office/drawing/2014/main" id="{72337060-AD75-4956-B022-4983266D52C9}"/>
+              </a:ext>
+            </a:extLst>
+          </p:cNvPr>
+          <p:cNvPicPr>
+            <a:picLocks noChangeAspect="1"/>
+          </p:cNvPicPr>
+          <p:nvPr/>
+        </p:nvPicPr>
+        <p:blipFill>
+          <a:blip r:embed="rId10"/>
+          <a:stretch>
+            <a:fillRect/>
+          </a:stretch>
+        </p:blipFill>
+        <p:spPr>
+          <a:xfrm>
+            <a:off x="7259904" y="2146234"/>
+            <a:ext cx="2932430" cy="1426588"/>
+          </a:xfrm>
+          <a:prstGeom prst="rect">
+            <a:avLst/>
+          </a:prstGeom>
+        </p:spPr>
+      </p:pic>
     </p:spTree>
     <p:extLst>
       <p:ext uri="{BB962C8B-B14F-4D97-AF65-F5344CB8AC3E}">
-        <p14:creationId xmlns:p14="http://schemas.microsoft.com/office/powerpoint/2010/main" val="149052092"/>
+        <p14:creationId xmlns:p14="http://schemas.microsoft.com/office/powerpoint/2010/main" val="2211546344"/>
       </p:ext>
     </p:extLst>
   </p:cSld>

--- a/Examples/Example19/0-ConsolidatedResultsExample19toExample21_optimized_map_mcmc_images.pptx
+++ b/Examples/Example19/0-ConsolidatedResultsExample19toExample21_optimized_map_mcmc_images.pptx
@@ -9,6 +9,9 @@
     <p:sldId id="256" r:id="rId3"/>
     <p:sldId id="257" r:id="rId4"/>
     <p:sldId id="258" r:id="rId5"/>
+    <p:sldId id="260" r:id="rId6"/>
+    <p:sldId id="261" r:id="rId7"/>
+    <p:sldId id="262" r:id="rId8"/>
   </p:sldIdLst>
   <p:sldSz cx="12192000" cy="6858000"/>
   <p:notesSz cx="6858000" cy="9144000"/>
@@ -4259,7 +4262,7 @@
                   <a:latin typeface="Arial" panose="020B0604020202020204" pitchFamily="34" charset="0"/>
                   <a:cs typeface="Arial" panose="020B0604020202020204" pitchFamily="34" charset="0"/>
                 </a:rPr>
-                <a:t>A1 </a:t>
+                <a:t>A1</a:t>
               </a:r>
               <a:r>
                 <a:rPr lang="en-US" sz="700" b="1" dirty="0">
@@ -4271,7 +4274,7 @@
                   <a:latin typeface="Arial" panose="020B0604020202020204" pitchFamily="34" charset="0"/>
                   <a:cs typeface="Arial" panose="020B0604020202020204" pitchFamily="34" charset="0"/>
                 </a:rPr>
-                <a:t>(kJ mol</a:t>
+                <a:t>(0) (kJ mol</a:t>
               </a:r>
               <a:r>
                 <a:rPr lang="en-US" sz="700" b="1" baseline="30000" dirty="0">
@@ -4367,7 +4370,31 @@
                   <a:latin typeface="Arial" panose="020B0604020202020204" pitchFamily="34" charset="0"/>
                   <a:cs typeface="Arial" panose="020B0604020202020204" pitchFamily="34" charset="0"/>
                 </a:rPr>
-                <a:t>A1 </a:t>
+                <a:t>A1</a:t>
+              </a:r>
+              <a:r>
+                <a:rPr lang="en-US" sz="700" b="1" dirty="0">
+                  <a:solidFill>
+                    <a:schemeClr val="bg2">
+                      <a:lumMod val="25000"/>
+                    </a:schemeClr>
+                  </a:solidFill>
+                  <a:latin typeface="Arial" panose="020B0604020202020204" pitchFamily="34" charset="0"/>
+                  <a:cs typeface="Arial" panose="020B0604020202020204" pitchFamily="34" charset="0"/>
+                </a:rPr>
+                <a:t>(0)</a:t>
+              </a:r>
+              <a:r>
+                <a:rPr lang="en-US" sz="700" b="1" baseline="-25000" dirty="0">
+                  <a:solidFill>
+                    <a:schemeClr val="bg2">
+                      <a:lumMod val="25000"/>
+                    </a:schemeClr>
+                  </a:solidFill>
+                  <a:latin typeface="Arial" panose="020B0604020202020204" pitchFamily="34" charset="0"/>
+                  <a:cs typeface="Arial" panose="020B0604020202020204" pitchFamily="34" charset="0"/>
+                </a:rPr>
+                <a:t> </a:t>
               </a:r>
               <a:r>
                 <a:rPr lang="en-US" sz="700" b="1" dirty="0">
@@ -4475,7 +4502,31 @@
                   <a:latin typeface="Arial" panose="020B0604020202020204" pitchFamily="34" charset="0"/>
                   <a:cs typeface="Arial" panose="020B0604020202020204" pitchFamily="34" charset="0"/>
                 </a:rPr>
-                <a:t>A2 </a:t>
+                <a:t>A2</a:t>
+              </a:r>
+              <a:r>
+                <a:rPr lang="en-US" sz="700" b="1" dirty="0">
+                  <a:solidFill>
+                    <a:schemeClr val="bg2">
+                      <a:lumMod val="25000"/>
+                    </a:schemeClr>
+                  </a:solidFill>
+                  <a:latin typeface="Arial" panose="020B0604020202020204" pitchFamily="34" charset="0"/>
+                  <a:cs typeface="Arial" panose="020B0604020202020204" pitchFamily="34" charset="0"/>
+                </a:rPr>
+                <a:t>(0)</a:t>
+              </a:r>
+              <a:r>
+                <a:rPr lang="en-US" sz="700" b="1" baseline="-25000" dirty="0">
+                  <a:solidFill>
+                    <a:schemeClr val="bg2">
+                      <a:lumMod val="25000"/>
+                    </a:schemeClr>
+                  </a:solidFill>
+                  <a:latin typeface="Arial" panose="020B0604020202020204" pitchFamily="34" charset="0"/>
+                  <a:cs typeface="Arial" panose="020B0604020202020204" pitchFamily="34" charset="0"/>
+                </a:rPr>
+                <a:t> </a:t>
               </a:r>
               <a:r>
                 <a:rPr lang="en-US" sz="700" b="1" dirty="0">
@@ -4583,7 +4634,31 @@
                   <a:latin typeface="Arial" panose="020B0604020202020204" pitchFamily="34" charset="0"/>
                   <a:cs typeface="Arial" panose="020B0604020202020204" pitchFamily="34" charset="0"/>
                 </a:rPr>
-                <a:t>A2 </a:t>
+                <a:t>A2</a:t>
+              </a:r>
+              <a:r>
+                <a:rPr lang="en-US" sz="700" b="1" dirty="0">
+                  <a:solidFill>
+                    <a:schemeClr val="bg2">
+                      <a:lumMod val="25000"/>
+                    </a:schemeClr>
+                  </a:solidFill>
+                  <a:latin typeface="Arial" panose="020B0604020202020204" pitchFamily="34" charset="0"/>
+                  <a:cs typeface="Arial" panose="020B0604020202020204" pitchFamily="34" charset="0"/>
+                </a:rPr>
+                <a:t>(0)</a:t>
+              </a:r>
+              <a:r>
+                <a:rPr lang="en-US" sz="700" b="1" baseline="-25000" dirty="0">
+                  <a:solidFill>
+                    <a:schemeClr val="bg2">
+                      <a:lumMod val="25000"/>
+                    </a:schemeClr>
+                  </a:solidFill>
+                  <a:latin typeface="Arial" panose="020B0604020202020204" pitchFamily="34" charset="0"/>
+                  <a:cs typeface="Arial" panose="020B0604020202020204" pitchFamily="34" charset="0"/>
+                </a:rPr>
+                <a:t> </a:t>
               </a:r>
               <a:r>
                 <a:rPr lang="en-US" sz="700" b="1" dirty="0">
@@ -5384,10 +5459,10 @@
       </p:sp>
       <p:pic>
         <p:nvPicPr>
-          <p:cNvPr id="65" name="Picture 64">
-            <a:extLst>
-              <a:ext uri="{FF2B5EF4-FFF2-40B4-BE49-F238E27FC236}">
-                <a16:creationId xmlns:a16="http://schemas.microsoft.com/office/drawing/2014/main" id="{61A70198-D004-4DA1-8502-DDCC301378D5}"/>
+          <p:cNvPr id="2" name="Picture 1">
+            <a:extLst>
+              <a:ext uri="{FF2B5EF4-FFF2-40B4-BE49-F238E27FC236}">
+                <a16:creationId xmlns:a16="http://schemas.microsoft.com/office/drawing/2014/main" id="{BECBAAA8-453A-47CF-AC5D-814F5B941296}"/>
               </a:ext>
             </a:extLst>
           </p:cNvPr>
@@ -5404,7 +5479,7 @@
         </p:blipFill>
         <p:spPr>
           <a:xfrm>
-            <a:off x="7747888" y="1560536"/>
+            <a:off x="6880862" y="1497769"/>
             <a:ext cx="2944623" cy="2828789"/>
           </a:xfrm>
           <a:prstGeom prst="rect">
@@ -5806,7 +5881,7 @@
         </p:nvSpPr>
         <p:spPr>
           <a:xfrm>
-            <a:off x="3651250" y="4907578"/>
+            <a:off x="3666490" y="4907578"/>
             <a:ext cx="2228850" cy="923330"/>
           </a:xfrm>
           <a:prstGeom prst="rect">
@@ -6251,7 +6326,7 @@
                   <a:latin typeface="Arial" panose="020B0604020202020204" pitchFamily="34" charset="0"/>
                   <a:cs typeface="Arial" panose="020B0604020202020204" pitchFamily="34" charset="0"/>
                 </a:rPr>
-                <a:t>A1 </a:t>
+                <a:t>A1</a:t>
               </a:r>
               <a:r>
                 <a:rPr lang="en-US" sz="700" b="1" dirty="0">
@@ -6263,7 +6338,7 @@
                   <a:latin typeface="Arial" panose="020B0604020202020204" pitchFamily="34" charset="0"/>
                   <a:cs typeface="Arial" panose="020B0604020202020204" pitchFamily="34" charset="0"/>
                 </a:rPr>
-                <a:t>(kJ mol</a:t>
+                <a:t>(0) (kJ mol</a:t>
               </a:r>
               <a:r>
                 <a:rPr lang="en-US" sz="700" b="1" baseline="30000" dirty="0">
@@ -6359,7 +6434,31 @@
                   <a:latin typeface="Arial" panose="020B0604020202020204" pitchFamily="34" charset="0"/>
                   <a:cs typeface="Arial" panose="020B0604020202020204" pitchFamily="34" charset="0"/>
                 </a:rPr>
-                <a:t>A1 </a:t>
+                <a:t>A1</a:t>
+              </a:r>
+              <a:r>
+                <a:rPr lang="en-US" sz="700" b="1" dirty="0">
+                  <a:solidFill>
+                    <a:schemeClr val="bg2">
+                      <a:lumMod val="25000"/>
+                    </a:schemeClr>
+                  </a:solidFill>
+                  <a:latin typeface="Arial" panose="020B0604020202020204" pitchFamily="34" charset="0"/>
+                  <a:cs typeface="Arial" panose="020B0604020202020204" pitchFamily="34" charset="0"/>
+                </a:rPr>
+                <a:t>(0)</a:t>
+              </a:r>
+              <a:r>
+                <a:rPr lang="en-US" sz="700" b="1" baseline="-25000" dirty="0">
+                  <a:solidFill>
+                    <a:schemeClr val="bg2">
+                      <a:lumMod val="25000"/>
+                    </a:schemeClr>
+                  </a:solidFill>
+                  <a:latin typeface="Arial" panose="020B0604020202020204" pitchFamily="34" charset="0"/>
+                  <a:cs typeface="Arial" panose="020B0604020202020204" pitchFamily="34" charset="0"/>
+                </a:rPr>
+                <a:t> </a:t>
               </a:r>
               <a:r>
                 <a:rPr lang="en-US" sz="700" b="1" dirty="0">
@@ -6467,7 +6566,31 @@
                   <a:latin typeface="Arial" panose="020B0604020202020204" pitchFamily="34" charset="0"/>
                   <a:cs typeface="Arial" panose="020B0604020202020204" pitchFamily="34" charset="0"/>
                 </a:rPr>
-                <a:t>A2 </a:t>
+                <a:t>A2</a:t>
+              </a:r>
+              <a:r>
+                <a:rPr lang="en-US" sz="700" b="1" dirty="0">
+                  <a:solidFill>
+                    <a:schemeClr val="bg2">
+                      <a:lumMod val="25000"/>
+                    </a:schemeClr>
+                  </a:solidFill>
+                  <a:latin typeface="Arial" panose="020B0604020202020204" pitchFamily="34" charset="0"/>
+                  <a:cs typeface="Arial" panose="020B0604020202020204" pitchFamily="34" charset="0"/>
+                </a:rPr>
+                <a:t>(0)</a:t>
+              </a:r>
+              <a:r>
+                <a:rPr lang="en-US" sz="700" b="1" baseline="-25000" dirty="0">
+                  <a:solidFill>
+                    <a:schemeClr val="bg2">
+                      <a:lumMod val="25000"/>
+                    </a:schemeClr>
+                  </a:solidFill>
+                  <a:latin typeface="Arial" panose="020B0604020202020204" pitchFamily="34" charset="0"/>
+                  <a:cs typeface="Arial" panose="020B0604020202020204" pitchFamily="34" charset="0"/>
+                </a:rPr>
+                <a:t> </a:t>
               </a:r>
               <a:r>
                 <a:rPr lang="en-US" sz="700" b="1" dirty="0">
@@ -6575,7 +6698,31 @@
                   <a:latin typeface="Arial" panose="020B0604020202020204" pitchFamily="34" charset="0"/>
                   <a:cs typeface="Arial" panose="020B0604020202020204" pitchFamily="34" charset="0"/>
                 </a:rPr>
-                <a:t>A2 </a:t>
+                <a:t>A2</a:t>
+              </a:r>
+              <a:r>
+                <a:rPr lang="en-US" sz="700" b="1" dirty="0">
+                  <a:solidFill>
+                    <a:schemeClr val="bg2">
+                      <a:lumMod val="25000"/>
+                    </a:schemeClr>
+                  </a:solidFill>
+                  <a:latin typeface="Arial" panose="020B0604020202020204" pitchFamily="34" charset="0"/>
+                  <a:cs typeface="Arial" panose="020B0604020202020204" pitchFamily="34" charset="0"/>
+                </a:rPr>
+                <a:t>(0)</a:t>
+              </a:r>
+              <a:r>
+                <a:rPr lang="en-US" sz="700" b="1" baseline="-25000" dirty="0">
+                  <a:solidFill>
+                    <a:schemeClr val="bg2">
+                      <a:lumMod val="25000"/>
+                    </a:schemeClr>
+                  </a:solidFill>
+                  <a:latin typeface="Arial" panose="020B0604020202020204" pitchFamily="34" charset="0"/>
+                  <a:cs typeface="Arial" panose="020B0604020202020204" pitchFamily="34" charset="0"/>
+                </a:rPr>
+                <a:t> </a:t>
               </a:r>
               <a:r>
                 <a:rPr lang="en-US" sz="700" b="1" dirty="0">
@@ -7376,10 +7523,10 @@
       </p:sp>
       <p:pic>
         <p:nvPicPr>
-          <p:cNvPr id="8" name="Picture 7">
-            <a:extLst>
-              <a:ext uri="{FF2B5EF4-FFF2-40B4-BE49-F238E27FC236}">
-                <a16:creationId xmlns:a16="http://schemas.microsoft.com/office/drawing/2014/main" id="{F230EA6B-12AA-4D6C-81B7-C95174A883C7}"/>
+          <p:cNvPr id="4" name="Picture 3">
+            <a:extLst>
+              <a:ext uri="{FF2B5EF4-FFF2-40B4-BE49-F238E27FC236}">
+                <a16:creationId xmlns:a16="http://schemas.microsoft.com/office/drawing/2014/main" id="{D355E3FE-DC91-4B00-987A-72D85EA33EDC}"/>
               </a:ext>
             </a:extLst>
           </p:cNvPr>
@@ -7396,7 +7543,7 @@
         </p:blipFill>
         <p:spPr>
           <a:xfrm>
-            <a:off x="7725536" y="1520398"/>
+            <a:off x="7080376" y="1560486"/>
             <a:ext cx="2938527" cy="2834886"/>
           </a:xfrm>
           <a:prstGeom prst="rect">
@@ -8563,7 +8710,31 @@
                   <a:latin typeface="Arial" panose="020B0604020202020204" pitchFamily="34" charset="0"/>
                   <a:cs typeface="Arial" panose="020B0604020202020204" pitchFamily="34" charset="0"/>
                 </a:rPr>
-                <a:t>A1 </a:t>
+                <a:t>A1</a:t>
+              </a:r>
+              <a:r>
+                <a:rPr lang="en-US" sz="700" b="1" dirty="0">
+                  <a:solidFill>
+                    <a:schemeClr val="bg2">
+                      <a:lumMod val="25000"/>
+                    </a:schemeClr>
+                  </a:solidFill>
+                  <a:latin typeface="Arial" panose="020B0604020202020204" pitchFamily="34" charset="0"/>
+                  <a:cs typeface="Arial" panose="020B0604020202020204" pitchFamily="34" charset="0"/>
+                </a:rPr>
+                <a:t>(0)</a:t>
+              </a:r>
+              <a:r>
+                <a:rPr lang="en-US" sz="700" b="1" baseline="-25000" dirty="0">
+                  <a:solidFill>
+                    <a:schemeClr val="bg2">
+                      <a:lumMod val="25000"/>
+                    </a:schemeClr>
+                  </a:solidFill>
+                  <a:latin typeface="Arial" panose="020B0604020202020204" pitchFamily="34" charset="0"/>
+                  <a:cs typeface="Arial" panose="020B0604020202020204" pitchFamily="34" charset="0"/>
+                </a:rPr>
+                <a:t> </a:t>
               </a:r>
               <a:r>
                 <a:rPr lang="en-US" sz="700" b="1" dirty="0">
@@ -8671,7 +8842,31 @@
                   <a:latin typeface="Arial" panose="020B0604020202020204" pitchFamily="34" charset="0"/>
                   <a:cs typeface="Arial" panose="020B0604020202020204" pitchFamily="34" charset="0"/>
                 </a:rPr>
-                <a:t>A1 </a:t>
+                <a:t>A1</a:t>
+              </a:r>
+              <a:r>
+                <a:rPr lang="en-US" sz="700" b="1" dirty="0">
+                  <a:solidFill>
+                    <a:schemeClr val="bg2">
+                      <a:lumMod val="25000"/>
+                    </a:schemeClr>
+                  </a:solidFill>
+                  <a:latin typeface="Arial" panose="020B0604020202020204" pitchFamily="34" charset="0"/>
+                  <a:cs typeface="Arial" panose="020B0604020202020204" pitchFamily="34" charset="0"/>
+                </a:rPr>
+                <a:t>(0)</a:t>
+              </a:r>
+              <a:r>
+                <a:rPr lang="en-US" sz="700" b="1" baseline="-25000" dirty="0">
+                  <a:solidFill>
+                    <a:schemeClr val="bg2">
+                      <a:lumMod val="25000"/>
+                    </a:schemeClr>
+                  </a:solidFill>
+                  <a:latin typeface="Arial" panose="020B0604020202020204" pitchFamily="34" charset="0"/>
+                  <a:cs typeface="Arial" panose="020B0604020202020204" pitchFamily="34" charset="0"/>
+                </a:rPr>
+                <a:t> </a:t>
               </a:r>
               <a:r>
                 <a:rPr lang="en-US" sz="700" b="1" dirty="0">
@@ -9347,10 +9542,10 @@
       </p:sp>
       <p:pic>
         <p:nvPicPr>
-          <p:cNvPr id="108" name="Picture 107">
-            <a:extLst>
-              <a:ext uri="{FF2B5EF4-FFF2-40B4-BE49-F238E27FC236}">
-                <a16:creationId xmlns:a16="http://schemas.microsoft.com/office/drawing/2014/main" id="{72337060-AD75-4956-B022-4983266D52C9}"/>
+          <p:cNvPr id="2" name="Picture 1">
+            <a:extLst>
+              <a:ext uri="{FF2B5EF4-FFF2-40B4-BE49-F238E27FC236}">
+                <a16:creationId xmlns:a16="http://schemas.microsoft.com/office/drawing/2014/main" id="{7D2E3614-694E-41A6-9B5C-A4D071C29610}"/>
               </a:ext>
             </a:extLst>
           </p:cNvPr>
@@ -9367,7 +9562,7 @@
         </p:blipFill>
         <p:spPr>
           <a:xfrm>
-            <a:off x="7259904" y="2146234"/>
+            <a:off x="6779704" y="1545205"/>
             <a:ext cx="2932430" cy="1426588"/>
           </a:xfrm>
           <a:prstGeom prst="rect">
@@ -9379,6 +9574,687 @@
     <p:extLst>
       <p:ext uri="{BB962C8B-B14F-4D97-AF65-F5344CB8AC3E}">
         <p14:creationId xmlns:p14="http://schemas.microsoft.com/office/powerpoint/2010/main" val="2211546344"/>
+      </p:ext>
+    </p:extLst>
+  </p:cSld>
+  <p:clrMapOvr>
+    <a:masterClrMapping/>
+  </p:clrMapOvr>
+</p:sld>
+</file>
+
+<file path=ppt/slides/slide5.xml><?xml version="1.0" encoding="utf-8"?>
+<p:sld xmlns:a="http://schemas.openxmlformats.org/drawingml/2006/main" xmlns:r="http://schemas.openxmlformats.org/officeDocument/2006/relationships" xmlns:p="http://schemas.openxmlformats.org/presentationml/2006/main">
+  <p:cSld>
+    <p:spTree>
+      <p:nvGrpSpPr>
+        <p:cNvPr id="1" name=""/>
+        <p:cNvGrpSpPr/>
+        <p:nvPr/>
+      </p:nvGrpSpPr>
+      <p:grpSpPr>
+        <a:xfrm>
+          <a:off x="0" y="0"/>
+          <a:ext cx="0" cy="0"/>
+          <a:chOff x="0" y="0"/>
+          <a:chExt cx="0" cy="0"/>
+        </a:xfrm>
+      </p:grpSpPr>
+      <p:sp>
+        <p:nvSpPr>
+          <p:cNvPr id="4" name="TextBox 3">
+            <a:extLst>
+              <a:ext uri="{FF2B5EF4-FFF2-40B4-BE49-F238E27FC236}">
+                <a16:creationId xmlns:a16="http://schemas.microsoft.com/office/drawing/2014/main" id="{3C7B2B62-0589-4F20-A8BC-186FD8BF2D7F}"/>
+              </a:ext>
+            </a:extLst>
+          </p:cNvPr>
+          <p:cNvSpPr txBox="1"/>
+          <p:nvPr/>
+        </p:nvSpPr>
+        <p:spPr>
+          <a:xfrm>
+            <a:off x="3651250" y="4907578"/>
+            <a:ext cx="2228850" cy="923330"/>
+          </a:xfrm>
+          <a:prstGeom prst="rect">
+            <a:avLst/>
+          </a:prstGeom>
+          <a:noFill/>
+        </p:spPr>
+        <p:txBody>
+          <a:bodyPr wrap="square" rtlCol="0">
+            <a:spAutoFit/>
+          </a:bodyPr>
+          <a:lstStyle/>
+          <a:p>
+            <a:r>
+              <a:rPr lang="en-US" dirty="0"/>
+              <a:t>CPE &amp; BPE with Model A &amp; 0.0050</a:t>
+            </a:r>
+          </a:p>
+          <a:p>
+            <a:r>
+              <a:rPr lang="en-US" dirty="0"/>
+              <a:t>Aka Example 19</a:t>
+            </a:r>
+          </a:p>
+        </p:txBody>
+      </p:sp>
+      <p:pic>
+        <p:nvPicPr>
+          <p:cNvPr id="7" name="Picture 6">
+            <a:extLst>
+              <a:ext uri="{FF2B5EF4-FFF2-40B4-BE49-F238E27FC236}">
+                <a16:creationId xmlns:a16="http://schemas.microsoft.com/office/drawing/2014/main" id="{915B6FC2-B95A-441A-A406-BF0C21B5CD24}"/>
+              </a:ext>
+            </a:extLst>
+          </p:cNvPr>
+          <p:cNvPicPr/>
+          <p:nvPr/>
+        </p:nvPicPr>
+        <p:blipFill>
+          <a:blip r:embed="rId2"/>
+          <a:stretch>
+            <a:fillRect/>
+          </a:stretch>
+        </p:blipFill>
+        <p:spPr>
+          <a:xfrm>
+            <a:off x="1240790" y="848042"/>
+            <a:ext cx="2578100" cy="1702435"/>
+          </a:xfrm>
+          <a:prstGeom prst="rect">
+            <a:avLst/>
+          </a:prstGeom>
+        </p:spPr>
+      </p:pic>
+      <p:pic>
+        <p:nvPicPr>
+          <p:cNvPr id="8" name="Picture 7">
+            <a:extLst>
+              <a:ext uri="{FF2B5EF4-FFF2-40B4-BE49-F238E27FC236}">
+                <a16:creationId xmlns:a16="http://schemas.microsoft.com/office/drawing/2014/main" id="{AC58CAC3-D5EE-4C66-A0B9-66E7AB14AD89}"/>
+              </a:ext>
+            </a:extLst>
+          </p:cNvPr>
+          <p:cNvPicPr/>
+          <p:nvPr/>
+        </p:nvPicPr>
+        <p:blipFill>
+          <a:blip r:embed="rId3"/>
+          <a:stretch>
+            <a:fillRect/>
+          </a:stretch>
+        </p:blipFill>
+        <p:spPr>
+          <a:xfrm>
+            <a:off x="1240790" y="2550477"/>
+            <a:ext cx="2578100" cy="1702435"/>
+          </a:xfrm>
+          <a:prstGeom prst="rect">
+            <a:avLst/>
+          </a:prstGeom>
+        </p:spPr>
+      </p:pic>
+      <p:sp>
+        <p:nvSpPr>
+          <p:cNvPr id="9" name="TextBox 8">
+            <a:extLst>
+              <a:ext uri="{FF2B5EF4-FFF2-40B4-BE49-F238E27FC236}">
+                <a16:creationId xmlns:a16="http://schemas.microsoft.com/office/drawing/2014/main" id="{7A196555-46C1-49EB-8C46-1E55C2777068}"/>
+              </a:ext>
+            </a:extLst>
+          </p:cNvPr>
+          <p:cNvSpPr txBox="1"/>
+          <p:nvPr/>
+        </p:nvSpPr>
+        <p:spPr>
+          <a:xfrm>
+            <a:off x="1653540" y="893762"/>
+            <a:ext cx="641350" cy="323165"/>
+          </a:xfrm>
+          <a:prstGeom prst="rect">
+            <a:avLst/>
+          </a:prstGeom>
+          <a:noFill/>
+        </p:spPr>
+        <p:txBody>
+          <a:bodyPr wrap="square" rtlCol="0">
+            <a:spAutoFit/>
+          </a:bodyPr>
+          <a:lstStyle/>
+          <a:p>
+            <a:r>
+              <a:rPr lang="en-US" sz="1500" b="1" dirty="0"/>
+              <a:t>CPE</a:t>
+            </a:r>
+          </a:p>
+        </p:txBody>
+      </p:sp>
+      <p:sp>
+        <p:nvSpPr>
+          <p:cNvPr id="10" name="TextBox 9">
+            <a:extLst>
+              <a:ext uri="{FF2B5EF4-FFF2-40B4-BE49-F238E27FC236}">
+                <a16:creationId xmlns:a16="http://schemas.microsoft.com/office/drawing/2014/main" id="{1CBF51D0-E2B0-4F0B-BF42-9834D3D8E934}"/>
+              </a:ext>
+            </a:extLst>
+          </p:cNvPr>
+          <p:cNvSpPr txBox="1"/>
+          <p:nvPr/>
+        </p:nvSpPr>
+        <p:spPr>
+          <a:xfrm>
+            <a:off x="1663700" y="2603817"/>
+            <a:ext cx="641350" cy="323165"/>
+          </a:xfrm>
+          <a:prstGeom prst="rect">
+            <a:avLst/>
+          </a:prstGeom>
+          <a:noFill/>
+        </p:spPr>
+        <p:txBody>
+          <a:bodyPr wrap="square" rtlCol="0">
+            <a:spAutoFit/>
+          </a:bodyPr>
+          <a:lstStyle/>
+          <a:p>
+            <a:r>
+              <a:rPr lang="en-US" sz="1500" b="1" dirty="0"/>
+              <a:t>BPE</a:t>
+            </a:r>
+          </a:p>
+        </p:txBody>
+      </p:sp>
+      <p:pic>
+        <p:nvPicPr>
+          <p:cNvPr id="20" name="Picture 19">
+            <a:extLst>
+              <a:ext uri="{FF2B5EF4-FFF2-40B4-BE49-F238E27FC236}">
+                <a16:creationId xmlns:a16="http://schemas.microsoft.com/office/drawing/2014/main" id="{32D763CF-5053-4755-A11C-A3A0A2412276}"/>
+              </a:ext>
+            </a:extLst>
+          </p:cNvPr>
+          <p:cNvPicPr>
+            <a:picLocks noChangeAspect="1"/>
+          </p:cNvPicPr>
+          <p:nvPr/>
+        </p:nvPicPr>
+        <p:blipFill>
+          <a:blip r:embed="rId4"/>
+          <a:stretch>
+            <a:fillRect/>
+          </a:stretch>
+        </p:blipFill>
+        <p:spPr>
+          <a:xfrm>
+            <a:off x="7343282" y="1055344"/>
+            <a:ext cx="2572735" cy="3407959"/>
+          </a:xfrm>
+          <a:prstGeom prst="rect">
+            <a:avLst/>
+          </a:prstGeom>
+        </p:spPr>
+      </p:pic>
+    </p:spTree>
+    <p:extLst>
+      <p:ext uri="{BB962C8B-B14F-4D97-AF65-F5344CB8AC3E}">
+        <p14:creationId xmlns:p14="http://schemas.microsoft.com/office/powerpoint/2010/main" val="2644369571"/>
+      </p:ext>
+    </p:extLst>
+  </p:cSld>
+  <p:clrMapOvr>
+    <a:masterClrMapping/>
+  </p:clrMapOvr>
+</p:sld>
+</file>
+
+<file path=ppt/slides/slide6.xml><?xml version="1.0" encoding="utf-8"?>
+<p:sld xmlns:a="http://schemas.openxmlformats.org/drawingml/2006/main" xmlns:r="http://schemas.openxmlformats.org/officeDocument/2006/relationships" xmlns:p="http://schemas.openxmlformats.org/presentationml/2006/main">
+  <p:cSld>
+    <p:spTree>
+      <p:nvGrpSpPr>
+        <p:cNvPr id="1" name=""/>
+        <p:cNvGrpSpPr/>
+        <p:nvPr/>
+      </p:nvGrpSpPr>
+      <p:grpSpPr>
+        <a:xfrm>
+          <a:off x="0" y="0"/>
+          <a:ext cx="0" cy="0"/>
+          <a:chOff x="0" y="0"/>
+          <a:chExt cx="0" cy="0"/>
+        </a:xfrm>
+      </p:grpSpPr>
+      <p:sp>
+        <p:nvSpPr>
+          <p:cNvPr id="3" name="TextBox 2">
+            <a:extLst>
+              <a:ext uri="{FF2B5EF4-FFF2-40B4-BE49-F238E27FC236}">
+                <a16:creationId xmlns:a16="http://schemas.microsoft.com/office/drawing/2014/main" id="{C7EAD80D-7D17-4914-B221-C852AC0DA36B}"/>
+              </a:ext>
+            </a:extLst>
+          </p:cNvPr>
+          <p:cNvSpPr txBox="1"/>
+          <p:nvPr/>
+        </p:nvSpPr>
+        <p:spPr>
+          <a:xfrm>
+            <a:off x="3651250" y="4907578"/>
+            <a:ext cx="2228850" cy="923330"/>
+          </a:xfrm>
+          <a:prstGeom prst="rect">
+            <a:avLst/>
+          </a:prstGeom>
+          <a:noFill/>
+        </p:spPr>
+        <p:txBody>
+          <a:bodyPr wrap="square" rtlCol="0">
+            <a:spAutoFit/>
+          </a:bodyPr>
+          <a:lstStyle/>
+          <a:p>
+            <a:r>
+              <a:rPr lang="en-US" dirty="0"/>
+              <a:t>CPE &amp; BPE with Model B &amp; 0.0050</a:t>
+            </a:r>
+          </a:p>
+          <a:p>
+            <a:r>
+              <a:rPr lang="en-US" dirty="0"/>
+              <a:t>Aka Example 20</a:t>
+            </a:r>
+          </a:p>
+        </p:txBody>
+      </p:sp>
+      <p:pic>
+        <p:nvPicPr>
+          <p:cNvPr id="5" name="Picture 4">
+            <a:extLst>
+              <a:ext uri="{FF2B5EF4-FFF2-40B4-BE49-F238E27FC236}">
+                <a16:creationId xmlns:a16="http://schemas.microsoft.com/office/drawing/2014/main" id="{D3309002-37F7-4FC1-B831-28D0EF810231}"/>
+              </a:ext>
+            </a:extLst>
+          </p:cNvPr>
+          <p:cNvPicPr/>
+          <p:nvPr/>
+        </p:nvPicPr>
+        <p:blipFill>
+          <a:blip r:embed="rId2"/>
+          <a:stretch>
+            <a:fillRect/>
+          </a:stretch>
+        </p:blipFill>
+        <p:spPr>
+          <a:xfrm>
+            <a:off x="2511425" y="691832"/>
+            <a:ext cx="2578100" cy="1702435"/>
+          </a:xfrm>
+          <a:prstGeom prst="rect">
+            <a:avLst/>
+          </a:prstGeom>
+        </p:spPr>
+      </p:pic>
+      <p:pic>
+        <p:nvPicPr>
+          <p:cNvPr id="6" name="Picture 5">
+            <a:extLst>
+              <a:ext uri="{FF2B5EF4-FFF2-40B4-BE49-F238E27FC236}">
+                <a16:creationId xmlns:a16="http://schemas.microsoft.com/office/drawing/2014/main" id="{6B75B835-6BA7-4D54-B89F-23E2BE948321}"/>
+              </a:ext>
+            </a:extLst>
+          </p:cNvPr>
+          <p:cNvPicPr/>
+          <p:nvPr/>
+        </p:nvPicPr>
+        <p:blipFill>
+          <a:blip r:embed="rId3"/>
+          <a:stretch>
+            <a:fillRect/>
+          </a:stretch>
+        </p:blipFill>
+        <p:spPr>
+          <a:xfrm>
+            <a:off x="2511425" y="2394267"/>
+            <a:ext cx="2578100" cy="1702435"/>
+          </a:xfrm>
+          <a:prstGeom prst="rect">
+            <a:avLst/>
+          </a:prstGeom>
+        </p:spPr>
+      </p:pic>
+      <p:sp>
+        <p:nvSpPr>
+          <p:cNvPr id="8" name="TextBox 7">
+            <a:extLst>
+              <a:ext uri="{FF2B5EF4-FFF2-40B4-BE49-F238E27FC236}">
+                <a16:creationId xmlns:a16="http://schemas.microsoft.com/office/drawing/2014/main" id="{59CC615E-5990-4E28-877D-9AF9B50441E7}"/>
+              </a:ext>
+            </a:extLst>
+          </p:cNvPr>
+          <p:cNvSpPr txBox="1"/>
+          <p:nvPr/>
+        </p:nvSpPr>
+        <p:spPr>
+          <a:xfrm>
+            <a:off x="2923540" y="732502"/>
+            <a:ext cx="641350" cy="323165"/>
+          </a:xfrm>
+          <a:prstGeom prst="rect">
+            <a:avLst/>
+          </a:prstGeom>
+          <a:noFill/>
+        </p:spPr>
+        <p:txBody>
+          <a:bodyPr wrap="square" rtlCol="0">
+            <a:spAutoFit/>
+          </a:bodyPr>
+          <a:lstStyle/>
+          <a:p>
+            <a:r>
+              <a:rPr lang="en-US" sz="1500" b="1" dirty="0"/>
+              <a:t>CPE</a:t>
+            </a:r>
+          </a:p>
+        </p:txBody>
+      </p:sp>
+      <p:sp>
+        <p:nvSpPr>
+          <p:cNvPr id="9" name="TextBox 8">
+            <a:extLst>
+              <a:ext uri="{FF2B5EF4-FFF2-40B4-BE49-F238E27FC236}">
+                <a16:creationId xmlns:a16="http://schemas.microsoft.com/office/drawing/2014/main" id="{8B292350-D820-482C-8AF1-DE143B8DE5DC}"/>
+              </a:ext>
+            </a:extLst>
+          </p:cNvPr>
+          <p:cNvSpPr txBox="1"/>
+          <p:nvPr/>
+        </p:nvSpPr>
+        <p:spPr>
+          <a:xfrm>
+            <a:off x="2933700" y="2442557"/>
+            <a:ext cx="641350" cy="323165"/>
+          </a:xfrm>
+          <a:prstGeom prst="rect">
+            <a:avLst/>
+          </a:prstGeom>
+          <a:noFill/>
+        </p:spPr>
+        <p:txBody>
+          <a:bodyPr wrap="square" rtlCol="0">
+            <a:spAutoFit/>
+          </a:bodyPr>
+          <a:lstStyle/>
+          <a:p>
+            <a:r>
+              <a:rPr lang="en-US" sz="1500" b="1" dirty="0"/>
+              <a:t>BPE</a:t>
+            </a:r>
+          </a:p>
+        </p:txBody>
+      </p:sp>
+      <p:pic>
+        <p:nvPicPr>
+          <p:cNvPr id="2" name="Picture 1">
+            <a:extLst>
+              <a:ext uri="{FF2B5EF4-FFF2-40B4-BE49-F238E27FC236}">
+                <a16:creationId xmlns:a16="http://schemas.microsoft.com/office/drawing/2014/main" id="{E60C8BBE-84A7-4109-92AE-9EDF2FEC3E9A}"/>
+              </a:ext>
+            </a:extLst>
+          </p:cNvPr>
+          <p:cNvPicPr>
+            <a:picLocks noChangeAspect="1"/>
+          </p:cNvPicPr>
+          <p:nvPr/>
+        </p:nvPicPr>
+        <p:blipFill>
+          <a:blip r:embed="rId4"/>
+          <a:stretch>
+            <a:fillRect/>
+          </a:stretch>
+        </p:blipFill>
+        <p:spPr>
+          <a:xfrm>
+            <a:off x="7492634" y="691832"/>
+            <a:ext cx="2578832" cy="3407959"/>
+          </a:xfrm>
+          <a:prstGeom prst="rect">
+            <a:avLst/>
+          </a:prstGeom>
+        </p:spPr>
+      </p:pic>
+    </p:spTree>
+    <p:extLst>
+      <p:ext uri="{BB962C8B-B14F-4D97-AF65-F5344CB8AC3E}">
+        <p14:creationId xmlns:p14="http://schemas.microsoft.com/office/powerpoint/2010/main" val="2560766088"/>
+      </p:ext>
+    </p:extLst>
+  </p:cSld>
+  <p:clrMapOvr>
+    <a:masterClrMapping/>
+  </p:clrMapOvr>
+</p:sld>
+</file>
+
+<file path=ppt/slides/slide7.xml><?xml version="1.0" encoding="utf-8"?>
+<p:sld xmlns:a="http://schemas.openxmlformats.org/drawingml/2006/main" xmlns:r="http://schemas.openxmlformats.org/officeDocument/2006/relationships" xmlns:p="http://schemas.openxmlformats.org/presentationml/2006/main">
+  <p:cSld>
+    <p:spTree>
+      <p:nvGrpSpPr>
+        <p:cNvPr id="1" name=""/>
+        <p:cNvGrpSpPr/>
+        <p:nvPr/>
+      </p:nvGrpSpPr>
+      <p:grpSpPr>
+        <a:xfrm>
+          <a:off x="0" y="0"/>
+          <a:ext cx="0" cy="0"/>
+          <a:chOff x="0" y="0"/>
+          <a:chExt cx="0" cy="0"/>
+        </a:xfrm>
+      </p:grpSpPr>
+      <p:sp>
+        <p:nvSpPr>
+          <p:cNvPr id="3" name="TextBox 2">
+            <a:extLst>
+              <a:ext uri="{FF2B5EF4-FFF2-40B4-BE49-F238E27FC236}">
+                <a16:creationId xmlns:a16="http://schemas.microsoft.com/office/drawing/2014/main" id="{7D8A769E-D4F4-4E20-9CFC-A45DFF2C12A7}"/>
+              </a:ext>
+            </a:extLst>
+          </p:cNvPr>
+          <p:cNvSpPr txBox="1"/>
+          <p:nvPr/>
+        </p:nvSpPr>
+        <p:spPr>
+          <a:xfrm>
+            <a:off x="3651250" y="4907578"/>
+            <a:ext cx="2228850" cy="923330"/>
+          </a:xfrm>
+          <a:prstGeom prst="rect">
+            <a:avLst/>
+          </a:prstGeom>
+          <a:noFill/>
+        </p:spPr>
+        <p:txBody>
+          <a:bodyPr wrap="square" rtlCol="0">
+            <a:spAutoFit/>
+          </a:bodyPr>
+          <a:lstStyle/>
+          <a:p>
+            <a:r>
+              <a:rPr lang="en-US" dirty="0"/>
+              <a:t>CPE &amp; BPE with Model C &amp; 0.0050</a:t>
+            </a:r>
+          </a:p>
+          <a:p>
+            <a:r>
+              <a:rPr lang="en-US" dirty="0"/>
+              <a:t>Aka Example 21</a:t>
+            </a:r>
+          </a:p>
+        </p:txBody>
+      </p:sp>
+      <p:pic>
+        <p:nvPicPr>
+          <p:cNvPr id="5" name="Picture 4">
+            <a:extLst>
+              <a:ext uri="{FF2B5EF4-FFF2-40B4-BE49-F238E27FC236}">
+                <a16:creationId xmlns:a16="http://schemas.microsoft.com/office/drawing/2014/main" id="{DCAD1E23-00BB-4DDA-AB19-95BBFBD2F85E}"/>
+              </a:ext>
+            </a:extLst>
+          </p:cNvPr>
+          <p:cNvPicPr/>
+          <p:nvPr/>
+        </p:nvPicPr>
+        <p:blipFill>
+          <a:blip r:embed="rId2"/>
+          <a:stretch>
+            <a:fillRect/>
+          </a:stretch>
+        </p:blipFill>
+        <p:spPr>
+          <a:xfrm>
+            <a:off x="1816100" y="2170092"/>
+            <a:ext cx="2578100" cy="1702435"/>
+          </a:xfrm>
+          <a:prstGeom prst="rect">
+            <a:avLst/>
+          </a:prstGeom>
+        </p:spPr>
+      </p:pic>
+      <p:pic>
+        <p:nvPicPr>
+          <p:cNvPr id="6" name="Picture 5">
+            <a:extLst>
+              <a:ext uri="{FF2B5EF4-FFF2-40B4-BE49-F238E27FC236}">
+                <a16:creationId xmlns:a16="http://schemas.microsoft.com/office/drawing/2014/main" id="{11D8E543-CD9D-4825-BE0B-CD88134CBA90}"/>
+              </a:ext>
+            </a:extLst>
+          </p:cNvPr>
+          <p:cNvPicPr/>
+          <p:nvPr/>
+        </p:nvPicPr>
+        <p:blipFill>
+          <a:blip r:embed="rId3"/>
+          <a:stretch>
+            <a:fillRect/>
+          </a:stretch>
+        </p:blipFill>
+        <p:spPr>
+          <a:xfrm>
+            <a:off x="1816100" y="467657"/>
+            <a:ext cx="2578100" cy="1702435"/>
+          </a:xfrm>
+          <a:prstGeom prst="rect">
+            <a:avLst/>
+          </a:prstGeom>
+        </p:spPr>
+      </p:pic>
+      <p:sp>
+        <p:nvSpPr>
+          <p:cNvPr id="7" name="TextBox 6">
+            <a:extLst>
+              <a:ext uri="{FF2B5EF4-FFF2-40B4-BE49-F238E27FC236}">
+                <a16:creationId xmlns:a16="http://schemas.microsoft.com/office/drawing/2014/main" id="{B9D476F6-05DD-45F1-89DA-03D71F5E41F0}"/>
+              </a:ext>
+            </a:extLst>
+          </p:cNvPr>
+          <p:cNvSpPr txBox="1"/>
+          <p:nvPr/>
+        </p:nvSpPr>
+        <p:spPr>
+          <a:xfrm>
+            <a:off x="2225040" y="512762"/>
+            <a:ext cx="641350" cy="323165"/>
+          </a:xfrm>
+          <a:prstGeom prst="rect">
+            <a:avLst/>
+          </a:prstGeom>
+          <a:noFill/>
+        </p:spPr>
+        <p:txBody>
+          <a:bodyPr wrap="square" rtlCol="0">
+            <a:spAutoFit/>
+          </a:bodyPr>
+          <a:lstStyle/>
+          <a:p>
+            <a:r>
+              <a:rPr lang="en-US" sz="1500" b="1" dirty="0"/>
+              <a:t>CPE</a:t>
+            </a:r>
+          </a:p>
+        </p:txBody>
+      </p:sp>
+      <p:sp>
+        <p:nvSpPr>
+          <p:cNvPr id="8" name="TextBox 7">
+            <a:extLst>
+              <a:ext uri="{FF2B5EF4-FFF2-40B4-BE49-F238E27FC236}">
+                <a16:creationId xmlns:a16="http://schemas.microsoft.com/office/drawing/2014/main" id="{0DDD63BA-0185-44CC-AAD3-822C001E0649}"/>
+              </a:ext>
+            </a:extLst>
+          </p:cNvPr>
+          <p:cNvSpPr txBox="1"/>
+          <p:nvPr/>
+        </p:nvSpPr>
+        <p:spPr>
+          <a:xfrm>
+            <a:off x="2235200" y="2222817"/>
+            <a:ext cx="641350" cy="323165"/>
+          </a:xfrm>
+          <a:prstGeom prst="rect">
+            <a:avLst/>
+          </a:prstGeom>
+          <a:noFill/>
+        </p:spPr>
+        <p:txBody>
+          <a:bodyPr wrap="square" rtlCol="0">
+            <a:spAutoFit/>
+          </a:bodyPr>
+          <a:lstStyle/>
+          <a:p>
+            <a:r>
+              <a:rPr lang="en-US" sz="1500" b="1" dirty="0"/>
+              <a:t>BPE</a:t>
+            </a:r>
+          </a:p>
+        </p:txBody>
+      </p:sp>
+      <p:pic>
+        <p:nvPicPr>
+          <p:cNvPr id="2" name="Picture 1">
+            <a:extLst>
+              <a:ext uri="{FF2B5EF4-FFF2-40B4-BE49-F238E27FC236}">
+                <a16:creationId xmlns:a16="http://schemas.microsoft.com/office/drawing/2014/main" id="{4267F375-A64A-4E93-AF58-625560CC78ED}"/>
+              </a:ext>
+            </a:extLst>
+          </p:cNvPr>
+          <p:cNvPicPr>
+            <a:picLocks noChangeAspect="1"/>
+          </p:cNvPicPr>
+          <p:nvPr/>
+        </p:nvPicPr>
+        <p:blipFill>
+          <a:blip r:embed="rId4"/>
+          <a:stretch>
+            <a:fillRect/>
+          </a:stretch>
+        </p:blipFill>
+        <p:spPr>
+          <a:xfrm>
+            <a:off x="6940184" y="604118"/>
+            <a:ext cx="2578832" cy="3401863"/>
+          </a:xfrm>
+          <a:prstGeom prst="rect">
+            <a:avLst/>
+          </a:prstGeom>
+        </p:spPr>
+      </p:pic>
+    </p:spTree>
+    <p:extLst>
+      <p:ext uri="{BB962C8B-B14F-4D97-AF65-F5344CB8AC3E}">
+        <p14:creationId xmlns:p14="http://schemas.microsoft.com/office/powerpoint/2010/main" val="959872500"/>
       </p:ext>
     </p:extLst>
   </p:cSld>

--- a/Examples/Example19/0-ConsolidatedResultsExample19toExample21_optimized_map_mcmc_images.pptx
+++ b/Examples/Example19/0-ConsolidatedResultsExample19toExample21_optimized_map_mcmc_images.pptx
@@ -265,7 +265,7 @@
           <a:p>
             <a:fld id="{9A20AD26-AFFD-445F-842F-6B164729E2B1}" type="datetimeFigureOut">
               <a:rPr lang="en-US" smtClean="0"/>
-              <a:t>5/11/2020</a:t>
+              <a:t>5/12/2020</a:t>
             </a:fld>
             <a:endParaRPr lang="en-US"/>
           </a:p>
@@ -463,7 +463,7 @@
           <a:p>
             <a:fld id="{9A20AD26-AFFD-445F-842F-6B164729E2B1}" type="datetimeFigureOut">
               <a:rPr lang="en-US" smtClean="0"/>
-              <a:t>5/11/2020</a:t>
+              <a:t>5/12/2020</a:t>
             </a:fld>
             <a:endParaRPr lang="en-US"/>
           </a:p>
@@ -671,7 +671,7 @@
           <a:p>
             <a:fld id="{9A20AD26-AFFD-445F-842F-6B164729E2B1}" type="datetimeFigureOut">
               <a:rPr lang="en-US" smtClean="0"/>
-              <a:t>5/11/2020</a:t>
+              <a:t>5/12/2020</a:t>
             </a:fld>
             <a:endParaRPr lang="en-US"/>
           </a:p>
@@ -869,7 +869,7 @@
           <a:p>
             <a:fld id="{9A20AD26-AFFD-445F-842F-6B164729E2B1}" type="datetimeFigureOut">
               <a:rPr lang="en-US" smtClean="0"/>
-              <a:t>5/11/2020</a:t>
+              <a:t>5/12/2020</a:t>
             </a:fld>
             <a:endParaRPr lang="en-US"/>
           </a:p>
@@ -1144,7 +1144,7 @@
           <a:p>
             <a:fld id="{9A20AD26-AFFD-445F-842F-6B164729E2B1}" type="datetimeFigureOut">
               <a:rPr lang="en-US" smtClean="0"/>
-              <a:t>5/11/2020</a:t>
+              <a:t>5/12/2020</a:t>
             </a:fld>
             <a:endParaRPr lang="en-US"/>
           </a:p>
@@ -1409,7 +1409,7 @@
           <a:p>
             <a:fld id="{9A20AD26-AFFD-445F-842F-6B164729E2B1}" type="datetimeFigureOut">
               <a:rPr lang="en-US" smtClean="0"/>
-              <a:t>5/11/2020</a:t>
+              <a:t>5/12/2020</a:t>
             </a:fld>
             <a:endParaRPr lang="en-US"/>
           </a:p>
@@ -1821,7 +1821,7 @@
           <a:p>
             <a:fld id="{9A20AD26-AFFD-445F-842F-6B164729E2B1}" type="datetimeFigureOut">
               <a:rPr lang="en-US" smtClean="0"/>
-              <a:t>5/11/2020</a:t>
+              <a:t>5/12/2020</a:t>
             </a:fld>
             <a:endParaRPr lang="en-US"/>
           </a:p>
@@ -1962,7 +1962,7 @@
           <a:p>
             <a:fld id="{9A20AD26-AFFD-445F-842F-6B164729E2B1}" type="datetimeFigureOut">
               <a:rPr lang="en-US" smtClean="0"/>
-              <a:t>5/11/2020</a:t>
+              <a:t>5/12/2020</a:t>
             </a:fld>
             <a:endParaRPr lang="en-US"/>
           </a:p>
@@ -2075,7 +2075,7 @@
           <a:p>
             <a:fld id="{9A20AD26-AFFD-445F-842F-6B164729E2B1}" type="datetimeFigureOut">
               <a:rPr lang="en-US" smtClean="0"/>
-              <a:t>5/11/2020</a:t>
+              <a:t>5/12/2020</a:t>
             </a:fld>
             <a:endParaRPr lang="en-US"/>
           </a:p>
@@ -2386,7 +2386,7 @@
           <a:p>
             <a:fld id="{9A20AD26-AFFD-445F-842F-6B164729E2B1}" type="datetimeFigureOut">
               <a:rPr lang="en-US" smtClean="0"/>
-              <a:t>5/11/2020</a:t>
+              <a:t>5/12/2020</a:t>
             </a:fld>
             <a:endParaRPr lang="en-US"/>
           </a:p>
@@ -2674,7 +2674,7 @@
           <a:p>
             <a:fld id="{9A20AD26-AFFD-445F-842F-6B164729E2B1}" type="datetimeFigureOut">
               <a:rPr lang="en-US" smtClean="0"/>
-              <a:t>5/11/2020</a:t>
+              <a:t>5/12/2020</a:t>
             </a:fld>
             <a:endParaRPr lang="en-US"/>
           </a:p>
@@ -2915,7 +2915,7 @@
           <a:p>
             <a:fld id="{9A20AD26-AFFD-445F-842F-6B164729E2B1}" type="datetimeFigureOut">
               <a:rPr lang="en-US" smtClean="0"/>
-              <a:t>5/11/2020</a:t>
+              <a:t>5/12/2020</a:t>
             </a:fld>
             <a:endParaRPr lang="en-US"/>
           </a:p>
@@ -5457,12 +5457,152 @@
           </a:p>
         </p:txBody>
       </p:sp>
+      <p:sp>
+        <p:nvSpPr>
+          <p:cNvPr id="18" name="TextBox 17">
+            <a:extLst>
+              <a:ext uri="{FF2B5EF4-FFF2-40B4-BE49-F238E27FC236}">
+                <a16:creationId xmlns:a16="http://schemas.microsoft.com/office/drawing/2014/main" id="{892AABD8-80CB-430E-A176-EC6A96423C2F}"/>
+              </a:ext>
+            </a:extLst>
+          </p:cNvPr>
+          <p:cNvSpPr txBox="1"/>
+          <p:nvPr/>
+        </p:nvSpPr>
+        <p:spPr>
+          <a:xfrm>
+            <a:off x="4014448" y="2458472"/>
+            <a:ext cx="823653" cy="193899"/>
+          </a:xfrm>
+          <a:prstGeom prst="rect">
+            <a:avLst/>
+          </a:prstGeom>
+          <a:noFill/>
+        </p:spPr>
+        <p:txBody>
+          <a:bodyPr wrap="square" bIns="9144" rtlCol="0">
+            <a:spAutoFit/>
+          </a:bodyPr>
+          <a:lstStyle/>
+          <a:p>
+            <a:r>
+              <a:rPr lang="en-US" sz="900" dirty="0"/>
+              <a:t>Model A, S1</a:t>
+            </a:r>
+          </a:p>
+        </p:txBody>
+      </p:sp>
+      <p:sp>
+        <p:nvSpPr>
+          <p:cNvPr id="36" name="TextBox 35">
+            <a:extLst>
+              <a:ext uri="{FF2B5EF4-FFF2-40B4-BE49-F238E27FC236}">
+                <a16:creationId xmlns:a16="http://schemas.microsoft.com/office/drawing/2014/main" id="{58ED8097-1F45-417F-9B60-A807EE09F97B}"/>
+              </a:ext>
+            </a:extLst>
+          </p:cNvPr>
+          <p:cNvSpPr txBox="1"/>
+          <p:nvPr/>
+        </p:nvSpPr>
+        <p:spPr>
+          <a:xfrm>
+            <a:off x="4018532" y="3848351"/>
+            <a:ext cx="823653" cy="193899"/>
+          </a:xfrm>
+          <a:prstGeom prst="rect">
+            <a:avLst/>
+          </a:prstGeom>
+          <a:noFill/>
+        </p:spPr>
+        <p:txBody>
+          <a:bodyPr wrap="square" bIns="9144" rtlCol="0">
+            <a:spAutoFit/>
+          </a:bodyPr>
+          <a:lstStyle/>
+          <a:p>
+            <a:r>
+              <a:rPr lang="en-US" sz="900" dirty="0"/>
+              <a:t>Model A, S2</a:t>
+            </a:r>
+          </a:p>
+        </p:txBody>
+      </p:sp>
+      <p:sp>
+        <p:nvSpPr>
+          <p:cNvPr id="37" name="TextBox 36">
+            <a:extLst>
+              <a:ext uri="{FF2B5EF4-FFF2-40B4-BE49-F238E27FC236}">
+                <a16:creationId xmlns:a16="http://schemas.microsoft.com/office/drawing/2014/main" id="{F93057E5-AD48-459F-A5F3-4AF98C1D107C}"/>
+              </a:ext>
+            </a:extLst>
+          </p:cNvPr>
+          <p:cNvSpPr txBox="1"/>
+          <p:nvPr/>
+        </p:nvSpPr>
+        <p:spPr>
+          <a:xfrm>
+            <a:off x="5513351" y="3854834"/>
+            <a:ext cx="823653" cy="193899"/>
+          </a:xfrm>
+          <a:prstGeom prst="rect">
+            <a:avLst/>
+          </a:prstGeom>
+          <a:noFill/>
+        </p:spPr>
+        <p:txBody>
+          <a:bodyPr wrap="square" bIns="9144" rtlCol="0">
+            <a:spAutoFit/>
+          </a:bodyPr>
+          <a:lstStyle/>
+          <a:p>
+            <a:r>
+              <a:rPr lang="en-US" sz="900" dirty="0"/>
+              <a:t>Model A, S2</a:t>
+            </a:r>
+          </a:p>
+        </p:txBody>
+      </p:sp>
+      <p:sp>
+        <p:nvSpPr>
+          <p:cNvPr id="38" name="TextBox 37">
+            <a:extLst>
+              <a:ext uri="{FF2B5EF4-FFF2-40B4-BE49-F238E27FC236}">
+                <a16:creationId xmlns:a16="http://schemas.microsoft.com/office/drawing/2014/main" id="{594D6654-235D-4AB5-961E-24E69DB32543}"/>
+              </a:ext>
+            </a:extLst>
+          </p:cNvPr>
+          <p:cNvSpPr txBox="1"/>
+          <p:nvPr/>
+        </p:nvSpPr>
+        <p:spPr>
+          <a:xfrm>
+            <a:off x="5513351" y="2463776"/>
+            <a:ext cx="823653" cy="193899"/>
+          </a:xfrm>
+          <a:prstGeom prst="rect">
+            <a:avLst/>
+          </a:prstGeom>
+          <a:noFill/>
+        </p:spPr>
+        <p:txBody>
+          <a:bodyPr wrap="square" bIns="9144" rtlCol="0">
+            <a:spAutoFit/>
+          </a:bodyPr>
+          <a:lstStyle/>
+          <a:p>
+            <a:r>
+              <a:rPr lang="en-US" sz="900" dirty="0"/>
+              <a:t>Model A, S1</a:t>
+            </a:r>
+          </a:p>
+        </p:txBody>
+      </p:sp>
       <p:pic>
         <p:nvPicPr>
-          <p:cNvPr id="2" name="Picture 1">
-            <a:extLst>
-              <a:ext uri="{FF2B5EF4-FFF2-40B4-BE49-F238E27FC236}">
-                <a16:creationId xmlns:a16="http://schemas.microsoft.com/office/drawing/2014/main" id="{BECBAAA8-453A-47CF-AC5D-814F5B941296}"/>
+          <p:cNvPr id="19" name="Picture 18">
+            <a:extLst>
+              <a:ext uri="{FF2B5EF4-FFF2-40B4-BE49-F238E27FC236}">
+                <a16:creationId xmlns:a16="http://schemas.microsoft.com/office/drawing/2014/main" id="{353C057E-6E3A-4284-8165-8D7731EA33E3}"/>
               </a:ext>
             </a:extLst>
           </p:cNvPr>
@@ -5479,7 +5619,7 @@
         </p:blipFill>
         <p:spPr>
           <a:xfrm>
-            <a:off x="6880862" y="1497769"/>
+            <a:off x="7707356" y="1425483"/>
             <a:ext cx="2944623" cy="2828789"/>
           </a:xfrm>
           <a:prstGeom prst="rect">
@@ -7521,12 +7661,152 @@
           </a:p>
         </p:txBody>
       </p:sp>
+      <p:sp>
+        <p:nvSpPr>
+          <p:cNvPr id="47" name="TextBox 46">
+            <a:extLst>
+              <a:ext uri="{FF2B5EF4-FFF2-40B4-BE49-F238E27FC236}">
+                <a16:creationId xmlns:a16="http://schemas.microsoft.com/office/drawing/2014/main" id="{840AFD18-76F4-47D5-B2D4-45BB1EDD004C}"/>
+              </a:ext>
+            </a:extLst>
+          </p:cNvPr>
+          <p:cNvSpPr txBox="1"/>
+          <p:nvPr/>
+        </p:nvSpPr>
+        <p:spPr>
+          <a:xfrm>
+            <a:off x="4014448" y="2448744"/>
+            <a:ext cx="823653" cy="193899"/>
+          </a:xfrm>
+          <a:prstGeom prst="rect">
+            <a:avLst/>
+          </a:prstGeom>
+          <a:noFill/>
+        </p:spPr>
+        <p:txBody>
+          <a:bodyPr wrap="square" bIns="9144" rtlCol="0">
+            <a:spAutoFit/>
+          </a:bodyPr>
+          <a:lstStyle/>
+          <a:p>
+            <a:r>
+              <a:rPr lang="en-US" sz="900" dirty="0"/>
+              <a:t>Model B, S1</a:t>
+            </a:r>
+          </a:p>
+        </p:txBody>
+      </p:sp>
+      <p:sp>
+        <p:nvSpPr>
+          <p:cNvPr id="48" name="TextBox 47">
+            <a:extLst>
+              <a:ext uri="{FF2B5EF4-FFF2-40B4-BE49-F238E27FC236}">
+                <a16:creationId xmlns:a16="http://schemas.microsoft.com/office/drawing/2014/main" id="{73F7292A-06F7-4013-9E6B-F05C3FA1E0D5}"/>
+              </a:ext>
+            </a:extLst>
+          </p:cNvPr>
+          <p:cNvSpPr txBox="1"/>
+          <p:nvPr/>
+        </p:nvSpPr>
+        <p:spPr>
+          <a:xfrm>
+            <a:off x="4018532" y="3838623"/>
+            <a:ext cx="823653" cy="193899"/>
+          </a:xfrm>
+          <a:prstGeom prst="rect">
+            <a:avLst/>
+          </a:prstGeom>
+          <a:noFill/>
+        </p:spPr>
+        <p:txBody>
+          <a:bodyPr wrap="square" bIns="9144" rtlCol="0">
+            <a:spAutoFit/>
+          </a:bodyPr>
+          <a:lstStyle/>
+          <a:p>
+            <a:r>
+              <a:rPr lang="en-US" sz="900" dirty="0"/>
+              <a:t>Model B, S2</a:t>
+            </a:r>
+          </a:p>
+        </p:txBody>
+      </p:sp>
+      <p:sp>
+        <p:nvSpPr>
+          <p:cNvPr id="49" name="TextBox 48">
+            <a:extLst>
+              <a:ext uri="{FF2B5EF4-FFF2-40B4-BE49-F238E27FC236}">
+                <a16:creationId xmlns:a16="http://schemas.microsoft.com/office/drawing/2014/main" id="{2D95DAE4-4E38-4234-AF4F-342DD10A763E}"/>
+              </a:ext>
+            </a:extLst>
+          </p:cNvPr>
+          <p:cNvSpPr txBox="1"/>
+          <p:nvPr/>
+        </p:nvSpPr>
+        <p:spPr>
+          <a:xfrm>
+            <a:off x="5513351" y="3845106"/>
+            <a:ext cx="823653" cy="193899"/>
+          </a:xfrm>
+          <a:prstGeom prst="rect">
+            <a:avLst/>
+          </a:prstGeom>
+          <a:noFill/>
+        </p:spPr>
+        <p:txBody>
+          <a:bodyPr wrap="square" bIns="9144" rtlCol="0">
+            <a:spAutoFit/>
+          </a:bodyPr>
+          <a:lstStyle/>
+          <a:p>
+            <a:r>
+              <a:rPr lang="en-US" sz="900" dirty="0"/>
+              <a:t>Model B, S2</a:t>
+            </a:r>
+          </a:p>
+        </p:txBody>
+      </p:sp>
+      <p:sp>
+        <p:nvSpPr>
+          <p:cNvPr id="50" name="TextBox 49">
+            <a:extLst>
+              <a:ext uri="{FF2B5EF4-FFF2-40B4-BE49-F238E27FC236}">
+                <a16:creationId xmlns:a16="http://schemas.microsoft.com/office/drawing/2014/main" id="{553D93B9-5FC9-4FDB-8C0B-4832F2E685AD}"/>
+              </a:ext>
+            </a:extLst>
+          </p:cNvPr>
+          <p:cNvSpPr txBox="1"/>
+          <p:nvPr/>
+        </p:nvSpPr>
+        <p:spPr>
+          <a:xfrm>
+            <a:off x="5513351" y="2454048"/>
+            <a:ext cx="823653" cy="193899"/>
+          </a:xfrm>
+          <a:prstGeom prst="rect">
+            <a:avLst/>
+          </a:prstGeom>
+          <a:noFill/>
+        </p:spPr>
+        <p:txBody>
+          <a:bodyPr wrap="square" bIns="9144" rtlCol="0">
+            <a:spAutoFit/>
+          </a:bodyPr>
+          <a:lstStyle/>
+          <a:p>
+            <a:r>
+              <a:rPr lang="en-US" sz="900" dirty="0"/>
+              <a:t>Model B, S1</a:t>
+            </a:r>
+          </a:p>
+        </p:txBody>
+      </p:sp>
       <p:pic>
         <p:nvPicPr>
-          <p:cNvPr id="4" name="Picture 3">
-            <a:extLst>
-              <a:ext uri="{FF2B5EF4-FFF2-40B4-BE49-F238E27FC236}">
-                <a16:creationId xmlns:a16="http://schemas.microsoft.com/office/drawing/2014/main" id="{D355E3FE-DC91-4B00-987A-72D85EA33EDC}"/>
+          <p:cNvPr id="6" name="Picture 5">
+            <a:extLst>
+              <a:ext uri="{FF2B5EF4-FFF2-40B4-BE49-F238E27FC236}">
+                <a16:creationId xmlns:a16="http://schemas.microsoft.com/office/drawing/2014/main" id="{6358B51B-3CA4-46EF-BA61-593FA8B3B439}"/>
               </a:ext>
             </a:extLst>
           </p:cNvPr>
@@ -7543,7 +7823,7 @@
         </p:blipFill>
         <p:spPr>
           <a:xfrm>
-            <a:off x="7080376" y="1560486"/>
+            <a:off x="7564489" y="1505714"/>
             <a:ext cx="2938527" cy="2834886"/>
           </a:xfrm>
           <a:prstGeom prst="rect">
@@ -9540,12 +9820,152 @@
           </a:p>
         </p:txBody>
       </p:sp>
+      <p:sp>
+        <p:nvSpPr>
+          <p:cNvPr id="37" name="TextBox 36">
+            <a:extLst>
+              <a:ext uri="{FF2B5EF4-FFF2-40B4-BE49-F238E27FC236}">
+                <a16:creationId xmlns:a16="http://schemas.microsoft.com/office/drawing/2014/main" id="{891DE2CE-DC32-4CB6-A43C-0DB644D4A7C1}"/>
+              </a:ext>
+            </a:extLst>
+          </p:cNvPr>
+          <p:cNvSpPr txBox="1"/>
+          <p:nvPr/>
+        </p:nvSpPr>
+        <p:spPr>
+          <a:xfrm>
+            <a:off x="4014448" y="2458472"/>
+            <a:ext cx="823653" cy="193899"/>
+          </a:xfrm>
+          <a:prstGeom prst="rect">
+            <a:avLst/>
+          </a:prstGeom>
+          <a:noFill/>
+        </p:spPr>
+        <p:txBody>
+          <a:bodyPr wrap="square" bIns="9144" rtlCol="0">
+            <a:spAutoFit/>
+          </a:bodyPr>
+          <a:lstStyle/>
+          <a:p>
+            <a:r>
+              <a:rPr lang="en-US" sz="900" dirty="0"/>
+              <a:t>Model C, S1</a:t>
+            </a:r>
+          </a:p>
+        </p:txBody>
+      </p:sp>
+      <p:sp>
+        <p:nvSpPr>
+          <p:cNvPr id="38" name="TextBox 37">
+            <a:extLst>
+              <a:ext uri="{FF2B5EF4-FFF2-40B4-BE49-F238E27FC236}">
+                <a16:creationId xmlns:a16="http://schemas.microsoft.com/office/drawing/2014/main" id="{95EA08C8-8978-486D-A8CD-90EE57A63D5B}"/>
+              </a:ext>
+            </a:extLst>
+          </p:cNvPr>
+          <p:cNvSpPr txBox="1"/>
+          <p:nvPr/>
+        </p:nvSpPr>
+        <p:spPr>
+          <a:xfrm>
+            <a:off x="4018532" y="3848351"/>
+            <a:ext cx="823653" cy="193899"/>
+          </a:xfrm>
+          <a:prstGeom prst="rect">
+            <a:avLst/>
+          </a:prstGeom>
+          <a:noFill/>
+        </p:spPr>
+        <p:txBody>
+          <a:bodyPr wrap="square" bIns="9144" rtlCol="0">
+            <a:spAutoFit/>
+          </a:bodyPr>
+          <a:lstStyle/>
+          <a:p>
+            <a:r>
+              <a:rPr lang="en-US" sz="900" dirty="0"/>
+              <a:t>Placeholder</a:t>
+            </a:r>
+          </a:p>
+        </p:txBody>
+      </p:sp>
+      <p:sp>
+        <p:nvSpPr>
+          <p:cNvPr id="39" name="TextBox 38">
+            <a:extLst>
+              <a:ext uri="{FF2B5EF4-FFF2-40B4-BE49-F238E27FC236}">
+                <a16:creationId xmlns:a16="http://schemas.microsoft.com/office/drawing/2014/main" id="{4AF90F54-65BC-4230-82D1-32503A566CCE}"/>
+              </a:ext>
+            </a:extLst>
+          </p:cNvPr>
+          <p:cNvSpPr txBox="1"/>
+          <p:nvPr/>
+        </p:nvSpPr>
+        <p:spPr>
+          <a:xfrm>
+            <a:off x="5513351" y="3854834"/>
+            <a:ext cx="823653" cy="193899"/>
+          </a:xfrm>
+          <a:prstGeom prst="rect">
+            <a:avLst/>
+          </a:prstGeom>
+          <a:noFill/>
+        </p:spPr>
+        <p:txBody>
+          <a:bodyPr wrap="square" bIns="9144" rtlCol="0">
+            <a:spAutoFit/>
+          </a:bodyPr>
+          <a:lstStyle/>
+          <a:p>
+            <a:r>
+              <a:rPr lang="en-US" sz="900" dirty="0"/>
+              <a:t>Placeholder</a:t>
+            </a:r>
+          </a:p>
+        </p:txBody>
+      </p:sp>
+      <p:sp>
+        <p:nvSpPr>
+          <p:cNvPr id="40" name="TextBox 39">
+            <a:extLst>
+              <a:ext uri="{FF2B5EF4-FFF2-40B4-BE49-F238E27FC236}">
+                <a16:creationId xmlns:a16="http://schemas.microsoft.com/office/drawing/2014/main" id="{0C68050F-15E7-4CB0-A644-03981EE735AB}"/>
+              </a:ext>
+            </a:extLst>
+          </p:cNvPr>
+          <p:cNvSpPr txBox="1"/>
+          <p:nvPr/>
+        </p:nvSpPr>
+        <p:spPr>
+          <a:xfrm>
+            <a:off x="5513351" y="2463776"/>
+            <a:ext cx="823653" cy="193899"/>
+          </a:xfrm>
+          <a:prstGeom prst="rect">
+            <a:avLst/>
+          </a:prstGeom>
+          <a:noFill/>
+        </p:spPr>
+        <p:txBody>
+          <a:bodyPr wrap="square" bIns="9144" rtlCol="0">
+            <a:spAutoFit/>
+          </a:bodyPr>
+          <a:lstStyle/>
+          <a:p>
+            <a:r>
+              <a:rPr lang="en-US" sz="900" dirty="0"/>
+              <a:t>Model C, S1</a:t>
+            </a:r>
+          </a:p>
+        </p:txBody>
+      </p:sp>
       <p:pic>
         <p:nvPicPr>
-          <p:cNvPr id="2" name="Picture 1">
-            <a:extLst>
-              <a:ext uri="{FF2B5EF4-FFF2-40B4-BE49-F238E27FC236}">
-                <a16:creationId xmlns:a16="http://schemas.microsoft.com/office/drawing/2014/main" id="{7D2E3614-694E-41A6-9B5C-A4D071C29610}"/>
+          <p:cNvPr id="4" name="Picture 3">
+            <a:extLst>
+              <a:ext uri="{FF2B5EF4-FFF2-40B4-BE49-F238E27FC236}">
+                <a16:creationId xmlns:a16="http://schemas.microsoft.com/office/drawing/2014/main" id="{0468E976-BF89-44DA-8A9F-A36A17F14489}"/>
               </a:ext>
             </a:extLst>
           </p:cNvPr>
@@ -9562,7 +9982,7 @@
         </p:blipFill>
         <p:spPr>
           <a:xfrm>
-            <a:off x="6779704" y="1545205"/>
+            <a:off x="7227070" y="1575050"/>
             <a:ext cx="2932430" cy="1426588"/>
           </a:xfrm>
           <a:prstGeom prst="rect">
@@ -9767,12 +10187,82 @@
           </a:p>
         </p:txBody>
       </p:sp>
+      <p:sp>
+        <p:nvSpPr>
+          <p:cNvPr id="11" name="TextBox 10">
+            <a:extLst>
+              <a:ext uri="{FF2B5EF4-FFF2-40B4-BE49-F238E27FC236}">
+                <a16:creationId xmlns:a16="http://schemas.microsoft.com/office/drawing/2014/main" id="{E37DB2D4-ADD1-45B1-985F-5D6CC97A986C}"/>
+              </a:ext>
+            </a:extLst>
+          </p:cNvPr>
+          <p:cNvSpPr txBox="1"/>
+          <p:nvPr/>
+        </p:nvSpPr>
+        <p:spPr>
+          <a:xfrm>
+            <a:off x="2782694" y="900026"/>
+            <a:ext cx="997284" cy="301621"/>
+          </a:xfrm>
+          <a:prstGeom prst="rect">
+            <a:avLst/>
+          </a:prstGeom>
+          <a:noFill/>
+        </p:spPr>
+        <p:txBody>
+          <a:bodyPr wrap="square" bIns="9144" rtlCol="0">
+            <a:spAutoFit/>
+          </a:bodyPr>
+          <a:lstStyle/>
+          <a:p>
+            <a:r>
+              <a:rPr lang="en-US" sz="1600" b="1" dirty="0"/>
+              <a:t>Model A</a:t>
+            </a:r>
+          </a:p>
+        </p:txBody>
+      </p:sp>
+      <p:sp>
+        <p:nvSpPr>
+          <p:cNvPr id="12" name="TextBox 11">
+            <a:extLst>
+              <a:ext uri="{FF2B5EF4-FFF2-40B4-BE49-F238E27FC236}">
+                <a16:creationId xmlns:a16="http://schemas.microsoft.com/office/drawing/2014/main" id="{E0E465ED-31EB-44EE-B16C-25ED34278AF3}"/>
+              </a:ext>
+            </a:extLst>
+          </p:cNvPr>
+          <p:cNvSpPr txBox="1"/>
+          <p:nvPr/>
+        </p:nvSpPr>
+        <p:spPr>
+          <a:xfrm>
+            <a:off x="2782694" y="2597556"/>
+            <a:ext cx="997284" cy="301621"/>
+          </a:xfrm>
+          <a:prstGeom prst="rect">
+            <a:avLst/>
+          </a:prstGeom>
+          <a:noFill/>
+        </p:spPr>
+        <p:txBody>
+          <a:bodyPr wrap="square" bIns="9144" rtlCol="0">
+            <a:spAutoFit/>
+          </a:bodyPr>
+          <a:lstStyle/>
+          <a:p>
+            <a:r>
+              <a:rPr lang="en-US" sz="1600" b="1" dirty="0"/>
+              <a:t>Model A</a:t>
+            </a:r>
+          </a:p>
+        </p:txBody>
+      </p:sp>
       <p:pic>
         <p:nvPicPr>
-          <p:cNvPr id="20" name="Picture 19">
-            <a:extLst>
-              <a:ext uri="{FF2B5EF4-FFF2-40B4-BE49-F238E27FC236}">
-                <a16:creationId xmlns:a16="http://schemas.microsoft.com/office/drawing/2014/main" id="{32D763CF-5053-4755-A11C-A3A0A2412276}"/>
+          <p:cNvPr id="2" name="Picture 1">
+            <a:extLst>
+              <a:ext uri="{FF2B5EF4-FFF2-40B4-BE49-F238E27FC236}">
+                <a16:creationId xmlns:a16="http://schemas.microsoft.com/office/drawing/2014/main" id="{5A29DDFA-9205-4E95-8AAA-3F023D4798C9}"/>
               </a:ext>
             </a:extLst>
           </p:cNvPr>
@@ -9789,7 +10279,7 @@
         </p:blipFill>
         <p:spPr>
           <a:xfrm>
-            <a:off x="7343282" y="1055344"/>
+            <a:off x="7955565" y="844953"/>
             <a:ext cx="2572735" cy="3407959"/>
           </a:xfrm>
           <a:prstGeom prst="rect">
@@ -9994,12 +10484,82 @@
           </a:p>
         </p:txBody>
       </p:sp>
+      <p:sp>
+        <p:nvSpPr>
+          <p:cNvPr id="10" name="TextBox 9">
+            <a:extLst>
+              <a:ext uri="{FF2B5EF4-FFF2-40B4-BE49-F238E27FC236}">
+                <a16:creationId xmlns:a16="http://schemas.microsoft.com/office/drawing/2014/main" id="{EEA0B690-9C13-40FA-BBEB-080A4CC73F40}"/>
+              </a:ext>
+            </a:extLst>
+          </p:cNvPr>
+          <p:cNvSpPr txBox="1"/>
+          <p:nvPr/>
+        </p:nvSpPr>
+        <p:spPr>
+          <a:xfrm>
+            <a:off x="4063057" y="734911"/>
+            <a:ext cx="997284" cy="301621"/>
+          </a:xfrm>
+          <a:prstGeom prst="rect">
+            <a:avLst/>
+          </a:prstGeom>
+          <a:noFill/>
+        </p:spPr>
+        <p:txBody>
+          <a:bodyPr wrap="square" bIns="9144" rtlCol="0">
+            <a:spAutoFit/>
+          </a:bodyPr>
+          <a:lstStyle/>
+          <a:p>
+            <a:r>
+              <a:rPr lang="en-US" sz="1600" b="1" dirty="0"/>
+              <a:t>Model B</a:t>
+            </a:r>
+          </a:p>
+        </p:txBody>
+      </p:sp>
+      <p:sp>
+        <p:nvSpPr>
+          <p:cNvPr id="11" name="TextBox 10">
+            <a:extLst>
+              <a:ext uri="{FF2B5EF4-FFF2-40B4-BE49-F238E27FC236}">
+                <a16:creationId xmlns:a16="http://schemas.microsoft.com/office/drawing/2014/main" id="{50C578CA-905F-480D-9BC8-0279F4A4191E}"/>
+              </a:ext>
+            </a:extLst>
+          </p:cNvPr>
+          <p:cNvSpPr txBox="1"/>
+          <p:nvPr/>
+        </p:nvSpPr>
+        <p:spPr>
+          <a:xfrm>
+            <a:off x="4063057" y="2432441"/>
+            <a:ext cx="997284" cy="301621"/>
+          </a:xfrm>
+          <a:prstGeom prst="rect">
+            <a:avLst/>
+          </a:prstGeom>
+          <a:noFill/>
+        </p:spPr>
+        <p:txBody>
+          <a:bodyPr wrap="square" bIns="9144" rtlCol="0">
+            <a:spAutoFit/>
+          </a:bodyPr>
+          <a:lstStyle/>
+          <a:p>
+            <a:r>
+              <a:rPr lang="en-US" sz="1600" b="1" dirty="0"/>
+              <a:t>Model B</a:t>
+            </a:r>
+          </a:p>
+        </p:txBody>
+      </p:sp>
       <p:pic>
         <p:nvPicPr>
-          <p:cNvPr id="2" name="Picture 1">
-            <a:extLst>
-              <a:ext uri="{FF2B5EF4-FFF2-40B4-BE49-F238E27FC236}">
-                <a16:creationId xmlns:a16="http://schemas.microsoft.com/office/drawing/2014/main" id="{E60C8BBE-84A7-4109-92AE-9EDF2FEC3E9A}"/>
+          <p:cNvPr id="4" name="Picture 3">
+            <a:extLst>
+              <a:ext uri="{FF2B5EF4-FFF2-40B4-BE49-F238E27FC236}">
+                <a16:creationId xmlns:a16="http://schemas.microsoft.com/office/drawing/2014/main" id="{4729CCF0-9EB5-4856-94C2-C9FE17A91E68}"/>
               </a:ext>
             </a:extLst>
           </p:cNvPr>
@@ -10016,7 +10576,7 @@
         </p:blipFill>
         <p:spPr>
           <a:xfrm>
-            <a:off x="7492634" y="691832"/>
+            <a:off x="7540056" y="728461"/>
             <a:ext cx="2578832" cy="3407959"/>
           </a:xfrm>
           <a:prstGeom prst="rect">
@@ -10221,12 +10781,82 @@
           </a:p>
         </p:txBody>
       </p:sp>
+      <p:sp>
+        <p:nvSpPr>
+          <p:cNvPr id="9" name="TextBox 8">
+            <a:extLst>
+              <a:ext uri="{FF2B5EF4-FFF2-40B4-BE49-F238E27FC236}">
+                <a16:creationId xmlns:a16="http://schemas.microsoft.com/office/drawing/2014/main" id="{BABE4609-619E-41CA-8D2A-5FF6C7339730}"/>
+              </a:ext>
+            </a:extLst>
+          </p:cNvPr>
+          <p:cNvSpPr txBox="1"/>
+          <p:nvPr/>
+        </p:nvSpPr>
+        <p:spPr>
+          <a:xfrm>
+            <a:off x="3346901" y="510917"/>
+            <a:ext cx="997284" cy="301621"/>
+          </a:xfrm>
+          <a:prstGeom prst="rect">
+            <a:avLst/>
+          </a:prstGeom>
+          <a:noFill/>
+        </p:spPr>
+        <p:txBody>
+          <a:bodyPr wrap="square" bIns="9144" rtlCol="0">
+            <a:spAutoFit/>
+          </a:bodyPr>
+          <a:lstStyle/>
+          <a:p>
+            <a:r>
+              <a:rPr lang="en-US" sz="1600" b="1" dirty="0"/>
+              <a:t>Model C</a:t>
+            </a:r>
+          </a:p>
+        </p:txBody>
+      </p:sp>
+      <p:sp>
+        <p:nvSpPr>
+          <p:cNvPr id="10" name="TextBox 9">
+            <a:extLst>
+              <a:ext uri="{FF2B5EF4-FFF2-40B4-BE49-F238E27FC236}">
+                <a16:creationId xmlns:a16="http://schemas.microsoft.com/office/drawing/2014/main" id="{A63FC799-4122-4CCD-98C6-C36F1DBC25BA}"/>
+              </a:ext>
+            </a:extLst>
+          </p:cNvPr>
+          <p:cNvSpPr txBox="1"/>
+          <p:nvPr/>
+        </p:nvSpPr>
+        <p:spPr>
+          <a:xfrm>
+            <a:off x="3346901" y="2208447"/>
+            <a:ext cx="997284" cy="301621"/>
+          </a:xfrm>
+          <a:prstGeom prst="rect">
+            <a:avLst/>
+          </a:prstGeom>
+          <a:noFill/>
+        </p:spPr>
+        <p:txBody>
+          <a:bodyPr wrap="square" bIns="9144" rtlCol="0">
+            <a:spAutoFit/>
+          </a:bodyPr>
+          <a:lstStyle/>
+          <a:p>
+            <a:r>
+              <a:rPr lang="en-US" sz="1600" b="1" dirty="0"/>
+              <a:t>Model C</a:t>
+            </a:r>
+          </a:p>
+        </p:txBody>
+      </p:sp>
       <p:pic>
         <p:nvPicPr>
-          <p:cNvPr id="2" name="Picture 1">
-            <a:extLst>
-              <a:ext uri="{FF2B5EF4-FFF2-40B4-BE49-F238E27FC236}">
-                <a16:creationId xmlns:a16="http://schemas.microsoft.com/office/drawing/2014/main" id="{4267F375-A64A-4E93-AF58-625560CC78ED}"/>
+          <p:cNvPr id="4" name="Picture 3">
+            <a:extLst>
+              <a:ext uri="{FF2B5EF4-FFF2-40B4-BE49-F238E27FC236}">
+                <a16:creationId xmlns:a16="http://schemas.microsoft.com/office/drawing/2014/main" id="{2D67C102-74AE-41B9-B3B5-E5933B620432}"/>
               </a:ext>
             </a:extLst>
           </p:cNvPr>
@@ -10243,7 +10873,7 @@
         </p:blipFill>
         <p:spPr>
           <a:xfrm>
-            <a:off x="6940184" y="604118"/>
+            <a:off x="7797802" y="507515"/>
             <a:ext cx="2578832" cy="3401863"/>
           </a:xfrm>
           <a:prstGeom prst="rect">

--- a/Examples/Example19/0-ConsolidatedResultsExample19toExample21_optimized_map_mcmc_images.pptx
+++ b/Examples/Example19/0-ConsolidatedResultsExample19toExample21_optimized_map_mcmc_images.pptx
@@ -265,7 +265,7 @@
           <a:p>
             <a:fld id="{9A20AD26-AFFD-445F-842F-6B164729E2B1}" type="datetimeFigureOut">
               <a:rPr lang="en-US" smtClean="0"/>
-              <a:t>5/12/2020</a:t>
+              <a:t>7/18/2020</a:t>
             </a:fld>
             <a:endParaRPr lang="en-US"/>
           </a:p>
@@ -463,7 +463,7 @@
           <a:p>
             <a:fld id="{9A20AD26-AFFD-445F-842F-6B164729E2B1}" type="datetimeFigureOut">
               <a:rPr lang="en-US" smtClean="0"/>
-              <a:t>5/12/2020</a:t>
+              <a:t>7/18/2020</a:t>
             </a:fld>
             <a:endParaRPr lang="en-US"/>
           </a:p>
@@ -671,7 +671,7 @@
           <a:p>
             <a:fld id="{9A20AD26-AFFD-445F-842F-6B164729E2B1}" type="datetimeFigureOut">
               <a:rPr lang="en-US" smtClean="0"/>
-              <a:t>5/12/2020</a:t>
+              <a:t>7/18/2020</a:t>
             </a:fld>
             <a:endParaRPr lang="en-US"/>
           </a:p>
@@ -869,7 +869,7 @@
           <a:p>
             <a:fld id="{9A20AD26-AFFD-445F-842F-6B164729E2B1}" type="datetimeFigureOut">
               <a:rPr lang="en-US" smtClean="0"/>
-              <a:t>5/12/2020</a:t>
+              <a:t>7/18/2020</a:t>
             </a:fld>
             <a:endParaRPr lang="en-US"/>
           </a:p>
@@ -1144,7 +1144,7 @@
           <a:p>
             <a:fld id="{9A20AD26-AFFD-445F-842F-6B164729E2B1}" type="datetimeFigureOut">
               <a:rPr lang="en-US" smtClean="0"/>
-              <a:t>5/12/2020</a:t>
+              <a:t>7/18/2020</a:t>
             </a:fld>
             <a:endParaRPr lang="en-US"/>
           </a:p>
@@ -1409,7 +1409,7 @@
           <a:p>
             <a:fld id="{9A20AD26-AFFD-445F-842F-6B164729E2B1}" type="datetimeFigureOut">
               <a:rPr lang="en-US" smtClean="0"/>
-              <a:t>5/12/2020</a:t>
+              <a:t>7/18/2020</a:t>
             </a:fld>
             <a:endParaRPr lang="en-US"/>
           </a:p>
@@ -1821,7 +1821,7 @@
           <a:p>
             <a:fld id="{9A20AD26-AFFD-445F-842F-6B164729E2B1}" type="datetimeFigureOut">
               <a:rPr lang="en-US" smtClean="0"/>
-              <a:t>5/12/2020</a:t>
+              <a:t>7/18/2020</a:t>
             </a:fld>
             <a:endParaRPr lang="en-US"/>
           </a:p>
@@ -1962,7 +1962,7 @@
           <a:p>
             <a:fld id="{9A20AD26-AFFD-445F-842F-6B164729E2B1}" type="datetimeFigureOut">
               <a:rPr lang="en-US" smtClean="0"/>
-              <a:t>5/12/2020</a:t>
+              <a:t>7/18/2020</a:t>
             </a:fld>
             <a:endParaRPr lang="en-US"/>
           </a:p>
@@ -2075,7 +2075,7 @@
           <a:p>
             <a:fld id="{9A20AD26-AFFD-445F-842F-6B164729E2B1}" type="datetimeFigureOut">
               <a:rPr lang="en-US" smtClean="0"/>
-              <a:t>5/12/2020</a:t>
+              <a:t>7/18/2020</a:t>
             </a:fld>
             <a:endParaRPr lang="en-US"/>
           </a:p>
@@ -2386,7 +2386,7 @@
           <a:p>
             <a:fld id="{9A20AD26-AFFD-445F-842F-6B164729E2B1}" type="datetimeFigureOut">
               <a:rPr lang="en-US" smtClean="0"/>
-              <a:t>5/12/2020</a:t>
+              <a:t>7/18/2020</a:t>
             </a:fld>
             <a:endParaRPr lang="en-US"/>
           </a:p>
@@ -2674,7 +2674,7 @@
           <a:p>
             <a:fld id="{9A20AD26-AFFD-445F-842F-6B164729E2B1}" type="datetimeFigureOut">
               <a:rPr lang="en-US" smtClean="0"/>
-              <a:t>5/12/2020</a:t>
+              <a:t>7/18/2020</a:t>
             </a:fld>
             <a:endParaRPr lang="en-US"/>
           </a:p>
@@ -2915,7 +2915,7 @@
           <a:p>
             <a:fld id="{9A20AD26-AFFD-445F-842F-6B164729E2B1}" type="datetimeFigureOut">
               <a:rPr lang="en-US" smtClean="0"/>
-              <a:t>5/12/2020</a:t>
+              <a:t>7/18/2020</a:t>
             </a:fld>
             <a:endParaRPr lang="en-US"/>
           </a:p>
@@ -3639,7 +3639,7 @@
         </p:nvCxnSpPr>
         <p:spPr>
           <a:xfrm>
-            <a:off x="5301615" y="2186303"/>
+            <a:off x="5301615" y="2182334"/>
             <a:ext cx="1021080" cy="0"/>
           </a:xfrm>
           <a:prstGeom prst="line">
@@ -5619,7 +5619,7 @@
         </p:blipFill>
         <p:spPr>
           <a:xfrm>
-            <a:off x="7707356" y="1425483"/>
+            <a:off x="7707356" y="1422308"/>
             <a:ext cx="2944623" cy="2828789"/>
           </a:xfrm>
           <a:prstGeom prst="rect">
@@ -5933,7 +5933,7 @@
         </p:nvCxnSpPr>
         <p:spPr>
           <a:xfrm>
-            <a:off x="3796665" y="1992306"/>
+            <a:off x="3796665" y="1989925"/>
             <a:ext cx="1021080" cy="0"/>
           </a:xfrm>
           <a:prstGeom prst="line">
@@ -5977,7 +5977,7 @@
         </p:nvCxnSpPr>
         <p:spPr>
           <a:xfrm>
-            <a:off x="3817620" y="3810316"/>
+            <a:off x="3817620" y="3812697"/>
             <a:ext cx="1021080" cy="0"/>
           </a:xfrm>
           <a:prstGeom prst="line">
@@ -8001,7 +8001,7 @@
         </p:nvCxnSpPr>
         <p:spPr>
           <a:xfrm>
-            <a:off x="3817620" y="3805553"/>
+            <a:off x="3817620" y="3800791"/>
             <a:ext cx="1021080" cy="0"/>
           </a:xfrm>
           <a:prstGeom prst="line">
